--- a/Trab Eng Software/3°Fase do trabalho/Apresentação Etapa 3 - Adaptação JP.pptx
+++ b/Trab Eng Software/3°Fase do trabalho/Apresentação Etapa 3 - Adaptação JP.pptx
@@ -10,10 +10,12 @@
     <p:sldId id="257" r:id="rId4"/>
     <p:sldId id="263" r:id="rId5"/>
     <p:sldId id="258" r:id="rId6"/>
-    <p:sldId id="260" r:id="rId7"/>
-    <p:sldId id="261" r:id="rId8"/>
-    <p:sldId id="262" r:id="rId9"/>
-    <p:sldId id="264" r:id="rId10"/>
+    <p:sldId id="266" r:id="rId7"/>
+    <p:sldId id="267" r:id="rId8"/>
+    <p:sldId id="260" r:id="rId9"/>
+    <p:sldId id="261" r:id="rId10"/>
+    <p:sldId id="262" r:id="rId11"/>
+    <p:sldId id="264" r:id="rId12"/>
   </p:sldIdLst>
   <p:sldSz cx="9144000" cy="6858000" type="screen4x3"/>
   <p:notesSz cx="6858000" cy="9144000"/>
@@ -349,7 +351,7 @@
     </p:spTree>
     <p:extLst>
       <p:ext uri="{BB962C8B-B14F-4D97-AF65-F5344CB8AC3E}">
-        <p14:creationId xmlns:p14="http://schemas.microsoft.com/office/powerpoint/2010/main" xmlns="" val="1478311544"/>
+        <p14:creationId xmlns="" xmlns:p14="http://schemas.microsoft.com/office/powerpoint/2010/main" val="1478311544"/>
       </p:ext>
     </p:extLst>
   </p:cSld>
@@ -521,7 +523,7 @@
     </p:spTree>
     <p:extLst>
       <p:ext uri="{BB962C8B-B14F-4D97-AF65-F5344CB8AC3E}">
-        <p14:creationId xmlns:p14="http://schemas.microsoft.com/office/powerpoint/2010/main" xmlns="" val="3505800740"/>
+        <p14:creationId xmlns="" xmlns:p14="http://schemas.microsoft.com/office/powerpoint/2010/main" val="3505800740"/>
       </p:ext>
     </p:extLst>
   </p:cSld>
@@ -703,7 +705,7 @@
     </p:spTree>
     <p:extLst>
       <p:ext uri="{BB962C8B-B14F-4D97-AF65-F5344CB8AC3E}">
-        <p14:creationId xmlns:p14="http://schemas.microsoft.com/office/powerpoint/2010/main" xmlns="" val="2376402701"/>
+        <p14:creationId xmlns="" xmlns:p14="http://schemas.microsoft.com/office/powerpoint/2010/main" val="2376402701"/>
       </p:ext>
     </p:extLst>
   </p:cSld>
@@ -875,7 +877,7 @@
     </p:spTree>
     <p:extLst>
       <p:ext uri="{BB962C8B-B14F-4D97-AF65-F5344CB8AC3E}">
-        <p14:creationId xmlns:p14="http://schemas.microsoft.com/office/powerpoint/2010/main" xmlns="" val="3172837465"/>
+        <p14:creationId xmlns="" xmlns:p14="http://schemas.microsoft.com/office/powerpoint/2010/main" val="3172837465"/>
       </p:ext>
     </p:extLst>
   </p:cSld>
@@ -1123,7 +1125,7 @@
     </p:spTree>
     <p:extLst>
       <p:ext uri="{BB962C8B-B14F-4D97-AF65-F5344CB8AC3E}">
-        <p14:creationId xmlns:p14="http://schemas.microsoft.com/office/powerpoint/2010/main" xmlns="" val="2539215369"/>
+        <p14:creationId xmlns="" xmlns:p14="http://schemas.microsoft.com/office/powerpoint/2010/main" val="2539215369"/>
       </p:ext>
     </p:extLst>
   </p:cSld>
@@ -1413,7 +1415,7 @@
     </p:spTree>
     <p:extLst>
       <p:ext uri="{BB962C8B-B14F-4D97-AF65-F5344CB8AC3E}">
-        <p14:creationId xmlns:p14="http://schemas.microsoft.com/office/powerpoint/2010/main" xmlns="" val="1331431120"/>
+        <p14:creationId xmlns="" xmlns:p14="http://schemas.microsoft.com/office/powerpoint/2010/main" val="1331431120"/>
       </p:ext>
     </p:extLst>
   </p:cSld>
@@ -1837,7 +1839,7 @@
     </p:spTree>
     <p:extLst>
       <p:ext uri="{BB962C8B-B14F-4D97-AF65-F5344CB8AC3E}">
-        <p14:creationId xmlns:p14="http://schemas.microsoft.com/office/powerpoint/2010/main" xmlns="" val="1217087604"/>
+        <p14:creationId xmlns="" xmlns:p14="http://schemas.microsoft.com/office/powerpoint/2010/main" val="1217087604"/>
       </p:ext>
     </p:extLst>
   </p:cSld>
@@ -1957,7 +1959,7 @@
     </p:spTree>
     <p:extLst>
       <p:ext uri="{BB962C8B-B14F-4D97-AF65-F5344CB8AC3E}">
-        <p14:creationId xmlns:p14="http://schemas.microsoft.com/office/powerpoint/2010/main" xmlns="" val="1097157162"/>
+        <p14:creationId xmlns="" xmlns:p14="http://schemas.microsoft.com/office/powerpoint/2010/main" val="1097157162"/>
       </p:ext>
     </p:extLst>
   </p:cSld>
@@ -2054,7 +2056,7 @@
     </p:spTree>
     <p:extLst>
       <p:ext uri="{BB962C8B-B14F-4D97-AF65-F5344CB8AC3E}">
-        <p14:creationId xmlns:p14="http://schemas.microsoft.com/office/powerpoint/2010/main" xmlns="" val="1679169195"/>
+        <p14:creationId xmlns="" xmlns:p14="http://schemas.microsoft.com/office/powerpoint/2010/main" val="1679169195"/>
       </p:ext>
     </p:extLst>
   </p:cSld>
@@ -2333,7 +2335,7 @@
     </p:spTree>
     <p:extLst>
       <p:ext uri="{BB962C8B-B14F-4D97-AF65-F5344CB8AC3E}">
-        <p14:creationId xmlns:p14="http://schemas.microsoft.com/office/powerpoint/2010/main" xmlns="" val="526725474"/>
+        <p14:creationId xmlns="" xmlns:p14="http://schemas.microsoft.com/office/powerpoint/2010/main" val="526725474"/>
       </p:ext>
     </p:extLst>
   </p:cSld>
@@ -2588,7 +2590,7 @@
     </p:spTree>
     <p:extLst>
       <p:ext uri="{BB962C8B-B14F-4D97-AF65-F5344CB8AC3E}">
-        <p14:creationId xmlns:p14="http://schemas.microsoft.com/office/powerpoint/2010/main" xmlns="" val="620370457"/>
+        <p14:creationId xmlns="" xmlns:p14="http://schemas.microsoft.com/office/powerpoint/2010/main" val="620370457"/>
       </p:ext>
     </p:extLst>
   </p:cSld>
@@ -2844,7 +2846,7 @@
     </p:spTree>
     <p:extLst>
       <p:ext uri="{BB962C8B-B14F-4D97-AF65-F5344CB8AC3E}">
-        <p14:creationId xmlns:p14="http://schemas.microsoft.com/office/powerpoint/2010/main" xmlns="" val="1535434443"/>
+        <p14:creationId xmlns="" xmlns:p14="http://schemas.microsoft.com/office/powerpoint/2010/main" val="1535434443"/>
       </p:ext>
     </p:extLst>
   </p:cSld>
@@ -3178,7 +3180,7 @@
           <a:blip r:embed="rId2" cstate="print">
             <a:extLst>
               <a:ext uri="{28A0092B-C50C-407E-A947-70E740481C1C}">
-                <a14:useLocalDpi xmlns:a14="http://schemas.microsoft.com/office/drawing/2010/main" xmlns="" val="0"/>
+                <a14:useLocalDpi xmlns="" xmlns:a14="http://schemas.microsoft.com/office/drawing/2010/main" val="0"/>
               </a:ext>
             </a:extLst>
           </a:blip>
@@ -3198,7 +3200,7 @@
           <a:noFill/>
           <a:extLst>
             <a:ext uri="{909E8E84-426E-40DD-AFC4-6F175D3DCCD1}">
-              <a14:hiddenFill xmlns:a14="http://schemas.microsoft.com/office/drawing/2010/main" xmlns="">
+              <a14:hiddenFill xmlns="" xmlns:a14="http://schemas.microsoft.com/office/drawing/2010/main">
                 <a:solidFill>
                   <a:srgbClr val="FFFFFF"/>
                 </a:solidFill>
@@ -3210,7 +3212,7 @@
     </p:spTree>
     <p:extLst>
       <p:ext uri="{BB962C8B-B14F-4D97-AF65-F5344CB8AC3E}">
-        <p14:creationId xmlns:p14="http://schemas.microsoft.com/office/powerpoint/2010/main" xmlns="" val="1378676636"/>
+        <p14:creationId xmlns="" xmlns:p14="http://schemas.microsoft.com/office/powerpoint/2010/main" val="1378676636"/>
       </p:ext>
     </p:extLst>
   </p:cSld>
@@ -3296,6 +3298,1048 @@
 </p:sld>
 </file>
 
+<file path=ppt/slides/slide10.xml><?xml version="1.0" encoding="utf-8"?>
+<p:sld xmlns:a="http://schemas.openxmlformats.org/drawingml/2006/main" xmlns:r="http://schemas.openxmlformats.org/officeDocument/2006/relationships" xmlns:p="http://schemas.openxmlformats.org/presentationml/2006/main">
+  <p:cSld>
+    <p:spTree>
+      <p:nvGrpSpPr>
+        <p:cNvPr id="1" name=""/>
+        <p:cNvGrpSpPr/>
+        <p:nvPr/>
+      </p:nvGrpSpPr>
+      <p:grpSpPr>
+        <a:xfrm>
+          <a:off x="0" y="0"/>
+          <a:ext cx="0" cy="0"/>
+          <a:chOff x="0" y="0"/>
+          <a:chExt cx="0" cy="0"/>
+        </a:xfrm>
+      </p:grpSpPr>
+      <p:graphicFrame>
+        <p:nvGraphicFramePr>
+          <p:cNvPr id="2" name="Tabela 1"/>
+          <p:cNvGraphicFramePr>
+            <a:graphicFrameLocks noGrp="1"/>
+          </p:cNvGraphicFramePr>
+          <p:nvPr>
+            <p:extLst>
+              <p:ext uri="{D42A27DB-BD31-4B8C-83A1-F6EECF244321}">
+                <p14:modId xmlns="" xmlns:p14="http://schemas.microsoft.com/office/powerpoint/2010/main" val="4053274123"/>
+              </p:ext>
+            </p:extLst>
+          </p:nvPr>
+        </p:nvGraphicFramePr>
+        <p:xfrm>
+          <a:off x="251520" y="1196752"/>
+          <a:ext cx="8712968" cy="4588248"/>
+        </p:xfrm>
+        <a:graphic>
+          <a:graphicData uri="http://schemas.openxmlformats.org/drawingml/2006/table">
+            <a:tbl>
+              <a:tblPr/>
+              <a:tblGrid>
+                <a:gridCol w="6470534"/>
+                <a:gridCol w="2242434"/>
+              </a:tblGrid>
+              <a:tr h="477053">
+                <a:tc>
+                  <a:txBody>
+                    <a:bodyPr/>
+                    <a:lstStyle/>
+                    <a:p>
+                      <a:pPr algn="l" fontAlgn="b"/>
+                      <a:r>
+                        <a:rPr lang="pt-BR" sz="2800" b="0" i="0" u="none" strike="noStrike">
+                          <a:effectLst/>
+                          <a:latin typeface="Arial"/>
+                        </a:rPr>
+                        <a:t>4ª Semana</a:t>
+                      </a:r>
+                    </a:p>
+                  </a:txBody>
+                  <a:tcPr marL="9525" marR="9525" marT="9525" marB="0" anchor="b">
+                    <a:lnL w="6350" cap="flat" cmpd="sng" algn="ctr">
+                      <a:solidFill>
+                        <a:srgbClr val="000000"/>
+                      </a:solidFill>
+                      <a:prstDash val="dot"/>
+                      <a:round/>
+                      <a:headEnd type="none" w="med" len="med"/>
+                      <a:tailEnd type="none" w="med" len="med"/>
+                    </a:lnL>
+                    <a:lnR w="6350" cap="flat" cmpd="sng" algn="ctr">
+                      <a:solidFill>
+                        <a:srgbClr val="000000"/>
+                      </a:solidFill>
+                      <a:prstDash val="dot"/>
+                      <a:round/>
+                      <a:headEnd type="none" w="med" len="med"/>
+                      <a:tailEnd type="none" w="med" len="med"/>
+                    </a:lnR>
+                    <a:lnT w="6350" cap="flat" cmpd="sng" algn="ctr">
+                      <a:solidFill>
+                        <a:srgbClr val="000000"/>
+                      </a:solidFill>
+                      <a:prstDash val="dot"/>
+                      <a:round/>
+                      <a:headEnd type="none" w="med" len="med"/>
+                      <a:tailEnd type="none" w="med" len="med"/>
+                    </a:lnT>
+                    <a:lnB w="6350" cap="flat" cmpd="sng" algn="ctr">
+                      <a:solidFill>
+                        <a:srgbClr val="000000"/>
+                      </a:solidFill>
+                      <a:prstDash val="dot"/>
+                      <a:round/>
+                      <a:headEnd type="none" w="med" len="med"/>
+                      <a:tailEnd type="none" w="med" len="med"/>
+                    </a:lnB>
+                  </a:tcPr>
+                </a:tc>
+                <a:tc>
+                  <a:txBody>
+                    <a:bodyPr/>
+                    <a:lstStyle/>
+                    <a:p>
+                      <a:pPr algn="l" fontAlgn="b"/>
+                      <a:r>
+                        <a:rPr lang="pt-BR" sz="2800" b="0" i="0" u="none" strike="noStrike">
+                          <a:effectLst/>
+                          <a:latin typeface="Arial"/>
+                        </a:rPr>
+                        <a:t>Gerou</a:t>
+                      </a:r>
+                    </a:p>
+                  </a:txBody>
+                  <a:tcPr marL="9525" marR="9525" marT="9525" marB="0" anchor="b">
+                    <a:lnL w="6350" cap="flat" cmpd="sng" algn="ctr">
+                      <a:solidFill>
+                        <a:srgbClr val="000000"/>
+                      </a:solidFill>
+                      <a:prstDash val="dot"/>
+                      <a:round/>
+                      <a:headEnd type="none" w="med" len="med"/>
+                      <a:tailEnd type="none" w="med" len="med"/>
+                    </a:lnL>
+                    <a:lnR w="6350" cap="flat" cmpd="sng" algn="ctr">
+                      <a:solidFill>
+                        <a:srgbClr val="000000"/>
+                      </a:solidFill>
+                      <a:prstDash val="dot"/>
+                      <a:round/>
+                      <a:headEnd type="none" w="med" len="med"/>
+                      <a:tailEnd type="none" w="med" len="med"/>
+                    </a:lnR>
+                    <a:lnT w="6350" cap="flat" cmpd="sng" algn="ctr">
+                      <a:solidFill>
+                        <a:srgbClr val="000000"/>
+                      </a:solidFill>
+                      <a:prstDash val="dot"/>
+                      <a:round/>
+                      <a:headEnd type="none" w="med" len="med"/>
+                      <a:tailEnd type="none" w="med" len="med"/>
+                    </a:lnT>
+                    <a:lnB w="6350" cap="flat" cmpd="sng" algn="ctr">
+                      <a:solidFill>
+                        <a:srgbClr val="000000"/>
+                      </a:solidFill>
+                      <a:prstDash val="dot"/>
+                      <a:round/>
+                      <a:headEnd type="none" w="med" len="med"/>
+                      <a:tailEnd type="none" w="med" len="med"/>
+                    </a:lnB>
+                  </a:tcPr>
+                </a:tc>
+              </a:tr>
+              <a:tr h="477053">
+                <a:tc>
+                  <a:txBody>
+                    <a:bodyPr/>
+                    <a:lstStyle/>
+                    <a:p>
+                      <a:pPr algn="l" fontAlgn="b"/>
+                      <a:r>
+                        <a:rPr lang="pt-BR" sz="2800" b="0" i="0" u="none" strike="noStrike">
+                          <a:effectLst/>
+                          <a:latin typeface="Arial"/>
+                        </a:rPr>
+                        <a:t>Elaboração do banco de dados, dos módulos de cadastro</a:t>
+                      </a:r>
+                    </a:p>
+                  </a:txBody>
+                  <a:tcPr marL="9525" marR="9525" marT="9525" marB="0" anchor="b">
+                    <a:lnL w="6350" cap="flat" cmpd="sng" algn="ctr">
+                      <a:solidFill>
+                        <a:srgbClr val="000000"/>
+                      </a:solidFill>
+                      <a:prstDash val="dot"/>
+                      <a:round/>
+                      <a:headEnd type="none" w="med" len="med"/>
+                      <a:tailEnd type="none" w="med" len="med"/>
+                    </a:lnL>
+                    <a:lnR w="6350" cap="flat" cmpd="sng" algn="ctr">
+                      <a:solidFill>
+                        <a:srgbClr val="000000"/>
+                      </a:solidFill>
+                      <a:prstDash val="dot"/>
+                      <a:round/>
+                      <a:headEnd type="none" w="med" len="med"/>
+                      <a:tailEnd type="none" w="med" len="med"/>
+                    </a:lnR>
+                    <a:lnT w="6350" cap="flat" cmpd="sng" algn="ctr">
+                      <a:solidFill>
+                        <a:srgbClr val="000000"/>
+                      </a:solidFill>
+                      <a:prstDash val="dot"/>
+                      <a:round/>
+                      <a:headEnd type="none" w="med" len="med"/>
+                      <a:tailEnd type="none" w="med" len="med"/>
+                    </a:lnT>
+                    <a:lnB w="6350" cap="flat" cmpd="sng" algn="ctr">
+                      <a:solidFill>
+                        <a:srgbClr val="000000"/>
+                      </a:solidFill>
+                      <a:prstDash val="dot"/>
+                      <a:round/>
+                      <a:headEnd type="none" w="med" len="med"/>
+                      <a:tailEnd type="none" w="med" len="med"/>
+                    </a:lnB>
+                  </a:tcPr>
+                </a:tc>
+                <a:tc>
+                  <a:txBody>
+                    <a:bodyPr/>
+                    <a:lstStyle/>
+                    <a:p>
+                      <a:pPr algn="l" fontAlgn="b"/>
+                      <a:r>
+                        <a:rPr lang="pt-BR" sz="2800" b="0" i="0" u="none" strike="noStrike">
+                          <a:effectLst/>
+                          <a:latin typeface="Arial"/>
+                        </a:rPr>
+                        <a:t>banco de dados</a:t>
+                      </a:r>
+                    </a:p>
+                  </a:txBody>
+                  <a:tcPr marL="9525" marR="9525" marT="9525" marB="0" anchor="b">
+                    <a:lnL w="6350" cap="flat" cmpd="sng" algn="ctr">
+                      <a:solidFill>
+                        <a:srgbClr val="000000"/>
+                      </a:solidFill>
+                      <a:prstDash val="dot"/>
+                      <a:round/>
+                      <a:headEnd type="none" w="med" len="med"/>
+                      <a:tailEnd type="none" w="med" len="med"/>
+                    </a:lnL>
+                    <a:lnR w="6350" cap="flat" cmpd="sng" algn="ctr">
+                      <a:solidFill>
+                        <a:srgbClr val="000000"/>
+                      </a:solidFill>
+                      <a:prstDash val="dot"/>
+                      <a:round/>
+                      <a:headEnd type="none" w="med" len="med"/>
+                      <a:tailEnd type="none" w="med" len="med"/>
+                    </a:lnR>
+                    <a:lnT w="6350" cap="flat" cmpd="sng" algn="ctr">
+                      <a:solidFill>
+                        <a:srgbClr val="000000"/>
+                      </a:solidFill>
+                      <a:prstDash val="dot"/>
+                      <a:round/>
+                      <a:headEnd type="none" w="med" len="med"/>
+                      <a:tailEnd type="none" w="med" len="med"/>
+                    </a:lnT>
+                    <a:lnB w="6350" cap="flat" cmpd="sng" algn="ctr">
+                      <a:solidFill>
+                        <a:srgbClr val="000000"/>
+                      </a:solidFill>
+                      <a:prstDash val="dot"/>
+                      <a:round/>
+                      <a:headEnd type="none" w="med" len="med"/>
+                      <a:tailEnd type="none" w="med" len="med"/>
+                    </a:lnB>
+                  </a:tcPr>
+                </a:tc>
+              </a:tr>
+              <a:tr h="477053">
+                <a:tc>
+                  <a:txBody>
+                    <a:bodyPr/>
+                    <a:lstStyle/>
+                    <a:p>
+                      <a:pPr algn="l" fontAlgn="b"/>
+                      <a:endParaRPr lang="pt-BR" sz="2800" b="0" i="0" u="none" strike="noStrike">
+                        <a:effectLst/>
+                        <a:latin typeface="Arial"/>
+                      </a:endParaRPr>
+                    </a:p>
+                  </a:txBody>
+                  <a:tcPr marL="9525" marR="9525" marT="9525" marB="0" anchor="b">
+                    <a:lnL>
+                      <a:noFill/>
+                    </a:lnL>
+                    <a:lnR>
+                      <a:noFill/>
+                    </a:lnR>
+                    <a:lnT w="6350" cap="flat" cmpd="sng" algn="ctr">
+                      <a:solidFill>
+                        <a:srgbClr val="000000"/>
+                      </a:solidFill>
+                      <a:prstDash val="dot"/>
+                      <a:round/>
+                      <a:headEnd type="none" w="med" len="med"/>
+                      <a:tailEnd type="none" w="med" len="med"/>
+                    </a:lnT>
+                    <a:lnB w="6350" cap="flat" cmpd="sng" algn="ctr">
+                      <a:solidFill>
+                        <a:srgbClr val="000000"/>
+                      </a:solidFill>
+                      <a:prstDash val="dot"/>
+                      <a:round/>
+                      <a:headEnd type="none" w="med" len="med"/>
+                      <a:tailEnd type="none" w="med" len="med"/>
+                    </a:lnB>
+                  </a:tcPr>
+                </a:tc>
+                <a:tc>
+                  <a:txBody>
+                    <a:bodyPr/>
+                    <a:lstStyle/>
+                    <a:p>
+                      <a:pPr algn="l" fontAlgn="b"/>
+                      <a:endParaRPr lang="pt-BR" sz="2800" b="0" i="0" u="none" strike="noStrike">
+                        <a:effectLst/>
+                        <a:latin typeface="Arial"/>
+                      </a:endParaRPr>
+                    </a:p>
+                  </a:txBody>
+                  <a:tcPr marL="9525" marR="9525" marT="9525" marB="0" anchor="b">
+                    <a:lnL>
+                      <a:noFill/>
+                    </a:lnL>
+                    <a:lnR>
+                      <a:noFill/>
+                    </a:lnR>
+                    <a:lnT w="6350" cap="flat" cmpd="sng" algn="ctr">
+                      <a:solidFill>
+                        <a:srgbClr val="000000"/>
+                      </a:solidFill>
+                      <a:prstDash val="dot"/>
+                      <a:round/>
+                      <a:headEnd type="none" w="med" len="med"/>
+                      <a:tailEnd type="none" w="med" len="med"/>
+                    </a:lnT>
+                    <a:lnB w="6350" cap="flat" cmpd="sng" algn="ctr">
+                      <a:solidFill>
+                        <a:srgbClr val="000000"/>
+                      </a:solidFill>
+                      <a:prstDash val="dot"/>
+                      <a:round/>
+                      <a:headEnd type="none" w="med" len="med"/>
+                      <a:tailEnd type="none" w="med" len="med"/>
+                    </a:lnB>
+                  </a:tcPr>
+                </a:tc>
+              </a:tr>
+              <a:tr h="477053">
+                <a:tc>
+                  <a:txBody>
+                    <a:bodyPr/>
+                    <a:lstStyle/>
+                    <a:p>
+                      <a:pPr algn="l" fontAlgn="b"/>
+                      <a:r>
+                        <a:rPr lang="pt-BR" sz="2800" b="0" i="0" u="none" strike="noStrike">
+                          <a:effectLst/>
+                          <a:latin typeface="Arial"/>
+                        </a:rPr>
+                        <a:t>5ª semana</a:t>
+                      </a:r>
+                    </a:p>
+                  </a:txBody>
+                  <a:tcPr marL="9525" marR="9525" marT="9525" marB="0" anchor="b">
+                    <a:lnL w="6350" cap="flat" cmpd="sng" algn="ctr">
+                      <a:solidFill>
+                        <a:srgbClr val="000000"/>
+                      </a:solidFill>
+                      <a:prstDash val="dot"/>
+                      <a:round/>
+                      <a:headEnd type="none" w="med" len="med"/>
+                      <a:tailEnd type="none" w="med" len="med"/>
+                    </a:lnL>
+                    <a:lnR w="6350" cap="flat" cmpd="sng" algn="ctr">
+                      <a:solidFill>
+                        <a:srgbClr val="000000"/>
+                      </a:solidFill>
+                      <a:prstDash val="dot"/>
+                      <a:round/>
+                      <a:headEnd type="none" w="med" len="med"/>
+                      <a:tailEnd type="none" w="med" len="med"/>
+                    </a:lnR>
+                    <a:lnT w="6350" cap="flat" cmpd="sng" algn="ctr">
+                      <a:solidFill>
+                        <a:srgbClr val="000000"/>
+                      </a:solidFill>
+                      <a:prstDash val="dot"/>
+                      <a:round/>
+                      <a:headEnd type="none" w="med" len="med"/>
+                      <a:tailEnd type="none" w="med" len="med"/>
+                    </a:lnT>
+                    <a:lnB w="6350" cap="flat" cmpd="sng" algn="ctr">
+                      <a:solidFill>
+                        <a:srgbClr val="000000"/>
+                      </a:solidFill>
+                      <a:prstDash val="dot"/>
+                      <a:round/>
+                      <a:headEnd type="none" w="med" len="med"/>
+                      <a:tailEnd type="none" w="med" len="med"/>
+                    </a:lnB>
+                  </a:tcPr>
+                </a:tc>
+                <a:tc>
+                  <a:txBody>
+                    <a:bodyPr/>
+                    <a:lstStyle/>
+                    <a:p>
+                      <a:pPr algn="l" fontAlgn="b"/>
+                      <a:r>
+                        <a:rPr lang="pt-BR" sz="2800" b="0" i="0" u="none" strike="noStrike">
+                          <a:effectLst/>
+                          <a:latin typeface="Arial"/>
+                        </a:rPr>
+                        <a:t>Gerou</a:t>
+                      </a:r>
+                    </a:p>
+                  </a:txBody>
+                  <a:tcPr marL="9525" marR="9525" marT="9525" marB="0" anchor="b">
+                    <a:lnL w="6350" cap="flat" cmpd="sng" algn="ctr">
+                      <a:solidFill>
+                        <a:srgbClr val="000000"/>
+                      </a:solidFill>
+                      <a:prstDash val="dot"/>
+                      <a:round/>
+                      <a:headEnd type="none" w="med" len="med"/>
+                      <a:tailEnd type="none" w="med" len="med"/>
+                    </a:lnL>
+                    <a:lnR w="6350" cap="flat" cmpd="sng" algn="ctr">
+                      <a:solidFill>
+                        <a:srgbClr val="000000"/>
+                      </a:solidFill>
+                      <a:prstDash val="dot"/>
+                      <a:round/>
+                      <a:headEnd type="none" w="med" len="med"/>
+                      <a:tailEnd type="none" w="med" len="med"/>
+                    </a:lnR>
+                    <a:lnT w="6350" cap="flat" cmpd="sng" algn="ctr">
+                      <a:solidFill>
+                        <a:srgbClr val="000000"/>
+                      </a:solidFill>
+                      <a:prstDash val="dot"/>
+                      <a:round/>
+                      <a:headEnd type="none" w="med" len="med"/>
+                      <a:tailEnd type="none" w="med" len="med"/>
+                    </a:lnT>
+                    <a:lnB w="6350" cap="flat" cmpd="sng" algn="ctr">
+                      <a:solidFill>
+                        <a:srgbClr val="000000"/>
+                      </a:solidFill>
+                      <a:prstDash val="dot"/>
+                      <a:round/>
+                      <a:headEnd type="none" w="med" len="med"/>
+                      <a:tailEnd type="none" w="med" len="med"/>
+                    </a:lnB>
+                  </a:tcPr>
+                </a:tc>
+              </a:tr>
+              <a:tr h="477053">
+                <a:tc>
+                  <a:txBody>
+                    <a:bodyPr/>
+                    <a:lstStyle/>
+                    <a:p>
+                      <a:pPr algn="l" fontAlgn="b"/>
+                      <a:r>
+                        <a:rPr lang="pt-BR" sz="2800" b="0" i="0" u="none" strike="noStrike">
+                          <a:effectLst/>
+                          <a:latin typeface="Arial"/>
+                        </a:rPr>
+                        <a:t>Elaboração da interface gráfica e testes.</a:t>
+                      </a:r>
+                    </a:p>
+                  </a:txBody>
+                  <a:tcPr marL="9525" marR="9525" marT="9525" marB="0" anchor="b">
+                    <a:lnL w="6350" cap="flat" cmpd="sng" algn="ctr">
+                      <a:solidFill>
+                        <a:srgbClr val="000000"/>
+                      </a:solidFill>
+                      <a:prstDash val="dot"/>
+                      <a:round/>
+                      <a:headEnd type="none" w="med" len="med"/>
+                      <a:tailEnd type="none" w="med" len="med"/>
+                    </a:lnL>
+                    <a:lnR w="6350" cap="flat" cmpd="sng" algn="ctr">
+                      <a:solidFill>
+                        <a:srgbClr val="000000"/>
+                      </a:solidFill>
+                      <a:prstDash val="dot"/>
+                      <a:round/>
+                      <a:headEnd type="none" w="med" len="med"/>
+                      <a:tailEnd type="none" w="med" len="med"/>
+                    </a:lnR>
+                    <a:lnT w="6350" cap="flat" cmpd="sng" algn="ctr">
+                      <a:solidFill>
+                        <a:srgbClr val="000000"/>
+                      </a:solidFill>
+                      <a:prstDash val="dot"/>
+                      <a:round/>
+                      <a:headEnd type="none" w="med" len="med"/>
+                      <a:tailEnd type="none" w="med" len="med"/>
+                    </a:lnT>
+                    <a:lnB w="6350" cap="flat" cmpd="sng" algn="ctr">
+                      <a:solidFill>
+                        <a:srgbClr val="000000"/>
+                      </a:solidFill>
+                      <a:prstDash val="dot"/>
+                      <a:round/>
+                      <a:headEnd type="none" w="med" len="med"/>
+                      <a:tailEnd type="none" w="med" len="med"/>
+                    </a:lnB>
+                  </a:tcPr>
+                </a:tc>
+                <a:tc>
+                  <a:txBody>
+                    <a:bodyPr/>
+                    <a:lstStyle/>
+                    <a:p>
+                      <a:pPr algn="l" fontAlgn="b"/>
+                      <a:r>
+                        <a:rPr lang="pt-BR" sz="2800" b="0" i="0" u="none" strike="noStrike">
+                          <a:effectLst/>
+                          <a:latin typeface="Arial"/>
+                        </a:rPr>
+                        <a:t>Interface</a:t>
+                      </a:r>
+                    </a:p>
+                  </a:txBody>
+                  <a:tcPr marL="9525" marR="9525" marT="9525" marB="0" anchor="b">
+                    <a:lnL w="6350" cap="flat" cmpd="sng" algn="ctr">
+                      <a:solidFill>
+                        <a:srgbClr val="000000"/>
+                      </a:solidFill>
+                      <a:prstDash val="dot"/>
+                      <a:round/>
+                      <a:headEnd type="none" w="med" len="med"/>
+                      <a:tailEnd type="none" w="med" len="med"/>
+                    </a:lnL>
+                    <a:lnR w="6350" cap="flat" cmpd="sng" algn="ctr">
+                      <a:solidFill>
+                        <a:srgbClr val="000000"/>
+                      </a:solidFill>
+                      <a:prstDash val="dot"/>
+                      <a:round/>
+                      <a:headEnd type="none" w="med" len="med"/>
+                      <a:tailEnd type="none" w="med" len="med"/>
+                    </a:lnR>
+                    <a:lnT w="6350" cap="flat" cmpd="sng" algn="ctr">
+                      <a:solidFill>
+                        <a:srgbClr val="000000"/>
+                      </a:solidFill>
+                      <a:prstDash val="dot"/>
+                      <a:round/>
+                      <a:headEnd type="none" w="med" len="med"/>
+                      <a:tailEnd type="none" w="med" len="med"/>
+                    </a:lnT>
+                    <a:lnB w="6350" cap="flat" cmpd="sng" algn="ctr">
+                      <a:solidFill>
+                        <a:srgbClr val="000000"/>
+                      </a:solidFill>
+                      <a:prstDash val="dot"/>
+                      <a:round/>
+                      <a:headEnd type="none" w="med" len="med"/>
+                      <a:tailEnd type="none" w="med" len="med"/>
+                    </a:lnB>
+                  </a:tcPr>
+                </a:tc>
+              </a:tr>
+              <a:tr h="477053">
+                <a:tc>
+                  <a:txBody>
+                    <a:bodyPr/>
+                    <a:lstStyle/>
+                    <a:p>
+                      <a:pPr algn="l" fontAlgn="b"/>
+                      <a:endParaRPr lang="pt-BR" sz="2800" b="0" i="0" u="none" strike="noStrike">
+                        <a:effectLst/>
+                        <a:latin typeface="Arial"/>
+                      </a:endParaRPr>
+                    </a:p>
+                  </a:txBody>
+                  <a:tcPr marL="9525" marR="9525" marT="9525" marB="0" anchor="b">
+                    <a:lnL>
+                      <a:noFill/>
+                    </a:lnL>
+                    <a:lnR>
+                      <a:noFill/>
+                    </a:lnR>
+                    <a:lnT w="6350" cap="flat" cmpd="sng" algn="ctr">
+                      <a:solidFill>
+                        <a:srgbClr val="000000"/>
+                      </a:solidFill>
+                      <a:prstDash val="dot"/>
+                      <a:round/>
+                      <a:headEnd type="none" w="med" len="med"/>
+                      <a:tailEnd type="none" w="med" len="med"/>
+                    </a:lnT>
+                    <a:lnB w="6350" cap="flat" cmpd="sng" algn="ctr">
+                      <a:solidFill>
+                        <a:srgbClr val="000000"/>
+                      </a:solidFill>
+                      <a:prstDash val="dot"/>
+                      <a:round/>
+                      <a:headEnd type="none" w="med" len="med"/>
+                      <a:tailEnd type="none" w="med" len="med"/>
+                    </a:lnB>
+                  </a:tcPr>
+                </a:tc>
+                <a:tc>
+                  <a:txBody>
+                    <a:bodyPr/>
+                    <a:lstStyle/>
+                    <a:p>
+                      <a:pPr algn="l" fontAlgn="b"/>
+                      <a:endParaRPr lang="pt-BR" sz="2800" b="0" i="0" u="none" strike="noStrike">
+                        <a:effectLst/>
+                        <a:latin typeface="Arial"/>
+                      </a:endParaRPr>
+                    </a:p>
+                  </a:txBody>
+                  <a:tcPr marL="9525" marR="9525" marT="9525" marB="0" anchor="b">
+                    <a:lnL>
+                      <a:noFill/>
+                    </a:lnL>
+                    <a:lnR>
+                      <a:noFill/>
+                    </a:lnR>
+                    <a:lnT w="6350" cap="flat" cmpd="sng" algn="ctr">
+                      <a:solidFill>
+                        <a:srgbClr val="000000"/>
+                      </a:solidFill>
+                      <a:prstDash val="dot"/>
+                      <a:round/>
+                      <a:headEnd type="none" w="med" len="med"/>
+                      <a:tailEnd type="none" w="med" len="med"/>
+                    </a:lnT>
+                    <a:lnB w="6350" cap="flat" cmpd="sng" algn="ctr">
+                      <a:solidFill>
+                        <a:srgbClr val="000000"/>
+                      </a:solidFill>
+                      <a:prstDash val="dot"/>
+                      <a:round/>
+                      <a:headEnd type="none" w="med" len="med"/>
+                      <a:tailEnd type="none" w="med" len="med"/>
+                    </a:lnB>
+                  </a:tcPr>
+                </a:tc>
+              </a:tr>
+              <a:tr h="477053">
+                <a:tc>
+                  <a:txBody>
+                    <a:bodyPr/>
+                    <a:lstStyle/>
+                    <a:p>
+                      <a:pPr algn="l" fontAlgn="b"/>
+                      <a:r>
+                        <a:rPr lang="pt-BR" sz="2800" b="0" i="0" u="none" strike="noStrike">
+                          <a:effectLst/>
+                          <a:latin typeface="Arial"/>
+                        </a:rPr>
+                        <a:t>6ª Semana</a:t>
+                      </a:r>
+                    </a:p>
+                  </a:txBody>
+                  <a:tcPr marL="9525" marR="9525" marT="9525" marB="0" anchor="b">
+                    <a:lnL w="6350" cap="flat" cmpd="sng" algn="ctr">
+                      <a:solidFill>
+                        <a:srgbClr val="000000"/>
+                      </a:solidFill>
+                      <a:prstDash val="dot"/>
+                      <a:round/>
+                      <a:headEnd type="none" w="med" len="med"/>
+                      <a:tailEnd type="none" w="med" len="med"/>
+                    </a:lnL>
+                    <a:lnR w="6350" cap="flat" cmpd="sng" algn="ctr">
+                      <a:solidFill>
+                        <a:srgbClr val="000000"/>
+                      </a:solidFill>
+                      <a:prstDash val="dot"/>
+                      <a:round/>
+                      <a:headEnd type="none" w="med" len="med"/>
+                      <a:tailEnd type="none" w="med" len="med"/>
+                    </a:lnR>
+                    <a:lnT w="6350" cap="flat" cmpd="sng" algn="ctr">
+                      <a:solidFill>
+                        <a:srgbClr val="000000"/>
+                      </a:solidFill>
+                      <a:prstDash val="dot"/>
+                      <a:round/>
+                      <a:headEnd type="none" w="med" len="med"/>
+                      <a:tailEnd type="none" w="med" len="med"/>
+                    </a:lnT>
+                    <a:lnB w="6350" cap="flat" cmpd="sng" algn="ctr">
+                      <a:solidFill>
+                        <a:srgbClr val="000000"/>
+                      </a:solidFill>
+                      <a:prstDash val="dot"/>
+                      <a:round/>
+                      <a:headEnd type="none" w="med" len="med"/>
+                      <a:tailEnd type="none" w="med" len="med"/>
+                    </a:lnB>
+                  </a:tcPr>
+                </a:tc>
+                <a:tc>
+                  <a:txBody>
+                    <a:bodyPr/>
+                    <a:lstStyle/>
+                    <a:p>
+                      <a:pPr algn="l" fontAlgn="b"/>
+                      <a:r>
+                        <a:rPr lang="pt-BR" sz="2800" b="0" i="0" u="none" strike="noStrike">
+                          <a:effectLst/>
+                          <a:latin typeface="Arial"/>
+                        </a:rPr>
+                        <a:t>Gerou</a:t>
+                      </a:r>
+                    </a:p>
+                  </a:txBody>
+                  <a:tcPr marL="9525" marR="9525" marT="9525" marB="0" anchor="b">
+                    <a:lnL w="6350" cap="flat" cmpd="sng" algn="ctr">
+                      <a:solidFill>
+                        <a:srgbClr val="000000"/>
+                      </a:solidFill>
+                      <a:prstDash val="dot"/>
+                      <a:round/>
+                      <a:headEnd type="none" w="med" len="med"/>
+                      <a:tailEnd type="none" w="med" len="med"/>
+                    </a:lnL>
+                    <a:lnR w="6350" cap="flat" cmpd="sng" algn="ctr">
+                      <a:solidFill>
+                        <a:srgbClr val="000000"/>
+                      </a:solidFill>
+                      <a:prstDash val="dot"/>
+                      <a:round/>
+                      <a:headEnd type="none" w="med" len="med"/>
+                      <a:tailEnd type="none" w="med" len="med"/>
+                    </a:lnR>
+                    <a:lnT w="6350" cap="flat" cmpd="sng" algn="ctr">
+                      <a:solidFill>
+                        <a:srgbClr val="000000"/>
+                      </a:solidFill>
+                      <a:prstDash val="dot"/>
+                      <a:round/>
+                      <a:headEnd type="none" w="med" len="med"/>
+                      <a:tailEnd type="none" w="med" len="med"/>
+                    </a:lnT>
+                    <a:lnB w="6350" cap="flat" cmpd="sng" algn="ctr">
+                      <a:solidFill>
+                        <a:srgbClr val="000000"/>
+                      </a:solidFill>
+                      <a:prstDash val="dot"/>
+                      <a:round/>
+                      <a:headEnd type="none" w="med" len="med"/>
+                      <a:tailEnd type="none" w="med" len="med"/>
+                    </a:lnB>
+                  </a:tcPr>
+                </a:tc>
+              </a:tr>
+              <a:tr h="477053">
+                <a:tc>
+                  <a:txBody>
+                    <a:bodyPr/>
+                    <a:lstStyle/>
+                    <a:p>
+                      <a:pPr algn="l" fontAlgn="b"/>
+                      <a:r>
+                        <a:rPr lang="pt-BR" sz="2800" b="0" i="0" u="none" strike="noStrike">
+                          <a:effectLst/>
+                          <a:latin typeface="Arial"/>
+                        </a:rPr>
+                        <a:t>Manutenção corretiva e testes finais</a:t>
+                      </a:r>
+                    </a:p>
+                  </a:txBody>
+                  <a:tcPr marL="9525" marR="9525" marT="9525" marB="0" anchor="b">
+                    <a:lnL w="6350" cap="flat" cmpd="sng" algn="ctr">
+                      <a:solidFill>
+                        <a:srgbClr val="000000"/>
+                      </a:solidFill>
+                      <a:prstDash val="dot"/>
+                      <a:round/>
+                      <a:headEnd type="none" w="med" len="med"/>
+                      <a:tailEnd type="none" w="med" len="med"/>
+                    </a:lnL>
+                    <a:lnR w="6350" cap="flat" cmpd="sng" algn="ctr">
+                      <a:solidFill>
+                        <a:srgbClr val="000000"/>
+                      </a:solidFill>
+                      <a:prstDash val="dot"/>
+                      <a:round/>
+                      <a:headEnd type="none" w="med" len="med"/>
+                      <a:tailEnd type="none" w="med" len="med"/>
+                    </a:lnR>
+                    <a:lnT w="6350" cap="flat" cmpd="sng" algn="ctr">
+                      <a:solidFill>
+                        <a:srgbClr val="000000"/>
+                      </a:solidFill>
+                      <a:prstDash val="dot"/>
+                      <a:round/>
+                      <a:headEnd type="none" w="med" len="med"/>
+                      <a:tailEnd type="none" w="med" len="med"/>
+                    </a:lnT>
+                    <a:lnB w="6350" cap="flat" cmpd="sng" algn="ctr">
+                      <a:solidFill>
+                        <a:srgbClr val="000000"/>
+                      </a:solidFill>
+                      <a:prstDash val="dot"/>
+                      <a:round/>
+                      <a:headEnd type="none" w="med" len="med"/>
+                      <a:tailEnd type="none" w="med" len="med"/>
+                    </a:lnB>
+                  </a:tcPr>
+                </a:tc>
+                <a:tc>
+                  <a:txBody>
+                    <a:bodyPr/>
+                    <a:lstStyle/>
+                    <a:p>
+                      <a:pPr algn="l" fontAlgn="b"/>
+                      <a:r>
+                        <a:rPr lang="pt-BR" sz="2800" b="0" i="0" u="none" strike="noStrike" dirty="0">
+                          <a:effectLst/>
+                          <a:latin typeface="Arial"/>
+                        </a:rPr>
+                        <a:t>Programa Final</a:t>
+                      </a:r>
+                    </a:p>
+                  </a:txBody>
+                  <a:tcPr marL="9525" marR="9525" marT="9525" marB="0" anchor="b">
+                    <a:lnL w="6350" cap="flat" cmpd="sng" algn="ctr">
+                      <a:solidFill>
+                        <a:srgbClr val="000000"/>
+                      </a:solidFill>
+                      <a:prstDash val="dot"/>
+                      <a:round/>
+                      <a:headEnd type="none" w="med" len="med"/>
+                      <a:tailEnd type="none" w="med" len="med"/>
+                    </a:lnL>
+                    <a:lnR w="6350" cap="flat" cmpd="sng" algn="ctr">
+                      <a:solidFill>
+                        <a:srgbClr val="000000"/>
+                      </a:solidFill>
+                      <a:prstDash val="dot"/>
+                      <a:round/>
+                      <a:headEnd type="none" w="med" len="med"/>
+                      <a:tailEnd type="none" w="med" len="med"/>
+                    </a:lnR>
+                    <a:lnT w="6350" cap="flat" cmpd="sng" algn="ctr">
+                      <a:solidFill>
+                        <a:srgbClr val="000000"/>
+                      </a:solidFill>
+                      <a:prstDash val="dot"/>
+                      <a:round/>
+                      <a:headEnd type="none" w="med" len="med"/>
+                      <a:tailEnd type="none" w="med" len="med"/>
+                    </a:lnT>
+                    <a:lnB w="6350" cap="flat" cmpd="sng" algn="ctr">
+                      <a:solidFill>
+                        <a:srgbClr val="000000"/>
+                      </a:solidFill>
+                      <a:prstDash val="dot"/>
+                      <a:round/>
+                      <a:headEnd type="none" w="med" len="med"/>
+                      <a:tailEnd type="none" w="med" len="med"/>
+                    </a:lnB>
+                  </a:tcPr>
+                </a:tc>
+              </a:tr>
+            </a:tbl>
+          </a:graphicData>
+        </a:graphic>
+      </p:graphicFrame>
+    </p:spTree>
+    <p:extLst>
+      <p:ext uri="{BB962C8B-B14F-4D97-AF65-F5344CB8AC3E}">
+        <p14:creationId xmlns="" xmlns:p14="http://schemas.microsoft.com/office/powerpoint/2010/main" val="2646964981"/>
+      </p:ext>
+    </p:extLst>
+  </p:cSld>
+  <p:clrMapOvr>
+    <a:masterClrMapping/>
+  </p:clrMapOvr>
+  <p:transition>
+    <p:cover/>
+  </p:transition>
+  <p:timing>
+    <p:tnLst>
+      <p:par>
+        <p:cTn id="1" dur="indefinite" restart="never" nodeType="tmRoot"/>
+      </p:par>
+    </p:tnLst>
+  </p:timing>
+</p:sld>
+</file>
+
+<file path=ppt/slides/slide11.xml><?xml version="1.0" encoding="utf-8"?>
+<p:sld xmlns:a="http://schemas.openxmlformats.org/drawingml/2006/main" xmlns:r="http://schemas.openxmlformats.org/officeDocument/2006/relationships" xmlns:p="http://schemas.openxmlformats.org/presentationml/2006/main">
+  <p:cSld>
+    <p:spTree>
+      <p:nvGrpSpPr>
+        <p:cNvPr id="1" name=""/>
+        <p:cNvGrpSpPr/>
+        <p:nvPr/>
+      </p:nvGrpSpPr>
+      <p:grpSpPr>
+        <a:xfrm>
+          <a:off x="0" y="0"/>
+          <a:ext cx="0" cy="0"/>
+          <a:chOff x="0" y="0"/>
+          <a:chExt cx="0" cy="0"/>
+        </a:xfrm>
+      </p:grpSpPr>
+      <p:sp>
+        <p:nvSpPr>
+          <p:cNvPr id="2" name="TextBox 1"/>
+          <p:cNvSpPr txBox="1"/>
+          <p:nvPr/>
+        </p:nvSpPr>
+        <p:spPr>
+          <a:xfrm>
+            <a:off x="2627784" y="2060848"/>
+            <a:ext cx="3639138" cy="1015663"/>
+          </a:xfrm>
+          <a:prstGeom prst="rect">
+            <a:avLst/>
+          </a:prstGeom>
+          <a:noFill/>
+        </p:spPr>
+        <p:txBody>
+          <a:bodyPr wrap="none" rtlCol="0">
+            <a:spAutoFit/>
+          </a:bodyPr>
+          <a:lstStyle/>
+          <a:p>
+            <a:r>
+              <a:rPr lang="pt-BR" sz="6000" dirty="0" smtClean="0"/>
+              <a:t>OBRIGADO</a:t>
+            </a:r>
+            <a:endParaRPr lang="pt-BR" sz="6000" dirty="0"/>
+          </a:p>
+        </p:txBody>
+      </p:sp>
+    </p:spTree>
+  </p:cSld>
+  <p:clrMapOvr>
+    <a:masterClrMapping/>
+  </p:clrMapOvr>
+  <p:transition>
+    <p:split orient="vert"/>
+  </p:transition>
+  <p:timing>
+    <p:tnLst>
+      <p:par>
+        <p:cTn id="1" dur="indefinite" restart="never" nodeType="tmRoot">
+          <p:childTnLst>
+            <p:seq concurrent="1" nextAc="seek">
+              <p:cTn id="2" dur="indefinite" nodeType="mainSeq">
+                <p:childTnLst>
+                  <p:par>
+                    <p:cTn id="3" fill="hold">
+                      <p:stCondLst>
+                        <p:cond delay="indefinite"/>
+                      </p:stCondLst>
+                      <p:childTnLst>
+                        <p:par>
+                          <p:cTn id="4" fill="hold">
+                            <p:stCondLst>
+                              <p:cond delay="0"/>
+                            </p:stCondLst>
+                            <p:childTnLst>
+                              <p:par>
+                                <p:cTn id="5" presetID="10" presetClass="entr" presetSubtype="0" fill="hold" grpId="0" nodeType="clickEffect">
+                                  <p:stCondLst>
+                                    <p:cond delay="0"/>
+                                  </p:stCondLst>
+                                  <p:childTnLst>
+                                    <p:set>
+                                      <p:cBhvr>
+                                        <p:cTn id="6" dur="1" fill="hold">
+                                          <p:stCondLst>
+                                            <p:cond delay="0"/>
+                                          </p:stCondLst>
+                                        </p:cTn>
+                                        <p:tgtEl>
+                                          <p:spTgt spid="2">
+                                            <p:txEl>
+                                              <p:pRg st="0" end="0"/>
+                                            </p:txEl>
+                                          </p:spTgt>
+                                        </p:tgtEl>
+                                        <p:attrNameLst>
+                                          <p:attrName>style.visibility</p:attrName>
+                                        </p:attrNameLst>
+                                      </p:cBhvr>
+                                      <p:to>
+                                        <p:strVal val="visible"/>
+                                      </p:to>
+                                    </p:set>
+                                    <p:animEffect transition="in" filter="fade">
+                                      <p:cBhvr>
+                                        <p:cTn id="7" dur="2000"/>
+                                        <p:tgtEl>
+                                          <p:spTgt spid="2">
+                                            <p:txEl>
+                                              <p:pRg st="0" end="0"/>
+                                            </p:txEl>
+                                          </p:spTgt>
+                                        </p:tgtEl>
+                                      </p:cBhvr>
+                                    </p:animEffect>
+                                  </p:childTnLst>
+                                </p:cTn>
+                              </p:par>
+                            </p:childTnLst>
+                          </p:cTn>
+                        </p:par>
+                      </p:childTnLst>
+                    </p:cTn>
+                  </p:par>
+                </p:childTnLst>
+              </p:cTn>
+              <p:prevCondLst>
+                <p:cond evt="onPrev" delay="0">
+                  <p:tgtEl>
+                    <p:sldTgt/>
+                  </p:tgtEl>
+                </p:cond>
+              </p:prevCondLst>
+              <p:nextCondLst>
+                <p:cond evt="onNext" delay="0">
+                  <p:tgtEl>
+                    <p:sldTgt/>
+                  </p:tgtEl>
+                </p:cond>
+              </p:nextCondLst>
+            </p:seq>
+          </p:childTnLst>
+        </p:cTn>
+      </p:par>
+    </p:tnLst>
+    <p:bldLst>
+      <p:bldP spid="2" grpId="0" build="allAtOnce"/>
+    </p:bldLst>
+  </p:timing>
+</p:sld>
+</file>
+
 <file path=ppt/slides/slide2.xml><?xml version="1.0" encoding="utf-8"?>
 <p:sld xmlns:a="http://schemas.openxmlformats.org/drawingml/2006/main" xmlns:r="http://schemas.openxmlformats.org/officeDocument/2006/relationships" xmlns:p="http://schemas.openxmlformats.org/presentationml/2006/main">
   <p:cSld>
@@ -3356,47 +4400,25 @@
           <a:p>
             <a:r>
               <a:rPr lang="pt-BR" dirty="0" smtClean="0"/>
-              <a:t> João </a:t>
-            </a:r>
+              <a:t> João Paulo</a:t>
+            </a:r>
+          </a:p>
+          <a:p>
             <a:r>
               <a:rPr lang="pt-BR" dirty="0" smtClean="0"/>
-              <a:t>Paulo</a:t>
+              <a:t> Paulo Henrique </a:t>
             </a:r>
           </a:p>
           <a:p>
             <a:r>
               <a:rPr lang="pt-BR" dirty="0" smtClean="0"/>
-              <a:t> </a:t>
-            </a:r>
+              <a:t> Miguel Alvim </a:t>
+            </a:r>
+          </a:p>
+          <a:p>
             <a:r>
               <a:rPr lang="pt-BR" dirty="0" smtClean="0"/>
-              <a:t>Paulo Henrique </a:t>
-            </a:r>
-            <a:endParaRPr lang="pt-BR" dirty="0" smtClean="0"/>
-          </a:p>
-          <a:p>
-            <a:r>
-              <a:rPr lang="pt-BR" dirty="0" smtClean="0"/>
-              <a:t> </a:t>
-            </a:r>
-            <a:r>
-              <a:rPr lang="pt-BR" dirty="0" smtClean="0"/>
-              <a:t>Miguel </a:t>
-            </a:r>
-            <a:r>
-              <a:rPr lang="pt-BR" dirty="0" smtClean="0"/>
-              <a:t>Alvim </a:t>
-            </a:r>
-            <a:endParaRPr lang="pt-BR" dirty="0" smtClean="0"/>
-          </a:p>
-          <a:p>
-            <a:r>
-              <a:rPr lang="pt-BR" dirty="0" smtClean="0"/>
-              <a:t>Gilson </a:t>
-            </a:r>
-            <a:r>
-              <a:rPr lang="pt-BR" dirty="0" smtClean="0"/>
-              <a:t>dos Reis </a:t>
+              <a:t>Gilson dos Reis </a:t>
             </a:r>
             <a:endParaRPr lang="pt-BR" dirty="0"/>
           </a:p>
@@ -3962,7 +4984,7 @@
     </p:spTree>
     <p:extLst>
       <p:ext uri="{BB962C8B-B14F-4D97-AF65-F5344CB8AC3E}">
-        <p14:creationId xmlns:p14="http://schemas.microsoft.com/office/powerpoint/2010/main" xmlns="" val="1567074162"/>
+        <p14:creationId xmlns="" xmlns:p14="http://schemas.microsoft.com/office/powerpoint/2010/main" val="1567074162"/>
       </p:ext>
     </p:extLst>
   </p:cSld>
@@ -4761,15 +5783,7 @@
             <a:pPr lvl="1"/>
             <a:r>
               <a:rPr lang="pt-BR" dirty="0" smtClean="0"/>
-              <a:t>Grupo Inteiro se </a:t>
-            </a:r>
-            <a:r>
-              <a:rPr lang="pt-BR" dirty="0" smtClean="0"/>
-              <a:t>reúne </a:t>
-            </a:r>
-            <a:r>
-              <a:rPr lang="pt-BR" dirty="0" smtClean="0"/>
-              <a:t>para definir soluções</a:t>
+              <a:t>Grupo Inteiro se reúne para definir soluções</a:t>
             </a:r>
           </a:p>
           <a:p>
@@ -4818,11 +5832,7 @@
             <a:pPr lvl="1"/>
             <a:r>
               <a:rPr lang="pt-BR" dirty="0" smtClean="0"/>
-              <a:t>Reunião para decidir </a:t>
-            </a:r>
-            <a:r>
-              <a:rPr lang="pt-BR" dirty="0" smtClean="0"/>
-              <a:t>a próxima iteração</a:t>
+              <a:t>Reunião para decidir a próxima iteração</a:t>
             </a:r>
             <a:endParaRPr lang="pt-BR" dirty="0"/>
           </a:p>
@@ -4831,7 +5841,7 @@
     </p:spTree>
     <p:extLst>
       <p:ext uri="{BB962C8B-B14F-4D97-AF65-F5344CB8AC3E}">
-        <p14:creationId xmlns:p14="http://schemas.microsoft.com/office/powerpoint/2010/main" xmlns="" val="526639743"/>
+        <p14:creationId xmlns="" xmlns:p14="http://schemas.microsoft.com/office/powerpoint/2010/main" val="526639743"/>
       </p:ext>
     </p:extLst>
   </p:cSld>
@@ -5664,6 +6674,174 @@
           <a:chExt cx="0" cy="0"/>
         </a:xfrm>
       </p:grpSpPr>
+      <p:sp>
+        <p:nvSpPr>
+          <p:cNvPr id="2" name="Title 1"/>
+          <p:cNvSpPr>
+            <a:spLocks noGrp="1"/>
+          </p:cNvSpPr>
+          <p:nvPr>
+            <p:ph type="title"/>
+          </p:nvPr>
+        </p:nvSpPr>
+        <p:spPr/>
+        <p:txBody>
+          <a:bodyPr/>
+          <a:lstStyle/>
+          <a:p>
+            <a:r>
+              <a:rPr lang="pt-BR" dirty="0" err="1" smtClean="0"/>
+              <a:t>OpenProject</a:t>
+            </a:r>
+            <a:r>
+              <a:rPr lang="pt-BR" dirty="0" smtClean="0"/>
+              <a:t>?</a:t>
+            </a:r>
+            <a:endParaRPr lang="pt-BR" dirty="0"/>
+          </a:p>
+        </p:txBody>
+      </p:sp>
+      <p:pic>
+        <p:nvPicPr>
+          <p:cNvPr id="1026" name="Picture 2"/>
+          <p:cNvPicPr>
+            <a:picLocks noGrp="1" noChangeAspect="1" noChangeArrowheads="1"/>
+          </p:cNvPicPr>
+          <p:nvPr>
+            <p:ph idx="1"/>
+          </p:nvPr>
+        </p:nvPicPr>
+        <p:blipFill>
+          <a:blip r:embed="rId2" cstate="print"/>
+          <a:srcRect/>
+          <a:stretch>
+            <a:fillRect/>
+          </a:stretch>
+        </p:blipFill>
+        <p:spPr bwMode="auto">
+          <a:xfrm>
+            <a:off x="457200" y="1620865"/>
+            <a:ext cx="8229600" cy="4484632"/>
+          </a:xfrm>
+          <a:prstGeom prst="rect">
+            <a:avLst/>
+          </a:prstGeom>
+          <a:noFill/>
+          <a:ln w="9525">
+            <a:noFill/>
+            <a:miter lim="800000"/>
+            <a:headEnd/>
+            <a:tailEnd/>
+          </a:ln>
+        </p:spPr>
+      </p:pic>
+    </p:spTree>
+  </p:cSld>
+  <p:clrMapOvr>
+    <a:masterClrMapping/>
+  </p:clrMapOvr>
+</p:sld>
+</file>
+
+<file path=ppt/slides/slide7.xml><?xml version="1.0" encoding="utf-8"?>
+<p:sld xmlns:a="http://schemas.openxmlformats.org/drawingml/2006/main" xmlns:r="http://schemas.openxmlformats.org/officeDocument/2006/relationships" xmlns:p="http://schemas.openxmlformats.org/presentationml/2006/main">
+  <p:cSld>
+    <p:spTree>
+      <p:nvGrpSpPr>
+        <p:cNvPr id="1" name=""/>
+        <p:cNvGrpSpPr/>
+        <p:nvPr/>
+      </p:nvGrpSpPr>
+      <p:grpSpPr>
+        <a:xfrm>
+          <a:off x="0" y="0"/>
+          <a:ext cx="0" cy="0"/>
+          <a:chOff x="0" y="0"/>
+          <a:chExt cx="0" cy="0"/>
+        </a:xfrm>
+      </p:grpSpPr>
+      <p:sp>
+        <p:nvSpPr>
+          <p:cNvPr id="2" name="Title 1"/>
+          <p:cNvSpPr>
+            <a:spLocks noGrp="1"/>
+          </p:cNvSpPr>
+          <p:nvPr>
+            <p:ph type="title"/>
+          </p:nvPr>
+        </p:nvSpPr>
+        <p:spPr/>
+        <p:txBody>
+          <a:bodyPr/>
+          <a:lstStyle/>
+          <a:p>
+            <a:r>
+              <a:rPr lang="pt-BR" dirty="0" smtClean="0"/>
+              <a:t>Excel</a:t>
+            </a:r>
+            <a:endParaRPr lang="pt-BR" dirty="0"/>
+          </a:p>
+        </p:txBody>
+      </p:sp>
+      <p:pic>
+        <p:nvPicPr>
+          <p:cNvPr id="2050" name="Picture 2"/>
+          <p:cNvPicPr>
+            <a:picLocks noGrp="1" noChangeAspect="1" noChangeArrowheads="1"/>
+          </p:cNvPicPr>
+          <p:nvPr>
+            <p:ph idx="1"/>
+          </p:nvPr>
+        </p:nvPicPr>
+        <p:blipFill>
+          <a:blip r:embed="rId2" cstate="print"/>
+          <a:srcRect/>
+          <a:stretch>
+            <a:fillRect/>
+          </a:stretch>
+        </p:blipFill>
+        <p:spPr bwMode="auto">
+          <a:xfrm>
+            <a:off x="469322" y="1373052"/>
+            <a:ext cx="8279142" cy="4936268"/>
+          </a:xfrm>
+          <a:prstGeom prst="rect">
+            <a:avLst/>
+          </a:prstGeom>
+          <a:noFill/>
+          <a:ln w="9525">
+            <a:noFill/>
+            <a:miter lim="800000"/>
+            <a:headEnd/>
+            <a:tailEnd/>
+          </a:ln>
+        </p:spPr>
+      </p:pic>
+    </p:spTree>
+  </p:cSld>
+  <p:clrMapOvr>
+    <a:masterClrMapping/>
+  </p:clrMapOvr>
+</p:sld>
+</file>
+
+<file path=ppt/slides/slide8.xml><?xml version="1.0" encoding="utf-8"?>
+<p:sld xmlns:a="http://schemas.openxmlformats.org/drawingml/2006/main" xmlns:r="http://schemas.openxmlformats.org/officeDocument/2006/relationships" xmlns:p="http://schemas.openxmlformats.org/presentationml/2006/main">
+  <p:cSld>
+    <p:spTree>
+      <p:nvGrpSpPr>
+        <p:cNvPr id="1" name=""/>
+        <p:cNvGrpSpPr/>
+        <p:nvPr/>
+      </p:nvGrpSpPr>
+      <p:grpSpPr>
+        <a:xfrm>
+          <a:off x="0" y="0"/>
+          <a:ext cx="0" cy="0"/>
+          <a:chOff x="0" y="0"/>
+          <a:chExt cx="0" cy="0"/>
+        </a:xfrm>
+      </p:grpSpPr>
       <p:graphicFrame>
         <p:nvGraphicFramePr>
           <p:cNvPr id="5" name="Tabela 4"/>
@@ -5673,7 +6851,7 @@
           <p:nvPr>
             <p:extLst>
               <p:ext uri="{D42A27DB-BD31-4B8C-83A1-F6EECF244321}">
-                <p14:modId xmlns:p14="http://schemas.microsoft.com/office/powerpoint/2010/main" xmlns="" val="2877445285"/>
+                <p14:modId xmlns="" xmlns:p14="http://schemas.microsoft.com/office/powerpoint/2010/main" val="2877445285"/>
               </p:ext>
             </p:extLst>
           </p:nvPr>
@@ -5698,7 +6876,7 @@
                     <a:p>
                       <a:pPr algn="ctr" fontAlgn="ctr"/>
                       <a:r>
-                        <a:rPr lang="pt-BR" sz="2800" b="0" i="0" u="none" strike="noStrike">
+                        <a:rPr lang="pt-BR" sz="2800" b="0" i="0" u="none" strike="noStrike" dirty="0">
                           <a:effectLst/>
                           <a:latin typeface="Arial"/>
                         </a:rPr>
@@ -6419,1762 +7597,7 @@
     </p:spTree>
     <p:extLst>
       <p:ext uri="{BB962C8B-B14F-4D97-AF65-F5344CB8AC3E}">
-        <p14:creationId xmlns:p14="http://schemas.microsoft.com/office/powerpoint/2010/main" xmlns="" val="2518254064"/>
-      </p:ext>
-    </p:extLst>
-  </p:cSld>
-  <p:clrMapOvr>
-    <a:masterClrMapping/>
-  </p:clrMapOvr>
-  <p:transition>
-    <p:cover/>
-  </p:transition>
-  <p:timing>
-    <p:tnLst>
-      <p:par>
-        <p:cTn id="1" dur="indefinite" restart="never" nodeType="tmRoot"/>
-      </p:par>
-    </p:tnLst>
-  </p:timing>
-</p:sld>
-</file>
-
-<file path=ppt/slides/slide7.xml><?xml version="1.0" encoding="utf-8"?>
-<p:sld xmlns:a="http://schemas.openxmlformats.org/drawingml/2006/main" xmlns:r="http://schemas.openxmlformats.org/officeDocument/2006/relationships" xmlns:p="http://schemas.openxmlformats.org/presentationml/2006/main">
-  <p:cSld>
-    <p:spTree>
-      <p:nvGrpSpPr>
-        <p:cNvPr id="1" name=""/>
-        <p:cNvGrpSpPr/>
-        <p:nvPr/>
-      </p:nvGrpSpPr>
-      <p:grpSpPr>
-        <a:xfrm>
-          <a:off x="0" y="0"/>
-          <a:ext cx="0" cy="0"/>
-          <a:chOff x="0" y="0"/>
-          <a:chExt cx="0" cy="0"/>
-        </a:xfrm>
-      </p:grpSpPr>
-      <p:graphicFrame>
-        <p:nvGraphicFramePr>
-          <p:cNvPr id="2" name="Tabela 1"/>
-          <p:cNvGraphicFramePr>
-            <a:graphicFrameLocks noGrp="1"/>
-          </p:cNvGraphicFramePr>
-          <p:nvPr>
-            <p:extLst>
-              <p:ext uri="{D42A27DB-BD31-4B8C-83A1-F6EECF244321}">
-                <p14:modId xmlns:p14="http://schemas.microsoft.com/office/powerpoint/2010/main" xmlns="" val="2730804079"/>
-              </p:ext>
-            </p:extLst>
-          </p:nvPr>
-        </p:nvGraphicFramePr>
-        <p:xfrm>
-          <a:off x="107504" y="1268760"/>
-          <a:ext cx="8848774" cy="4289280"/>
-        </p:xfrm>
-        <a:graphic>
-          <a:graphicData uri="http://schemas.openxmlformats.org/drawingml/2006/table">
-            <a:tbl>
-              <a:tblPr/>
-              <a:tblGrid>
-                <a:gridCol w="5976664"/>
-                <a:gridCol w="2872110"/>
-              </a:tblGrid>
-              <a:tr h="604260">
-                <a:tc>
-                  <a:txBody>
-                    <a:bodyPr/>
-                    <a:lstStyle/>
-                    <a:p>
-                      <a:pPr algn="l" fontAlgn="b"/>
-                      <a:r>
-                        <a:rPr lang="pt-BR" sz="2000" b="0" i="0" u="none" strike="noStrike" dirty="0">
-                          <a:effectLst/>
-                          <a:latin typeface="Arial"/>
-                        </a:rPr>
-                        <a:t>3ª semana</a:t>
-                      </a:r>
-                    </a:p>
-                  </a:txBody>
-                  <a:tcPr marL="9525" marR="9525" marT="9525" marB="0" anchor="b">
-                    <a:lnL w="6350" cap="flat" cmpd="sng" algn="ctr">
-                      <a:solidFill>
-                        <a:srgbClr val="000000"/>
-                      </a:solidFill>
-                      <a:prstDash val="dot"/>
-                      <a:round/>
-                      <a:headEnd type="none" w="med" len="med"/>
-                      <a:tailEnd type="none" w="med" len="med"/>
-                    </a:lnL>
-                    <a:lnR w="6350" cap="flat" cmpd="sng" algn="ctr">
-                      <a:solidFill>
-                        <a:srgbClr val="000000"/>
-                      </a:solidFill>
-                      <a:prstDash val="dot"/>
-                      <a:round/>
-                      <a:headEnd type="none" w="med" len="med"/>
-                      <a:tailEnd type="none" w="med" len="med"/>
-                    </a:lnR>
-                    <a:lnT w="6350" cap="flat" cmpd="sng" algn="ctr">
-                      <a:solidFill>
-                        <a:srgbClr val="000000"/>
-                      </a:solidFill>
-                      <a:prstDash val="dot"/>
-                      <a:round/>
-                      <a:headEnd type="none" w="med" len="med"/>
-                      <a:tailEnd type="none" w="med" len="med"/>
-                    </a:lnT>
-                    <a:lnB w="6350" cap="flat" cmpd="sng" algn="ctr">
-                      <a:solidFill>
-                        <a:srgbClr val="000000"/>
-                      </a:solidFill>
-                      <a:prstDash val="dot"/>
-                      <a:round/>
-                      <a:headEnd type="none" w="med" len="med"/>
-                      <a:tailEnd type="none" w="med" len="med"/>
-                    </a:lnB>
-                  </a:tcPr>
-                </a:tc>
-                <a:tc>
-                  <a:txBody>
-                    <a:bodyPr/>
-                    <a:lstStyle/>
-                    <a:p>
-                      <a:pPr algn="l" fontAlgn="b"/>
-                      <a:r>
-                        <a:rPr lang="pt-BR" sz="2000" b="0" i="0" u="none" strike="noStrike">
-                          <a:effectLst/>
-                          <a:latin typeface="Arial"/>
-                        </a:rPr>
-                        <a:t>Gerou</a:t>
-                      </a:r>
-                    </a:p>
-                  </a:txBody>
-                  <a:tcPr marL="9525" marR="9525" marT="9525" marB="0" anchor="b">
-                    <a:lnL w="6350" cap="flat" cmpd="sng" algn="ctr">
-                      <a:solidFill>
-                        <a:srgbClr val="000000"/>
-                      </a:solidFill>
-                      <a:prstDash val="dot"/>
-                      <a:round/>
-                      <a:headEnd type="none" w="med" len="med"/>
-                      <a:tailEnd type="none" w="med" len="med"/>
-                    </a:lnL>
-                    <a:lnR w="6350" cap="flat" cmpd="sng" algn="ctr">
-                      <a:solidFill>
-                        <a:srgbClr val="000000"/>
-                      </a:solidFill>
-                      <a:prstDash val="dot"/>
-                      <a:round/>
-                      <a:headEnd type="none" w="med" len="med"/>
-                      <a:tailEnd type="none" w="med" len="med"/>
-                    </a:lnR>
-                    <a:lnT w="6350" cap="flat" cmpd="sng" algn="ctr">
-                      <a:solidFill>
-                        <a:srgbClr val="000000"/>
-                      </a:solidFill>
-                      <a:prstDash val="dot"/>
-                      <a:round/>
-                      <a:headEnd type="none" w="med" len="med"/>
-                      <a:tailEnd type="none" w="med" len="med"/>
-                    </a:lnT>
-                    <a:lnB w="6350" cap="flat" cmpd="sng" algn="ctr">
-                      <a:solidFill>
-                        <a:srgbClr val="000000"/>
-                      </a:solidFill>
-                      <a:prstDash val="dot"/>
-                      <a:round/>
-                      <a:headEnd type="none" w="med" len="med"/>
-                      <a:tailEnd type="none" w="med" len="med"/>
-                    </a:lnB>
-                  </a:tcPr>
-                </a:tc>
-              </a:tr>
-              <a:tr h="604260">
-                <a:tc>
-                  <a:txBody>
-                    <a:bodyPr/>
-                    <a:lstStyle/>
-                    <a:p>
-                      <a:pPr algn="l" fontAlgn="b"/>
-                      <a:r>
-                        <a:rPr lang="pt-BR" sz="2000" b="0" i="0" u="none" strike="noStrike" dirty="0">
-                          <a:effectLst/>
-                          <a:latin typeface="Arial"/>
-                        </a:rPr>
-                        <a:t>Escolha do paradigma de desenvolvimento a ser </a:t>
-                      </a:r>
-                      <a:r>
-                        <a:rPr lang="pt-BR" sz="2000" b="0" i="0" u="none" strike="noStrike" dirty="0" smtClean="0">
-                          <a:effectLst/>
-                          <a:latin typeface="Arial"/>
-                        </a:rPr>
-                        <a:t>utilizado</a:t>
-                      </a:r>
-                      <a:endParaRPr lang="pt-BR" sz="2000" b="0" i="0" u="none" strike="noStrike" dirty="0">
-                        <a:effectLst/>
-                        <a:latin typeface="Arial"/>
-                      </a:endParaRPr>
-                    </a:p>
-                  </a:txBody>
-                  <a:tcPr marL="9525" marR="9525" marT="9525" marB="0" anchor="b">
-                    <a:lnL w="6350" cap="flat" cmpd="sng" algn="ctr">
-                      <a:solidFill>
-                        <a:srgbClr val="000000"/>
-                      </a:solidFill>
-                      <a:prstDash val="dot"/>
-                      <a:round/>
-                      <a:headEnd type="none" w="med" len="med"/>
-                      <a:tailEnd type="none" w="med" len="med"/>
-                    </a:lnL>
-                    <a:lnR w="6350" cap="flat" cmpd="sng" algn="ctr">
-                      <a:solidFill>
-                        <a:srgbClr val="000000"/>
-                      </a:solidFill>
-                      <a:prstDash val="dot"/>
-                      <a:round/>
-                      <a:headEnd type="none" w="med" len="med"/>
-                      <a:tailEnd type="none" w="med" len="med"/>
-                    </a:lnR>
-                    <a:lnT w="6350" cap="flat" cmpd="sng" algn="ctr">
-                      <a:solidFill>
-                        <a:srgbClr val="000000"/>
-                      </a:solidFill>
-                      <a:prstDash val="dot"/>
-                      <a:round/>
-                      <a:headEnd type="none" w="med" len="med"/>
-                      <a:tailEnd type="none" w="med" len="med"/>
-                    </a:lnT>
-                    <a:lnB w="6350" cap="flat" cmpd="sng" algn="ctr">
-                      <a:solidFill>
-                        <a:srgbClr val="000000"/>
-                      </a:solidFill>
-                      <a:prstDash val="dot"/>
-                      <a:round/>
-                      <a:headEnd type="none" w="med" len="med"/>
-                      <a:tailEnd type="none" w="med" len="med"/>
-                    </a:lnB>
-                  </a:tcPr>
-                </a:tc>
-                <a:tc>
-                  <a:txBody>
-                    <a:bodyPr/>
-                    <a:lstStyle/>
-                    <a:p>
-                      <a:pPr algn="l" fontAlgn="b"/>
-                      <a:r>
-                        <a:rPr lang="pt-BR" sz="2000" b="0" i="0" u="none" strike="noStrike" dirty="0" smtClean="0">
-                          <a:effectLst/>
-                          <a:latin typeface="Arial"/>
-                        </a:rPr>
-                        <a:t>Modelo </a:t>
-                      </a:r>
-                      <a:r>
-                        <a:rPr lang="pt-BR" sz="2000" b="0" i="0" u="none" strike="noStrike" dirty="0" err="1">
-                          <a:effectLst/>
-                          <a:latin typeface="Arial"/>
-                        </a:rPr>
-                        <a:t>logico</a:t>
-                      </a:r>
-                      <a:r>
-                        <a:rPr lang="pt-BR" sz="2000" b="0" i="0" u="none" strike="noStrike" dirty="0">
-                          <a:effectLst/>
-                          <a:latin typeface="Arial"/>
-                        </a:rPr>
-                        <a:t> do BD</a:t>
-                      </a:r>
-                    </a:p>
-                  </a:txBody>
-                  <a:tcPr marL="9525" marR="9525" marT="9525" marB="0" anchor="b">
-                    <a:lnL w="6350" cap="flat" cmpd="sng" algn="ctr">
-                      <a:solidFill>
-                        <a:srgbClr val="000000"/>
-                      </a:solidFill>
-                      <a:prstDash val="dot"/>
-                      <a:round/>
-                      <a:headEnd type="none" w="med" len="med"/>
-                      <a:tailEnd type="none" w="med" len="med"/>
-                    </a:lnL>
-                    <a:lnR w="6350" cap="flat" cmpd="sng" algn="ctr">
-                      <a:solidFill>
-                        <a:srgbClr val="000000"/>
-                      </a:solidFill>
-                      <a:prstDash val="dot"/>
-                      <a:round/>
-                      <a:headEnd type="none" w="med" len="med"/>
-                      <a:tailEnd type="none" w="med" len="med"/>
-                    </a:lnR>
-                    <a:lnT w="6350" cap="flat" cmpd="sng" algn="ctr">
-                      <a:solidFill>
-                        <a:srgbClr val="000000"/>
-                      </a:solidFill>
-                      <a:prstDash val="dot"/>
-                      <a:round/>
-                      <a:headEnd type="none" w="med" len="med"/>
-                      <a:tailEnd type="none" w="med" len="med"/>
-                    </a:lnT>
-                    <a:lnB w="6350" cap="flat" cmpd="sng" algn="ctr">
-                      <a:solidFill>
-                        <a:srgbClr val="000000"/>
-                      </a:solidFill>
-                      <a:prstDash val="dot"/>
-                      <a:round/>
-                      <a:headEnd type="none" w="med" len="med"/>
-                      <a:tailEnd type="none" w="med" len="med"/>
-                    </a:lnB>
-                  </a:tcPr>
-                </a:tc>
-              </a:tr>
-              <a:tr h="604260">
-                <a:tc>
-                  <a:txBody>
-                    <a:bodyPr/>
-                    <a:lstStyle/>
-                    <a:p>
-                      <a:pPr algn="l" fontAlgn="b"/>
-                      <a:r>
-                        <a:rPr lang="pt-BR" sz="2000" b="0" i="0" u="none" strike="noStrike">
-                          <a:effectLst/>
-                          <a:latin typeface="Arial"/>
-                        </a:rPr>
-                        <a:t>Escolha da linguagem utilizada</a:t>
-                      </a:r>
-                    </a:p>
-                  </a:txBody>
-                  <a:tcPr marL="9525" marR="9525" marT="9525" marB="0" anchor="b">
-                    <a:lnL w="6350" cap="flat" cmpd="sng" algn="ctr">
-                      <a:solidFill>
-                        <a:srgbClr val="000000"/>
-                      </a:solidFill>
-                      <a:prstDash val="dot"/>
-                      <a:round/>
-                      <a:headEnd type="none" w="med" len="med"/>
-                      <a:tailEnd type="none" w="med" len="med"/>
-                    </a:lnL>
-                    <a:lnR w="6350" cap="flat" cmpd="sng" algn="ctr">
-                      <a:solidFill>
-                        <a:srgbClr val="000000"/>
-                      </a:solidFill>
-                      <a:prstDash val="dot"/>
-                      <a:round/>
-                      <a:headEnd type="none" w="med" len="med"/>
-                      <a:tailEnd type="none" w="med" len="med"/>
-                    </a:lnR>
-                    <a:lnT w="6350" cap="flat" cmpd="sng" algn="ctr">
-                      <a:solidFill>
-                        <a:srgbClr val="000000"/>
-                      </a:solidFill>
-                      <a:prstDash val="dot"/>
-                      <a:round/>
-                      <a:headEnd type="none" w="med" len="med"/>
-                      <a:tailEnd type="none" w="med" len="med"/>
-                    </a:lnT>
-                    <a:lnB w="6350" cap="flat" cmpd="sng" algn="ctr">
-                      <a:solidFill>
-                        <a:srgbClr val="000000"/>
-                      </a:solidFill>
-                      <a:prstDash val="dot"/>
-                      <a:round/>
-                      <a:headEnd type="none" w="med" len="med"/>
-                      <a:tailEnd type="none" w="med" len="med"/>
-                    </a:lnB>
-                  </a:tcPr>
-                </a:tc>
-                <a:tc>
-                  <a:txBody>
-                    <a:bodyPr/>
-                    <a:lstStyle/>
-                    <a:p>
-                      <a:pPr algn="l" fontAlgn="b"/>
-                      <a:r>
-                        <a:rPr lang="pt-BR" sz="2000" b="0" i="0" u="none" strike="noStrike">
-                          <a:effectLst/>
-                          <a:latin typeface="Arial"/>
-                        </a:rPr>
-                        <a:t>Prévia da interface</a:t>
-                      </a:r>
-                    </a:p>
-                  </a:txBody>
-                  <a:tcPr marL="9525" marR="9525" marT="9525" marB="0" anchor="b">
-                    <a:lnL w="6350" cap="flat" cmpd="sng" algn="ctr">
-                      <a:solidFill>
-                        <a:srgbClr val="000000"/>
-                      </a:solidFill>
-                      <a:prstDash val="dot"/>
-                      <a:round/>
-                      <a:headEnd type="none" w="med" len="med"/>
-                      <a:tailEnd type="none" w="med" len="med"/>
-                    </a:lnL>
-                    <a:lnR w="6350" cap="flat" cmpd="sng" algn="ctr">
-                      <a:solidFill>
-                        <a:srgbClr val="000000"/>
-                      </a:solidFill>
-                      <a:prstDash val="dot"/>
-                      <a:round/>
-                      <a:headEnd type="none" w="med" len="med"/>
-                      <a:tailEnd type="none" w="med" len="med"/>
-                    </a:lnR>
-                    <a:lnT w="6350" cap="flat" cmpd="sng" algn="ctr">
-                      <a:solidFill>
-                        <a:srgbClr val="000000"/>
-                      </a:solidFill>
-                      <a:prstDash val="dot"/>
-                      <a:round/>
-                      <a:headEnd type="none" w="med" len="med"/>
-                      <a:tailEnd type="none" w="med" len="med"/>
-                    </a:lnT>
-                    <a:lnB w="6350" cap="flat" cmpd="sng" algn="ctr">
-                      <a:solidFill>
-                        <a:srgbClr val="000000"/>
-                      </a:solidFill>
-                      <a:prstDash val="dot"/>
-                      <a:round/>
-                      <a:headEnd type="none" w="med" len="med"/>
-                      <a:tailEnd type="none" w="med" len="med"/>
-                    </a:lnB>
-                  </a:tcPr>
-                </a:tc>
-              </a:tr>
-              <a:tr h="604260">
-                <a:tc>
-                  <a:txBody>
-                    <a:bodyPr/>
-                    <a:lstStyle/>
-                    <a:p>
-                      <a:pPr algn="l" fontAlgn="b"/>
-                      <a:r>
-                        <a:rPr lang="pt-BR" sz="2000" b="0" i="0" u="none" strike="noStrike">
-                          <a:effectLst/>
-                          <a:latin typeface="Arial"/>
-                        </a:rPr>
-                        <a:t>Escolha das IDEs e sistemas operacionais, computadores</a:t>
-                      </a:r>
-                    </a:p>
-                  </a:txBody>
-                  <a:tcPr marL="9525" marR="9525" marT="9525" marB="0" anchor="b">
-                    <a:lnL w="6350" cap="flat" cmpd="sng" algn="ctr">
-                      <a:solidFill>
-                        <a:srgbClr val="000000"/>
-                      </a:solidFill>
-                      <a:prstDash val="dot"/>
-                      <a:round/>
-                      <a:headEnd type="none" w="med" len="med"/>
-                      <a:tailEnd type="none" w="med" len="med"/>
-                    </a:lnL>
-                    <a:lnR w="6350" cap="flat" cmpd="sng" algn="ctr">
-                      <a:solidFill>
-                        <a:srgbClr val="000000"/>
-                      </a:solidFill>
-                      <a:prstDash val="dot"/>
-                      <a:round/>
-                      <a:headEnd type="none" w="med" len="med"/>
-                      <a:tailEnd type="none" w="med" len="med"/>
-                    </a:lnR>
-                    <a:lnT w="6350" cap="flat" cmpd="sng" algn="ctr">
-                      <a:solidFill>
-                        <a:srgbClr val="000000"/>
-                      </a:solidFill>
-                      <a:prstDash val="dot"/>
-                      <a:round/>
-                      <a:headEnd type="none" w="med" len="med"/>
-                      <a:tailEnd type="none" w="med" len="med"/>
-                    </a:lnT>
-                    <a:lnB w="6350" cap="flat" cmpd="sng" algn="ctr">
-                      <a:solidFill>
-                        <a:srgbClr val="000000"/>
-                      </a:solidFill>
-                      <a:prstDash val="dot"/>
-                      <a:round/>
-                      <a:headEnd type="none" w="med" len="med"/>
-                      <a:tailEnd type="none" w="med" len="med"/>
-                    </a:lnB>
-                  </a:tcPr>
-                </a:tc>
-                <a:tc>
-                  <a:txBody>
-                    <a:bodyPr/>
-                    <a:lstStyle/>
-                    <a:p>
-                      <a:pPr algn="l" fontAlgn="b"/>
-                      <a:r>
-                        <a:rPr lang="pt-BR" sz="2000" b="0" i="0" u="none" strike="noStrike">
-                          <a:effectLst/>
-                          <a:latin typeface="Arial"/>
-                        </a:rPr>
-                        <a:t> </a:t>
-                      </a:r>
-                    </a:p>
-                  </a:txBody>
-                  <a:tcPr marL="9525" marR="9525" marT="9525" marB="0" anchor="b">
-                    <a:lnL w="6350" cap="flat" cmpd="sng" algn="ctr">
-                      <a:solidFill>
-                        <a:srgbClr val="000000"/>
-                      </a:solidFill>
-                      <a:prstDash val="dot"/>
-                      <a:round/>
-                      <a:headEnd type="none" w="med" len="med"/>
-                      <a:tailEnd type="none" w="med" len="med"/>
-                    </a:lnL>
-                    <a:lnR w="6350" cap="flat" cmpd="sng" algn="ctr">
-                      <a:solidFill>
-                        <a:srgbClr val="000000"/>
-                      </a:solidFill>
-                      <a:prstDash val="dot"/>
-                      <a:round/>
-                      <a:headEnd type="none" w="med" len="med"/>
-                      <a:tailEnd type="none" w="med" len="med"/>
-                    </a:lnR>
-                    <a:lnT w="6350" cap="flat" cmpd="sng" algn="ctr">
-                      <a:solidFill>
-                        <a:srgbClr val="000000"/>
-                      </a:solidFill>
-                      <a:prstDash val="dot"/>
-                      <a:round/>
-                      <a:headEnd type="none" w="med" len="med"/>
-                      <a:tailEnd type="none" w="med" len="med"/>
-                    </a:lnT>
-                    <a:lnB w="6350" cap="flat" cmpd="sng" algn="ctr">
-                      <a:solidFill>
-                        <a:srgbClr val="000000"/>
-                      </a:solidFill>
-                      <a:prstDash val="dot"/>
-                      <a:round/>
-                      <a:headEnd type="none" w="med" len="med"/>
-                      <a:tailEnd type="none" w="med" len="med"/>
-                    </a:lnB>
-                  </a:tcPr>
-                </a:tc>
-              </a:tr>
-              <a:tr h="604260">
-                <a:tc>
-                  <a:txBody>
-                    <a:bodyPr/>
-                    <a:lstStyle/>
-                    <a:p>
-                      <a:pPr algn="l" fontAlgn="b"/>
-                      <a:r>
-                        <a:rPr lang="pt-BR" sz="2000" b="0" i="0" u="none" strike="noStrike">
-                          <a:effectLst/>
-                          <a:latin typeface="Arial"/>
-                        </a:rPr>
-                        <a:t>Definição de qual parte cada integrante ficara responsavel</a:t>
-                      </a:r>
-                    </a:p>
-                  </a:txBody>
-                  <a:tcPr marL="9525" marR="9525" marT="9525" marB="0" anchor="b">
-                    <a:lnL w="6350" cap="flat" cmpd="sng" algn="ctr">
-                      <a:solidFill>
-                        <a:srgbClr val="000000"/>
-                      </a:solidFill>
-                      <a:prstDash val="dot"/>
-                      <a:round/>
-                      <a:headEnd type="none" w="med" len="med"/>
-                      <a:tailEnd type="none" w="med" len="med"/>
-                    </a:lnL>
-                    <a:lnR w="6350" cap="flat" cmpd="sng" algn="ctr">
-                      <a:solidFill>
-                        <a:srgbClr val="000000"/>
-                      </a:solidFill>
-                      <a:prstDash val="dot"/>
-                      <a:round/>
-                      <a:headEnd type="none" w="med" len="med"/>
-                      <a:tailEnd type="none" w="med" len="med"/>
-                    </a:lnR>
-                    <a:lnT w="6350" cap="flat" cmpd="sng" algn="ctr">
-                      <a:solidFill>
-                        <a:srgbClr val="000000"/>
-                      </a:solidFill>
-                      <a:prstDash val="dot"/>
-                      <a:round/>
-                      <a:headEnd type="none" w="med" len="med"/>
-                      <a:tailEnd type="none" w="med" len="med"/>
-                    </a:lnT>
-                    <a:lnB w="6350" cap="flat" cmpd="sng" algn="ctr">
-                      <a:solidFill>
-                        <a:srgbClr val="000000"/>
-                      </a:solidFill>
-                      <a:prstDash val="dot"/>
-                      <a:round/>
-                      <a:headEnd type="none" w="med" len="med"/>
-                      <a:tailEnd type="none" w="med" len="med"/>
-                    </a:lnB>
-                  </a:tcPr>
-                </a:tc>
-                <a:tc>
-                  <a:txBody>
-                    <a:bodyPr/>
-                    <a:lstStyle/>
-                    <a:p>
-                      <a:pPr algn="l" fontAlgn="b"/>
-                      <a:r>
-                        <a:rPr lang="pt-BR" sz="2000" b="0" i="0" u="none" strike="noStrike">
-                          <a:effectLst/>
-                          <a:latin typeface="Arial"/>
-                        </a:rPr>
-                        <a:t> </a:t>
-                      </a:r>
-                    </a:p>
-                  </a:txBody>
-                  <a:tcPr marL="9525" marR="9525" marT="9525" marB="0" anchor="b">
-                    <a:lnL w="6350" cap="flat" cmpd="sng" algn="ctr">
-                      <a:solidFill>
-                        <a:srgbClr val="000000"/>
-                      </a:solidFill>
-                      <a:prstDash val="dot"/>
-                      <a:round/>
-                      <a:headEnd type="none" w="med" len="med"/>
-                      <a:tailEnd type="none" w="med" len="med"/>
-                    </a:lnL>
-                    <a:lnR w="6350" cap="flat" cmpd="sng" algn="ctr">
-                      <a:solidFill>
-                        <a:srgbClr val="000000"/>
-                      </a:solidFill>
-                      <a:prstDash val="dot"/>
-                      <a:round/>
-                      <a:headEnd type="none" w="med" len="med"/>
-                      <a:tailEnd type="none" w="med" len="med"/>
-                    </a:lnR>
-                    <a:lnT w="6350" cap="flat" cmpd="sng" algn="ctr">
-                      <a:solidFill>
-                        <a:srgbClr val="000000"/>
-                      </a:solidFill>
-                      <a:prstDash val="dot"/>
-                      <a:round/>
-                      <a:headEnd type="none" w="med" len="med"/>
-                      <a:tailEnd type="none" w="med" len="med"/>
-                    </a:lnT>
-                    <a:lnB w="6350" cap="flat" cmpd="sng" algn="ctr">
-                      <a:solidFill>
-                        <a:srgbClr val="000000"/>
-                      </a:solidFill>
-                      <a:prstDash val="dot"/>
-                      <a:round/>
-                      <a:headEnd type="none" w="med" len="med"/>
-                      <a:tailEnd type="none" w="med" len="med"/>
-                    </a:lnB>
-                  </a:tcPr>
-                </a:tc>
-              </a:tr>
-              <a:tr h="604260">
-                <a:tc>
-                  <a:txBody>
-                    <a:bodyPr/>
-                    <a:lstStyle/>
-                    <a:p>
-                      <a:pPr algn="l" fontAlgn="b"/>
-                      <a:r>
-                        <a:rPr lang="pt-BR" sz="2000" b="0" i="0" u="none" strike="noStrike">
-                          <a:effectLst/>
-                          <a:latin typeface="Arial"/>
-                        </a:rPr>
-                        <a:t>Definição dos hardwares que serão utilizados</a:t>
-                      </a:r>
-                    </a:p>
-                  </a:txBody>
-                  <a:tcPr marL="9525" marR="9525" marT="9525" marB="0" anchor="b">
-                    <a:lnL w="6350" cap="flat" cmpd="sng" algn="ctr">
-                      <a:solidFill>
-                        <a:srgbClr val="000000"/>
-                      </a:solidFill>
-                      <a:prstDash val="dot"/>
-                      <a:round/>
-                      <a:headEnd type="none" w="med" len="med"/>
-                      <a:tailEnd type="none" w="med" len="med"/>
-                    </a:lnL>
-                    <a:lnR w="6350" cap="flat" cmpd="sng" algn="ctr">
-                      <a:solidFill>
-                        <a:srgbClr val="000000"/>
-                      </a:solidFill>
-                      <a:prstDash val="dot"/>
-                      <a:round/>
-                      <a:headEnd type="none" w="med" len="med"/>
-                      <a:tailEnd type="none" w="med" len="med"/>
-                    </a:lnR>
-                    <a:lnT w="6350" cap="flat" cmpd="sng" algn="ctr">
-                      <a:solidFill>
-                        <a:srgbClr val="000000"/>
-                      </a:solidFill>
-                      <a:prstDash val="dot"/>
-                      <a:round/>
-                      <a:headEnd type="none" w="med" len="med"/>
-                      <a:tailEnd type="none" w="med" len="med"/>
-                    </a:lnT>
-                    <a:lnB w="6350" cap="flat" cmpd="sng" algn="ctr">
-                      <a:solidFill>
-                        <a:srgbClr val="000000"/>
-                      </a:solidFill>
-                      <a:prstDash val="dot"/>
-                      <a:round/>
-                      <a:headEnd type="none" w="med" len="med"/>
-                      <a:tailEnd type="none" w="med" len="med"/>
-                    </a:lnB>
-                  </a:tcPr>
-                </a:tc>
-                <a:tc>
-                  <a:txBody>
-                    <a:bodyPr/>
-                    <a:lstStyle/>
-                    <a:p>
-                      <a:pPr algn="l" fontAlgn="b"/>
-                      <a:r>
-                        <a:rPr lang="pt-BR" sz="2000" b="0" i="0" u="none" strike="noStrike">
-                          <a:effectLst/>
-                          <a:latin typeface="Arial"/>
-                        </a:rPr>
-                        <a:t> </a:t>
-                      </a:r>
-                    </a:p>
-                  </a:txBody>
-                  <a:tcPr marL="9525" marR="9525" marT="9525" marB="0" anchor="b">
-                    <a:lnL w="6350" cap="flat" cmpd="sng" algn="ctr">
-                      <a:solidFill>
-                        <a:srgbClr val="000000"/>
-                      </a:solidFill>
-                      <a:prstDash val="dot"/>
-                      <a:round/>
-                      <a:headEnd type="none" w="med" len="med"/>
-                      <a:tailEnd type="none" w="med" len="med"/>
-                    </a:lnL>
-                    <a:lnR w="6350" cap="flat" cmpd="sng" algn="ctr">
-                      <a:solidFill>
-                        <a:srgbClr val="000000"/>
-                      </a:solidFill>
-                      <a:prstDash val="dot"/>
-                      <a:round/>
-                      <a:headEnd type="none" w="med" len="med"/>
-                      <a:tailEnd type="none" w="med" len="med"/>
-                    </a:lnR>
-                    <a:lnT w="6350" cap="flat" cmpd="sng" algn="ctr">
-                      <a:solidFill>
-                        <a:srgbClr val="000000"/>
-                      </a:solidFill>
-                      <a:prstDash val="dot"/>
-                      <a:round/>
-                      <a:headEnd type="none" w="med" len="med"/>
-                      <a:tailEnd type="none" w="med" len="med"/>
-                    </a:lnT>
-                    <a:lnB w="6350" cap="flat" cmpd="sng" algn="ctr">
-                      <a:solidFill>
-                        <a:srgbClr val="000000"/>
-                      </a:solidFill>
-                      <a:prstDash val="dot"/>
-                      <a:round/>
-                      <a:headEnd type="none" w="med" len="med"/>
-                      <a:tailEnd type="none" w="med" len="med"/>
-                    </a:lnB>
-                  </a:tcPr>
-                </a:tc>
-              </a:tr>
-              <a:tr h="604260">
-                <a:tc>
-                  <a:txBody>
-                    <a:bodyPr/>
-                    <a:lstStyle/>
-                    <a:p>
-                      <a:pPr algn="l" fontAlgn="b"/>
-                      <a:r>
-                        <a:rPr lang="pt-BR" sz="2000" b="0" i="0" u="none" strike="noStrike">
-                          <a:effectLst/>
-                          <a:latin typeface="Arial"/>
-                        </a:rPr>
-                        <a:t>Esboço do modelo lógico do banco de dados e da interface do programa</a:t>
-                      </a:r>
-                    </a:p>
-                  </a:txBody>
-                  <a:tcPr marL="9525" marR="9525" marT="9525" marB="0" anchor="b">
-                    <a:lnL w="6350" cap="flat" cmpd="sng" algn="ctr">
-                      <a:solidFill>
-                        <a:srgbClr val="000000"/>
-                      </a:solidFill>
-                      <a:prstDash val="dot"/>
-                      <a:round/>
-                      <a:headEnd type="none" w="med" len="med"/>
-                      <a:tailEnd type="none" w="med" len="med"/>
-                    </a:lnL>
-                    <a:lnR w="6350" cap="flat" cmpd="sng" algn="ctr">
-                      <a:solidFill>
-                        <a:srgbClr val="000000"/>
-                      </a:solidFill>
-                      <a:prstDash val="dot"/>
-                      <a:round/>
-                      <a:headEnd type="none" w="med" len="med"/>
-                      <a:tailEnd type="none" w="med" len="med"/>
-                    </a:lnR>
-                    <a:lnT w="6350" cap="flat" cmpd="sng" algn="ctr">
-                      <a:solidFill>
-                        <a:srgbClr val="000000"/>
-                      </a:solidFill>
-                      <a:prstDash val="dot"/>
-                      <a:round/>
-                      <a:headEnd type="none" w="med" len="med"/>
-                      <a:tailEnd type="none" w="med" len="med"/>
-                    </a:lnT>
-                    <a:lnB w="6350" cap="flat" cmpd="sng" algn="ctr">
-                      <a:solidFill>
-                        <a:srgbClr val="000000"/>
-                      </a:solidFill>
-                      <a:prstDash val="dot"/>
-                      <a:round/>
-                      <a:headEnd type="none" w="med" len="med"/>
-                      <a:tailEnd type="none" w="med" len="med"/>
-                    </a:lnB>
-                  </a:tcPr>
-                </a:tc>
-                <a:tc>
-                  <a:txBody>
-                    <a:bodyPr/>
-                    <a:lstStyle/>
-                    <a:p>
-                      <a:pPr algn="l" fontAlgn="b"/>
-                      <a:r>
-                        <a:rPr lang="pt-BR" sz="2000" b="0" i="0" u="none" strike="noStrike" dirty="0">
-                          <a:effectLst/>
-                          <a:latin typeface="Arial"/>
-                        </a:rPr>
-                        <a:t> </a:t>
-                      </a:r>
-                    </a:p>
-                  </a:txBody>
-                  <a:tcPr marL="9525" marR="9525" marT="9525" marB="0" anchor="b">
-                    <a:lnL w="6350" cap="flat" cmpd="sng" algn="ctr">
-                      <a:solidFill>
-                        <a:srgbClr val="000000"/>
-                      </a:solidFill>
-                      <a:prstDash val="dot"/>
-                      <a:round/>
-                      <a:headEnd type="none" w="med" len="med"/>
-                      <a:tailEnd type="none" w="med" len="med"/>
-                    </a:lnL>
-                    <a:lnR w="6350" cap="flat" cmpd="sng" algn="ctr">
-                      <a:solidFill>
-                        <a:srgbClr val="000000"/>
-                      </a:solidFill>
-                      <a:prstDash val="dot"/>
-                      <a:round/>
-                      <a:headEnd type="none" w="med" len="med"/>
-                      <a:tailEnd type="none" w="med" len="med"/>
-                    </a:lnR>
-                    <a:lnT w="6350" cap="flat" cmpd="sng" algn="ctr">
-                      <a:solidFill>
-                        <a:srgbClr val="000000"/>
-                      </a:solidFill>
-                      <a:prstDash val="dot"/>
-                      <a:round/>
-                      <a:headEnd type="none" w="med" len="med"/>
-                      <a:tailEnd type="none" w="med" len="med"/>
-                    </a:lnT>
-                    <a:lnB w="6350" cap="flat" cmpd="sng" algn="ctr">
-                      <a:solidFill>
-                        <a:srgbClr val="000000"/>
-                      </a:solidFill>
-                      <a:prstDash val="dot"/>
-                      <a:round/>
-                      <a:headEnd type="none" w="med" len="med"/>
-                      <a:tailEnd type="none" w="med" len="med"/>
-                    </a:lnB>
-                  </a:tcPr>
-                </a:tc>
-              </a:tr>
-            </a:tbl>
-          </a:graphicData>
-        </a:graphic>
-      </p:graphicFrame>
-    </p:spTree>
-    <p:extLst>
-      <p:ext uri="{BB962C8B-B14F-4D97-AF65-F5344CB8AC3E}">
-        <p14:creationId xmlns:p14="http://schemas.microsoft.com/office/powerpoint/2010/main" xmlns="" val="1573777146"/>
-      </p:ext>
-    </p:extLst>
-  </p:cSld>
-  <p:clrMapOvr>
-    <a:masterClrMapping/>
-  </p:clrMapOvr>
-  <p:transition>
-    <p:cover/>
-  </p:transition>
-  <p:timing>
-    <p:tnLst>
-      <p:par>
-        <p:cTn id="1" dur="indefinite" restart="never" nodeType="tmRoot"/>
-      </p:par>
-    </p:tnLst>
-  </p:timing>
-</p:sld>
-</file>
-
-<file path=ppt/slides/slide8.xml><?xml version="1.0" encoding="utf-8"?>
-<p:sld xmlns:a="http://schemas.openxmlformats.org/drawingml/2006/main" xmlns:r="http://schemas.openxmlformats.org/officeDocument/2006/relationships" xmlns:p="http://schemas.openxmlformats.org/presentationml/2006/main">
-  <p:cSld>
-    <p:spTree>
-      <p:nvGrpSpPr>
-        <p:cNvPr id="1" name=""/>
-        <p:cNvGrpSpPr/>
-        <p:nvPr/>
-      </p:nvGrpSpPr>
-      <p:grpSpPr>
-        <a:xfrm>
-          <a:off x="0" y="0"/>
-          <a:ext cx="0" cy="0"/>
-          <a:chOff x="0" y="0"/>
-          <a:chExt cx="0" cy="0"/>
-        </a:xfrm>
-      </p:grpSpPr>
-      <p:graphicFrame>
-        <p:nvGraphicFramePr>
-          <p:cNvPr id="2" name="Tabela 1"/>
-          <p:cNvGraphicFramePr>
-            <a:graphicFrameLocks noGrp="1"/>
-          </p:cNvGraphicFramePr>
-          <p:nvPr>
-            <p:extLst>
-              <p:ext uri="{D42A27DB-BD31-4B8C-83A1-F6EECF244321}">
-                <p14:modId xmlns:p14="http://schemas.microsoft.com/office/powerpoint/2010/main" xmlns="" val="4053274123"/>
-              </p:ext>
-            </p:extLst>
-          </p:nvPr>
-        </p:nvGraphicFramePr>
-        <p:xfrm>
-          <a:off x="251520" y="1196752"/>
-          <a:ext cx="8712968" cy="4588248"/>
-        </p:xfrm>
-        <a:graphic>
-          <a:graphicData uri="http://schemas.openxmlformats.org/drawingml/2006/table">
-            <a:tbl>
-              <a:tblPr/>
-              <a:tblGrid>
-                <a:gridCol w="6470534"/>
-                <a:gridCol w="2242434"/>
-              </a:tblGrid>
-              <a:tr h="477053">
-                <a:tc>
-                  <a:txBody>
-                    <a:bodyPr/>
-                    <a:lstStyle/>
-                    <a:p>
-                      <a:pPr algn="l" fontAlgn="b"/>
-                      <a:r>
-                        <a:rPr lang="pt-BR" sz="2800" b="0" i="0" u="none" strike="noStrike">
-                          <a:effectLst/>
-                          <a:latin typeface="Arial"/>
-                        </a:rPr>
-                        <a:t>4ª Semana</a:t>
-                      </a:r>
-                    </a:p>
-                  </a:txBody>
-                  <a:tcPr marL="9525" marR="9525" marT="9525" marB="0" anchor="b">
-                    <a:lnL w="6350" cap="flat" cmpd="sng" algn="ctr">
-                      <a:solidFill>
-                        <a:srgbClr val="000000"/>
-                      </a:solidFill>
-                      <a:prstDash val="dot"/>
-                      <a:round/>
-                      <a:headEnd type="none" w="med" len="med"/>
-                      <a:tailEnd type="none" w="med" len="med"/>
-                    </a:lnL>
-                    <a:lnR w="6350" cap="flat" cmpd="sng" algn="ctr">
-                      <a:solidFill>
-                        <a:srgbClr val="000000"/>
-                      </a:solidFill>
-                      <a:prstDash val="dot"/>
-                      <a:round/>
-                      <a:headEnd type="none" w="med" len="med"/>
-                      <a:tailEnd type="none" w="med" len="med"/>
-                    </a:lnR>
-                    <a:lnT w="6350" cap="flat" cmpd="sng" algn="ctr">
-                      <a:solidFill>
-                        <a:srgbClr val="000000"/>
-                      </a:solidFill>
-                      <a:prstDash val="dot"/>
-                      <a:round/>
-                      <a:headEnd type="none" w="med" len="med"/>
-                      <a:tailEnd type="none" w="med" len="med"/>
-                    </a:lnT>
-                    <a:lnB w="6350" cap="flat" cmpd="sng" algn="ctr">
-                      <a:solidFill>
-                        <a:srgbClr val="000000"/>
-                      </a:solidFill>
-                      <a:prstDash val="dot"/>
-                      <a:round/>
-                      <a:headEnd type="none" w="med" len="med"/>
-                      <a:tailEnd type="none" w="med" len="med"/>
-                    </a:lnB>
-                  </a:tcPr>
-                </a:tc>
-                <a:tc>
-                  <a:txBody>
-                    <a:bodyPr/>
-                    <a:lstStyle/>
-                    <a:p>
-                      <a:pPr algn="l" fontAlgn="b"/>
-                      <a:r>
-                        <a:rPr lang="pt-BR" sz="2800" b="0" i="0" u="none" strike="noStrike">
-                          <a:effectLst/>
-                          <a:latin typeface="Arial"/>
-                        </a:rPr>
-                        <a:t>Gerou</a:t>
-                      </a:r>
-                    </a:p>
-                  </a:txBody>
-                  <a:tcPr marL="9525" marR="9525" marT="9525" marB="0" anchor="b">
-                    <a:lnL w="6350" cap="flat" cmpd="sng" algn="ctr">
-                      <a:solidFill>
-                        <a:srgbClr val="000000"/>
-                      </a:solidFill>
-                      <a:prstDash val="dot"/>
-                      <a:round/>
-                      <a:headEnd type="none" w="med" len="med"/>
-                      <a:tailEnd type="none" w="med" len="med"/>
-                    </a:lnL>
-                    <a:lnR w="6350" cap="flat" cmpd="sng" algn="ctr">
-                      <a:solidFill>
-                        <a:srgbClr val="000000"/>
-                      </a:solidFill>
-                      <a:prstDash val="dot"/>
-                      <a:round/>
-                      <a:headEnd type="none" w="med" len="med"/>
-                      <a:tailEnd type="none" w="med" len="med"/>
-                    </a:lnR>
-                    <a:lnT w="6350" cap="flat" cmpd="sng" algn="ctr">
-                      <a:solidFill>
-                        <a:srgbClr val="000000"/>
-                      </a:solidFill>
-                      <a:prstDash val="dot"/>
-                      <a:round/>
-                      <a:headEnd type="none" w="med" len="med"/>
-                      <a:tailEnd type="none" w="med" len="med"/>
-                    </a:lnT>
-                    <a:lnB w="6350" cap="flat" cmpd="sng" algn="ctr">
-                      <a:solidFill>
-                        <a:srgbClr val="000000"/>
-                      </a:solidFill>
-                      <a:prstDash val="dot"/>
-                      <a:round/>
-                      <a:headEnd type="none" w="med" len="med"/>
-                      <a:tailEnd type="none" w="med" len="med"/>
-                    </a:lnB>
-                  </a:tcPr>
-                </a:tc>
-              </a:tr>
-              <a:tr h="477053">
-                <a:tc>
-                  <a:txBody>
-                    <a:bodyPr/>
-                    <a:lstStyle/>
-                    <a:p>
-                      <a:pPr algn="l" fontAlgn="b"/>
-                      <a:r>
-                        <a:rPr lang="pt-BR" sz="2800" b="0" i="0" u="none" strike="noStrike">
-                          <a:effectLst/>
-                          <a:latin typeface="Arial"/>
-                        </a:rPr>
-                        <a:t>Elaboração do banco de dados, dos módulos de cadastro</a:t>
-                      </a:r>
-                    </a:p>
-                  </a:txBody>
-                  <a:tcPr marL="9525" marR="9525" marT="9525" marB="0" anchor="b">
-                    <a:lnL w="6350" cap="flat" cmpd="sng" algn="ctr">
-                      <a:solidFill>
-                        <a:srgbClr val="000000"/>
-                      </a:solidFill>
-                      <a:prstDash val="dot"/>
-                      <a:round/>
-                      <a:headEnd type="none" w="med" len="med"/>
-                      <a:tailEnd type="none" w="med" len="med"/>
-                    </a:lnL>
-                    <a:lnR w="6350" cap="flat" cmpd="sng" algn="ctr">
-                      <a:solidFill>
-                        <a:srgbClr val="000000"/>
-                      </a:solidFill>
-                      <a:prstDash val="dot"/>
-                      <a:round/>
-                      <a:headEnd type="none" w="med" len="med"/>
-                      <a:tailEnd type="none" w="med" len="med"/>
-                    </a:lnR>
-                    <a:lnT w="6350" cap="flat" cmpd="sng" algn="ctr">
-                      <a:solidFill>
-                        <a:srgbClr val="000000"/>
-                      </a:solidFill>
-                      <a:prstDash val="dot"/>
-                      <a:round/>
-                      <a:headEnd type="none" w="med" len="med"/>
-                      <a:tailEnd type="none" w="med" len="med"/>
-                    </a:lnT>
-                    <a:lnB w="6350" cap="flat" cmpd="sng" algn="ctr">
-                      <a:solidFill>
-                        <a:srgbClr val="000000"/>
-                      </a:solidFill>
-                      <a:prstDash val="dot"/>
-                      <a:round/>
-                      <a:headEnd type="none" w="med" len="med"/>
-                      <a:tailEnd type="none" w="med" len="med"/>
-                    </a:lnB>
-                  </a:tcPr>
-                </a:tc>
-                <a:tc>
-                  <a:txBody>
-                    <a:bodyPr/>
-                    <a:lstStyle/>
-                    <a:p>
-                      <a:pPr algn="l" fontAlgn="b"/>
-                      <a:r>
-                        <a:rPr lang="pt-BR" sz="2800" b="0" i="0" u="none" strike="noStrike">
-                          <a:effectLst/>
-                          <a:latin typeface="Arial"/>
-                        </a:rPr>
-                        <a:t>banco de dados</a:t>
-                      </a:r>
-                    </a:p>
-                  </a:txBody>
-                  <a:tcPr marL="9525" marR="9525" marT="9525" marB="0" anchor="b">
-                    <a:lnL w="6350" cap="flat" cmpd="sng" algn="ctr">
-                      <a:solidFill>
-                        <a:srgbClr val="000000"/>
-                      </a:solidFill>
-                      <a:prstDash val="dot"/>
-                      <a:round/>
-                      <a:headEnd type="none" w="med" len="med"/>
-                      <a:tailEnd type="none" w="med" len="med"/>
-                    </a:lnL>
-                    <a:lnR w="6350" cap="flat" cmpd="sng" algn="ctr">
-                      <a:solidFill>
-                        <a:srgbClr val="000000"/>
-                      </a:solidFill>
-                      <a:prstDash val="dot"/>
-                      <a:round/>
-                      <a:headEnd type="none" w="med" len="med"/>
-                      <a:tailEnd type="none" w="med" len="med"/>
-                    </a:lnR>
-                    <a:lnT w="6350" cap="flat" cmpd="sng" algn="ctr">
-                      <a:solidFill>
-                        <a:srgbClr val="000000"/>
-                      </a:solidFill>
-                      <a:prstDash val="dot"/>
-                      <a:round/>
-                      <a:headEnd type="none" w="med" len="med"/>
-                      <a:tailEnd type="none" w="med" len="med"/>
-                    </a:lnT>
-                    <a:lnB w="6350" cap="flat" cmpd="sng" algn="ctr">
-                      <a:solidFill>
-                        <a:srgbClr val="000000"/>
-                      </a:solidFill>
-                      <a:prstDash val="dot"/>
-                      <a:round/>
-                      <a:headEnd type="none" w="med" len="med"/>
-                      <a:tailEnd type="none" w="med" len="med"/>
-                    </a:lnB>
-                  </a:tcPr>
-                </a:tc>
-              </a:tr>
-              <a:tr h="477053">
-                <a:tc>
-                  <a:txBody>
-                    <a:bodyPr/>
-                    <a:lstStyle/>
-                    <a:p>
-                      <a:pPr algn="l" fontAlgn="b"/>
-                      <a:endParaRPr lang="pt-BR" sz="2800" b="0" i="0" u="none" strike="noStrike">
-                        <a:effectLst/>
-                        <a:latin typeface="Arial"/>
-                      </a:endParaRPr>
-                    </a:p>
-                  </a:txBody>
-                  <a:tcPr marL="9525" marR="9525" marT="9525" marB="0" anchor="b">
-                    <a:lnL>
-                      <a:noFill/>
-                    </a:lnL>
-                    <a:lnR>
-                      <a:noFill/>
-                    </a:lnR>
-                    <a:lnT w="6350" cap="flat" cmpd="sng" algn="ctr">
-                      <a:solidFill>
-                        <a:srgbClr val="000000"/>
-                      </a:solidFill>
-                      <a:prstDash val="dot"/>
-                      <a:round/>
-                      <a:headEnd type="none" w="med" len="med"/>
-                      <a:tailEnd type="none" w="med" len="med"/>
-                    </a:lnT>
-                    <a:lnB w="6350" cap="flat" cmpd="sng" algn="ctr">
-                      <a:solidFill>
-                        <a:srgbClr val="000000"/>
-                      </a:solidFill>
-                      <a:prstDash val="dot"/>
-                      <a:round/>
-                      <a:headEnd type="none" w="med" len="med"/>
-                      <a:tailEnd type="none" w="med" len="med"/>
-                    </a:lnB>
-                  </a:tcPr>
-                </a:tc>
-                <a:tc>
-                  <a:txBody>
-                    <a:bodyPr/>
-                    <a:lstStyle/>
-                    <a:p>
-                      <a:pPr algn="l" fontAlgn="b"/>
-                      <a:endParaRPr lang="pt-BR" sz="2800" b="0" i="0" u="none" strike="noStrike">
-                        <a:effectLst/>
-                        <a:latin typeface="Arial"/>
-                      </a:endParaRPr>
-                    </a:p>
-                  </a:txBody>
-                  <a:tcPr marL="9525" marR="9525" marT="9525" marB="0" anchor="b">
-                    <a:lnL>
-                      <a:noFill/>
-                    </a:lnL>
-                    <a:lnR>
-                      <a:noFill/>
-                    </a:lnR>
-                    <a:lnT w="6350" cap="flat" cmpd="sng" algn="ctr">
-                      <a:solidFill>
-                        <a:srgbClr val="000000"/>
-                      </a:solidFill>
-                      <a:prstDash val="dot"/>
-                      <a:round/>
-                      <a:headEnd type="none" w="med" len="med"/>
-                      <a:tailEnd type="none" w="med" len="med"/>
-                    </a:lnT>
-                    <a:lnB w="6350" cap="flat" cmpd="sng" algn="ctr">
-                      <a:solidFill>
-                        <a:srgbClr val="000000"/>
-                      </a:solidFill>
-                      <a:prstDash val="dot"/>
-                      <a:round/>
-                      <a:headEnd type="none" w="med" len="med"/>
-                      <a:tailEnd type="none" w="med" len="med"/>
-                    </a:lnB>
-                  </a:tcPr>
-                </a:tc>
-              </a:tr>
-              <a:tr h="477053">
-                <a:tc>
-                  <a:txBody>
-                    <a:bodyPr/>
-                    <a:lstStyle/>
-                    <a:p>
-                      <a:pPr algn="l" fontAlgn="b"/>
-                      <a:r>
-                        <a:rPr lang="pt-BR" sz="2800" b="0" i="0" u="none" strike="noStrike">
-                          <a:effectLst/>
-                          <a:latin typeface="Arial"/>
-                        </a:rPr>
-                        <a:t>5ª semana</a:t>
-                      </a:r>
-                    </a:p>
-                  </a:txBody>
-                  <a:tcPr marL="9525" marR="9525" marT="9525" marB="0" anchor="b">
-                    <a:lnL w="6350" cap="flat" cmpd="sng" algn="ctr">
-                      <a:solidFill>
-                        <a:srgbClr val="000000"/>
-                      </a:solidFill>
-                      <a:prstDash val="dot"/>
-                      <a:round/>
-                      <a:headEnd type="none" w="med" len="med"/>
-                      <a:tailEnd type="none" w="med" len="med"/>
-                    </a:lnL>
-                    <a:lnR w="6350" cap="flat" cmpd="sng" algn="ctr">
-                      <a:solidFill>
-                        <a:srgbClr val="000000"/>
-                      </a:solidFill>
-                      <a:prstDash val="dot"/>
-                      <a:round/>
-                      <a:headEnd type="none" w="med" len="med"/>
-                      <a:tailEnd type="none" w="med" len="med"/>
-                    </a:lnR>
-                    <a:lnT w="6350" cap="flat" cmpd="sng" algn="ctr">
-                      <a:solidFill>
-                        <a:srgbClr val="000000"/>
-                      </a:solidFill>
-                      <a:prstDash val="dot"/>
-                      <a:round/>
-                      <a:headEnd type="none" w="med" len="med"/>
-                      <a:tailEnd type="none" w="med" len="med"/>
-                    </a:lnT>
-                    <a:lnB w="6350" cap="flat" cmpd="sng" algn="ctr">
-                      <a:solidFill>
-                        <a:srgbClr val="000000"/>
-                      </a:solidFill>
-                      <a:prstDash val="dot"/>
-                      <a:round/>
-                      <a:headEnd type="none" w="med" len="med"/>
-                      <a:tailEnd type="none" w="med" len="med"/>
-                    </a:lnB>
-                  </a:tcPr>
-                </a:tc>
-                <a:tc>
-                  <a:txBody>
-                    <a:bodyPr/>
-                    <a:lstStyle/>
-                    <a:p>
-                      <a:pPr algn="l" fontAlgn="b"/>
-                      <a:r>
-                        <a:rPr lang="pt-BR" sz="2800" b="0" i="0" u="none" strike="noStrike">
-                          <a:effectLst/>
-                          <a:latin typeface="Arial"/>
-                        </a:rPr>
-                        <a:t>Gerou</a:t>
-                      </a:r>
-                    </a:p>
-                  </a:txBody>
-                  <a:tcPr marL="9525" marR="9525" marT="9525" marB="0" anchor="b">
-                    <a:lnL w="6350" cap="flat" cmpd="sng" algn="ctr">
-                      <a:solidFill>
-                        <a:srgbClr val="000000"/>
-                      </a:solidFill>
-                      <a:prstDash val="dot"/>
-                      <a:round/>
-                      <a:headEnd type="none" w="med" len="med"/>
-                      <a:tailEnd type="none" w="med" len="med"/>
-                    </a:lnL>
-                    <a:lnR w="6350" cap="flat" cmpd="sng" algn="ctr">
-                      <a:solidFill>
-                        <a:srgbClr val="000000"/>
-                      </a:solidFill>
-                      <a:prstDash val="dot"/>
-                      <a:round/>
-                      <a:headEnd type="none" w="med" len="med"/>
-                      <a:tailEnd type="none" w="med" len="med"/>
-                    </a:lnR>
-                    <a:lnT w="6350" cap="flat" cmpd="sng" algn="ctr">
-                      <a:solidFill>
-                        <a:srgbClr val="000000"/>
-                      </a:solidFill>
-                      <a:prstDash val="dot"/>
-                      <a:round/>
-                      <a:headEnd type="none" w="med" len="med"/>
-                      <a:tailEnd type="none" w="med" len="med"/>
-                    </a:lnT>
-                    <a:lnB w="6350" cap="flat" cmpd="sng" algn="ctr">
-                      <a:solidFill>
-                        <a:srgbClr val="000000"/>
-                      </a:solidFill>
-                      <a:prstDash val="dot"/>
-                      <a:round/>
-                      <a:headEnd type="none" w="med" len="med"/>
-                      <a:tailEnd type="none" w="med" len="med"/>
-                    </a:lnB>
-                  </a:tcPr>
-                </a:tc>
-              </a:tr>
-              <a:tr h="477053">
-                <a:tc>
-                  <a:txBody>
-                    <a:bodyPr/>
-                    <a:lstStyle/>
-                    <a:p>
-                      <a:pPr algn="l" fontAlgn="b"/>
-                      <a:r>
-                        <a:rPr lang="pt-BR" sz="2800" b="0" i="0" u="none" strike="noStrike">
-                          <a:effectLst/>
-                          <a:latin typeface="Arial"/>
-                        </a:rPr>
-                        <a:t>Elaboração da interface gráfica e testes.</a:t>
-                      </a:r>
-                    </a:p>
-                  </a:txBody>
-                  <a:tcPr marL="9525" marR="9525" marT="9525" marB="0" anchor="b">
-                    <a:lnL w="6350" cap="flat" cmpd="sng" algn="ctr">
-                      <a:solidFill>
-                        <a:srgbClr val="000000"/>
-                      </a:solidFill>
-                      <a:prstDash val="dot"/>
-                      <a:round/>
-                      <a:headEnd type="none" w="med" len="med"/>
-                      <a:tailEnd type="none" w="med" len="med"/>
-                    </a:lnL>
-                    <a:lnR w="6350" cap="flat" cmpd="sng" algn="ctr">
-                      <a:solidFill>
-                        <a:srgbClr val="000000"/>
-                      </a:solidFill>
-                      <a:prstDash val="dot"/>
-                      <a:round/>
-                      <a:headEnd type="none" w="med" len="med"/>
-                      <a:tailEnd type="none" w="med" len="med"/>
-                    </a:lnR>
-                    <a:lnT w="6350" cap="flat" cmpd="sng" algn="ctr">
-                      <a:solidFill>
-                        <a:srgbClr val="000000"/>
-                      </a:solidFill>
-                      <a:prstDash val="dot"/>
-                      <a:round/>
-                      <a:headEnd type="none" w="med" len="med"/>
-                      <a:tailEnd type="none" w="med" len="med"/>
-                    </a:lnT>
-                    <a:lnB w="6350" cap="flat" cmpd="sng" algn="ctr">
-                      <a:solidFill>
-                        <a:srgbClr val="000000"/>
-                      </a:solidFill>
-                      <a:prstDash val="dot"/>
-                      <a:round/>
-                      <a:headEnd type="none" w="med" len="med"/>
-                      <a:tailEnd type="none" w="med" len="med"/>
-                    </a:lnB>
-                  </a:tcPr>
-                </a:tc>
-                <a:tc>
-                  <a:txBody>
-                    <a:bodyPr/>
-                    <a:lstStyle/>
-                    <a:p>
-                      <a:pPr algn="l" fontAlgn="b"/>
-                      <a:r>
-                        <a:rPr lang="pt-BR" sz="2800" b="0" i="0" u="none" strike="noStrike">
-                          <a:effectLst/>
-                          <a:latin typeface="Arial"/>
-                        </a:rPr>
-                        <a:t>Interface</a:t>
-                      </a:r>
-                    </a:p>
-                  </a:txBody>
-                  <a:tcPr marL="9525" marR="9525" marT="9525" marB="0" anchor="b">
-                    <a:lnL w="6350" cap="flat" cmpd="sng" algn="ctr">
-                      <a:solidFill>
-                        <a:srgbClr val="000000"/>
-                      </a:solidFill>
-                      <a:prstDash val="dot"/>
-                      <a:round/>
-                      <a:headEnd type="none" w="med" len="med"/>
-                      <a:tailEnd type="none" w="med" len="med"/>
-                    </a:lnL>
-                    <a:lnR w="6350" cap="flat" cmpd="sng" algn="ctr">
-                      <a:solidFill>
-                        <a:srgbClr val="000000"/>
-                      </a:solidFill>
-                      <a:prstDash val="dot"/>
-                      <a:round/>
-                      <a:headEnd type="none" w="med" len="med"/>
-                      <a:tailEnd type="none" w="med" len="med"/>
-                    </a:lnR>
-                    <a:lnT w="6350" cap="flat" cmpd="sng" algn="ctr">
-                      <a:solidFill>
-                        <a:srgbClr val="000000"/>
-                      </a:solidFill>
-                      <a:prstDash val="dot"/>
-                      <a:round/>
-                      <a:headEnd type="none" w="med" len="med"/>
-                      <a:tailEnd type="none" w="med" len="med"/>
-                    </a:lnT>
-                    <a:lnB w="6350" cap="flat" cmpd="sng" algn="ctr">
-                      <a:solidFill>
-                        <a:srgbClr val="000000"/>
-                      </a:solidFill>
-                      <a:prstDash val="dot"/>
-                      <a:round/>
-                      <a:headEnd type="none" w="med" len="med"/>
-                      <a:tailEnd type="none" w="med" len="med"/>
-                    </a:lnB>
-                  </a:tcPr>
-                </a:tc>
-              </a:tr>
-              <a:tr h="477053">
-                <a:tc>
-                  <a:txBody>
-                    <a:bodyPr/>
-                    <a:lstStyle/>
-                    <a:p>
-                      <a:pPr algn="l" fontAlgn="b"/>
-                      <a:endParaRPr lang="pt-BR" sz="2800" b="0" i="0" u="none" strike="noStrike">
-                        <a:effectLst/>
-                        <a:latin typeface="Arial"/>
-                      </a:endParaRPr>
-                    </a:p>
-                  </a:txBody>
-                  <a:tcPr marL="9525" marR="9525" marT="9525" marB="0" anchor="b">
-                    <a:lnL>
-                      <a:noFill/>
-                    </a:lnL>
-                    <a:lnR>
-                      <a:noFill/>
-                    </a:lnR>
-                    <a:lnT w="6350" cap="flat" cmpd="sng" algn="ctr">
-                      <a:solidFill>
-                        <a:srgbClr val="000000"/>
-                      </a:solidFill>
-                      <a:prstDash val="dot"/>
-                      <a:round/>
-                      <a:headEnd type="none" w="med" len="med"/>
-                      <a:tailEnd type="none" w="med" len="med"/>
-                    </a:lnT>
-                    <a:lnB w="6350" cap="flat" cmpd="sng" algn="ctr">
-                      <a:solidFill>
-                        <a:srgbClr val="000000"/>
-                      </a:solidFill>
-                      <a:prstDash val="dot"/>
-                      <a:round/>
-                      <a:headEnd type="none" w="med" len="med"/>
-                      <a:tailEnd type="none" w="med" len="med"/>
-                    </a:lnB>
-                  </a:tcPr>
-                </a:tc>
-                <a:tc>
-                  <a:txBody>
-                    <a:bodyPr/>
-                    <a:lstStyle/>
-                    <a:p>
-                      <a:pPr algn="l" fontAlgn="b"/>
-                      <a:endParaRPr lang="pt-BR" sz="2800" b="0" i="0" u="none" strike="noStrike">
-                        <a:effectLst/>
-                        <a:latin typeface="Arial"/>
-                      </a:endParaRPr>
-                    </a:p>
-                  </a:txBody>
-                  <a:tcPr marL="9525" marR="9525" marT="9525" marB="0" anchor="b">
-                    <a:lnL>
-                      <a:noFill/>
-                    </a:lnL>
-                    <a:lnR>
-                      <a:noFill/>
-                    </a:lnR>
-                    <a:lnT w="6350" cap="flat" cmpd="sng" algn="ctr">
-                      <a:solidFill>
-                        <a:srgbClr val="000000"/>
-                      </a:solidFill>
-                      <a:prstDash val="dot"/>
-                      <a:round/>
-                      <a:headEnd type="none" w="med" len="med"/>
-                      <a:tailEnd type="none" w="med" len="med"/>
-                    </a:lnT>
-                    <a:lnB w="6350" cap="flat" cmpd="sng" algn="ctr">
-                      <a:solidFill>
-                        <a:srgbClr val="000000"/>
-                      </a:solidFill>
-                      <a:prstDash val="dot"/>
-                      <a:round/>
-                      <a:headEnd type="none" w="med" len="med"/>
-                      <a:tailEnd type="none" w="med" len="med"/>
-                    </a:lnB>
-                  </a:tcPr>
-                </a:tc>
-              </a:tr>
-              <a:tr h="477053">
-                <a:tc>
-                  <a:txBody>
-                    <a:bodyPr/>
-                    <a:lstStyle/>
-                    <a:p>
-                      <a:pPr algn="l" fontAlgn="b"/>
-                      <a:r>
-                        <a:rPr lang="pt-BR" sz="2800" b="0" i="0" u="none" strike="noStrike">
-                          <a:effectLst/>
-                          <a:latin typeface="Arial"/>
-                        </a:rPr>
-                        <a:t>6ª Semana</a:t>
-                      </a:r>
-                    </a:p>
-                  </a:txBody>
-                  <a:tcPr marL="9525" marR="9525" marT="9525" marB="0" anchor="b">
-                    <a:lnL w="6350" cap="flat" cmpd="sng" algn="ctr">
-                      <a:solidFill>
-                        <a:srgbClr val="000000"/>
-                      </a:solidFill>
-                      <a:prstDash val="dot"/>
-                      <a:round/>
-                      <a:headEnd type="none" w="med" len="med"/>
-                      <a:tailEnd type="none" w="med" len="med"/>
-                    </a:lnL>
-                    <a:lnR w="6350" cap="flat" cmpd="sng" algn="ctr">
-                      <a:solidFill>
-                        <a:srgbClr val="000000"/>
-                      </a:solidFill>
-                      <a:prstDash val="dot"/>
-                      <a:round/>
-                      <a:headEnd type="none" w="med" len="med"/>
-                      <a:tailEnd type="none" w="med" len="med"/>
-                    </a:lnR>
-                    <a:lnT w="6350" cap="flat" cmpd="sng" algn="ctr">
-                      <a:solidFill>
-                        <a:srgbClr val="000000"/>
-                      </a:solidFill>
-                      <a:prstDash val="dot"/>
-                      <a:round/>
-                      <a:headEnd type="none" w="med" len="med"/>
-                      <a:tailEnd type="none" w="med" len="med"/>
-                    </a:lnT>
-                    <a:lnB w="6350" cap="flat" cmpd="sng" algn="ctr">
-                      <a:solidFill>
-                        <a:srgbClr val="000000"/>
-                      </a:solidFill>
-                      <a:prstDash val="dot"/>
-                      <a:round/>
-                      <a:headEnd type="none" w="med" len="med"/>
-                      <a:tailEnd type="none" w="med" len="med"/>
-                    </a:lnB>
-                  </a:tcPr>
-                </a:tc>
-                <a:tc>
-                  <a:txBody>
-                    <a:bodyPr/>
-                    <a:lstStyle/>
-                    <a:p>
-                      <a:pPr algn="l" fontAlgn="b"/>
-                      <a:r>
-                        <a:rPr lang="pt-BR" sz="2800" b="0" i="0" u="none" strike="noStrike">
-                          <a:effectLst/>
-                          <a:latin typeface="Arial"/>
-                        </a:rPr>
-                        <a:t>Gerou</a:t>
-                      </a:r>
-                    </a:p>
-                  </a:txBody>
-                  <a:tcPr marL="9525" marR="9525" marT="9525" marB="0" anchor="b">
-                    <a:lnL w="6350" cap="flat" cmpd="sng" algn="ctr">
-                      <a:solidFill>
-                        <a:srgbClr val="000000"/>
-                      </a:solidFill>
-                      <a:prstDash val="dot"/>
-                      <a:round/>
-                      <a:headEnd type="none" w="med" len="med"/>
-                      <a:tailEnd type="none" w="med" len="med"/>
-                    </a:lnL>
-                    <a:lnR w="6350" cap="flat" cmpd="sng" algn="ctr">
-                      <a:solidFill>
-                        <a:srgbClr val="000000"/>
-                      </a:solidFill>
-                      <a:prstDash val="dot"/>
-                      <a:round/>
-                      <a:headEnd type="none" w="med" len="med"/>
-                      <a:tailEnd type="none" w="med" len="med"/>
-                    </a:lnR>
-                    <a:lnT w="6350" cap="flat" cmpd="sng" algn="ctr">
-                      <a:solidFill>
-                        <a:srgbClr val="000000"/>
-                      </a:solidFill>
-                      <a:prstDash val="dot"/>
-                      <a:round/>
-                      <a:headEnd type="none" w="med" len="med"/>
-                      <a:tailEnd type="none" w="med" len="med"/>
-                    </a:lnT>
-                    <a:lnB w="6350" cap="flat" cmpd="sng" algn="ctr">
-                      <a:solidFill>
-                        <a:srgbClr val="000000"/>
-                      </a:solidFill>
-                      <a:prstDash val="dot"/>
-                      <a:round/>
-                      <a:headEnd type="none" w="med" len="med"/>
-                      <a:tailEnd type="none" w="med" len="med"/>
-                    </a:lnB>
-                  </a:tcPr>
-                </a:tc>
-              </a:tr>
-              <a:tr h="477053">
-                <a:tc>
-                  <a:txBody>
-                    <a:bodyPr/>
-                    <a:lstStyle/>
-                    <a:p>
-                      <a:pPr algn="l" fontAlgn="b"/>
-                      <a:r>
-                        <a:rPr lang="pt-BR" sz="2800" b="0" i="0" u="none" strike="noStrike">
-                          <a:effectLst/>
-                          <a:latin typeface="Arial"/>
-                        </a:rPr>
-                        <a:t>Manutenção corretiva e testes finais</a:t>
-                      </a:r>
-                    </a:p>
-                  </a:txBody>
-                  <a:tcPr marL="9525" marR="9525" marT="9525" marB="0" anchor="b">
-                    <a:lnL w="6350" cap="flat" cmpd="sng" algn="ctr">
-                      <a:solidFill>
-                        <a:srgbClr val="000000"/>
-                      </a:solidFill>
-                      <a:prstDash val="dot"/>
-                      <a:round/>
-                      <a:headEnd type="none" w="med" len="med"/>
-                      <a:tailEnd type="none" w="med" len="med"/>
-                    </a:lnL>
-                    <a:lnR w="6350" cap="flat" cmpd="sng" algn="ctr">
-                      <a:solidFill>
-                        <a:srgbClr val="000000"/>
-                      </a:solidFill>
-                      <a:prstDash val="dot"/>
-                      <a:round/>
-                      <a:headEnd type="none" w="med" len="med"/>
-                      <a:tailEnd type="none" w="med" len="med"/>
-                    </a:lnR>
-                    <a:lnT w="6350" cap="flat" cmpd="sng" algn="ctr">
-                      <a:solidFill>
-                        <a:srgbClr val="000000"/>
-                      </a:solidFill>
-                      <a:prstDash val="dot"/>
-                      <a:round/>
-                      <a:headEnd type="none" w="med" len="med"/>
-                      <a:tailEnd type="none" w="med" len="med"/>
-                    </a:lnT>
-                    <a:lnB w="6350" cap="flat" cmpd="sng" algn="ctr">
-                      <a:solidFill>
-                        <a:srgbClr val="000000"/>
-                      </a:solidFill>
-                      <a:prstDash val="dot"/>
-                      <a:round/>
-                      <a:headEnd type="none" w="med" len="med"/>
-                      <a:tailEnd type="none" w="med" len="med"/>
-                    </a:lnB>
-                  </a:tcPr>
-                </a:tc>
-                <a:tc>
-                  <a:txBody>
-                    <a:bodyPr/>
-                    <a:lstStyle/>
-                    <a:p>
-                      <a:pPr algn="l" fontAlgn="b"/>
-                      <a:r>
-                        <a:rPr lang="pt-BR" sz="2800" b="0" i="0" u="none" strike="noStrike" dirty="0">
-                          <a:effectLst/>
-                          <a:latin typeface="Arial"/>
-                        </a:rPr>
-                        <a:t>Programa Final</a:t>
-                      </a:r>
-                    </a:p>
-                  </a:txBody>
-                  <a:tcPr marL="9525" marR="9525" marT="9525" marB="0" anchor="b">
-                    <a:lnL w="6350" cap="flat" cmpd="sng" algn="ctr">
-                      <a:solidFill>
-                        <a:srgbClr val="000000"/>
-                      </a:solidFill>
-                      <a:prstDash val="dot"/>
-                      <a:round/>
-                      <a:headEnd type="none" w="med" len="med"/>
-                      <a:tailEnd type="none" w="med" len="med"/>
-                    </a:lnL>
-                    <a:lnR w="6350" cap="flat" cmpd="sng" algn="ctr">
-                      <a:solidFill>
-                        <a:srgbClr val="000000"/>
-                      </a:solidFill>
-                      <a:prstDash val="dot"/>
-                      <a:round/>
-                      <a:headEnd type="none" w="med" len="med"/>
-                      <a:tailEnd type="none" w="med" len="med"/>
-                    </a:lnR>
-                    <a:lnT w="6350" cap="flat" cmpd="sng" algn="ctr">
-                      <a:solidFill>
-                        <a:srgbClr val="000000"/>
-                      </a:solidFill>
-                      <a:prstDash val="dot"/>
-                      <a:round/>
-                      <a:headEnd type="none" w="med" len="med"/>
-                      <a:tailEnd type="none" w="med" len="med"/>
-                    </a:lnT>
-                    <a:lnB w="6350" cap="flat" cmpd="sng" algn="ctr">
-                      <a:solidFill>
-                        <a:srgbClr val="000000"/>
-                      </a:solidFill>
-                      <a:prstDash val="dot"/>
-                      <a:round/>
-                      <a:headEnd type="none" w="med" len="med"/>
-                      <a:tailEnd type="none" w="med" len="med"/>
-                    </a:lnB>
-                  </a:tcPr>
-                </a:tc>
-              </a:tr>
-            </a:tbl>
-          </a:graphicData>
-        </a:graphic>
-      </p:graphicFrame>
-    </p:spTree>
-    <p:extLst>
-      <p:ext uri="{BB962C8B-B14F-4D97-AF65-F5344CB8AC3E}">
-        <p14:creationId xmlns:p14="http://schemas.microsoft.com/office/powerpoint/2010/main" xmlns="" val="2646964981"/>
+        <p14:creationId xmlns="" xmlns:p14="http://schemas.microsoft.com/office/powerpoint/2010/main" val="2518254064"/>
       </p:ext>
     </p:extLst>
   </p:cSld>
@@ -8211,137 +7634,850 @@
           <a:chExt cx="0" cy="0"/>
         </a:xfrm>
       </p:grpSpPr>
-      <p:sp>
-        <p:nvSpPr>
-          <p:cNvPr id="2" name="TextBox 1"/>
-          <p:cNvSpPr txBox="1"/>
-          <p:nvPr/>
-        </p:nvSpPr>
-        <p:spPr>
-          <a:xfrm>
-            <a:off x="2627784" y="2060848"/>
-            <a:ext cx="3639138" cy="1015663"/>
-          </a:xfrm>
-          <a:prstGeom prst="rect">
-            <a:avLst/>
-          </a:prstGeom>
-          <a:noFill/>
-        </p:spPr>
-        <p:txBody>
-          <a:bodyPr wrap="none" rtlCol="0">
-            <a:spAutoFit/>
-          </a:bodyPr>
-          <a:lstStyle/>
-          <a:p>
-            <a:r>
-              <a:rPr lang="pt-BR" sz="6000" dirty="0" smtClean="0"/>
-              <a:t>OBRIGADO</a:t>
-            </a:r>
-            <a:endParaRPr lang="pt-BR" sz="6000" dirty="0"/>
-          </a:p>
-        </p:txBody>
-      </p:sp>
+      <p:graphicFrame>
+        <p:nvGraphicFramePr>
+          <p:cNvPr id="2" name="Tabela 1"/>
+          <p:cNvGraphicFramePr>
+            <a:graphicFrameLocks noGrp="1"/>
+          </p:cNvGraphicFramePr>
+          <p:nvPr>
+            <p:extLst>
+              <p:ext uri="{D42A27DB-BD31-4B8C-83A1-F6EECF244321}">
+                <p14:modId xmlns="" xmlns:p14="http://schemas.microsoft.com/office/powerpoint/2010/main" val="2730804079"/>
+              </p:ext>
+            </p:extLst>
+          </p:nvPr>
+        </p:nvGraphicFramePr>
+        <p:xfrm>
+          <a:off x="107504" y="1268760"/>
+          <a:ext cx="8848774" cy="4289280"/>
+        </p:xfrm>
+        <a:graphic>
+          <a:graphicData uri="http://schemas.openxmlformats.org/drawingml/2006/table">
+            <a:tbl>
+              <a:tblPr/>
+              <a:tblGrid>
+                <a:gridCol w="5976664"/>
+                <a:gridCol w="2872110"/>
+              </a:tblGrid>
+              <a:tr h="604260">
+                <a:tc>
+                  <a:txBody>
+                    <a:bodyPr/>
+                    <a:lstStyle/>
+                    <a:p>
+                      <a:pPr algn="l" fontAlgn="b"/>
+                      <a:r>
+                        <a:rPr lang="pt-BR" sz="2000" b="0" i="0" u="none" strike="noStrike" dirty="0">
+                          <a:effectLst/>
+                          <a:latin typeface="Arial"/>
+                        </a:rPr>
+                        <a:t>3ª semana</a:t>
+                      </a:r>
+                    </a:p>
+                  </a:txBody>
+                  <a:tcPr marL="9525" marR="9525" marT="9525" marB="0" anchor="b">
+                    <a:lnL w="6350" cap="flat" cmpd="sng" algn="ctr">
+                      <a:solidFill>
+                        <a:srgbClr val="000000"/>
+                      </a:solidFill>
+                      <a:prstDash val="dot"/>
+                      <a:round/>
+                      <a:headEnd type="none" w="med" len="med"/>
+                      <a:tailEnd type="none" w="med" len="med"/>
+                    </a:lnL>
+                    <a:lnR w="6350" cap="flat" cmpd="sng" algn="ctr">
+                      <a:solidFill>
+                        <a:srgbClr val="000000"/>
+                      </a:solidFill>
+                      <a:prstDash val="dot"/>
+                      <a:round/>
+                      <a:headEnd type="none" w="med" len="med"/>
+                      <a:tailEnd type="none" w="med" len="med"/>
+                    </a:lnR>
+                    <a:lnT w="6350" cap="flat" cmpd="sng" algn="ctr">
+                      <a:solidFill>
+                        <a:srgbClr val="000000"/>
+                      </a:solidFill>
+                      <a:prstDash val="dot"/>
+                      <a:round/>
+                      <a:headEnd type="none" w="med" len="med"/>
+                      <a:tailEnd type="none" w="med" len="med"/>
+                    </a:lnT>
+                    <a:lnB w="6350" cap="flat" cmpd="sng" algn="ctr">
+                      <a:solidFill>
+                        <a:srgbClr val="000000"/>
+                      </a:solidFill>
+                      <a:prstDash val="dot"/>
+                      <a:round/>
+                      <a:headEnd type="none" w="med" len="med"/>
+                      <a:tailEnd type="none" w="med" len="med"/>
+                    </a:lnB>
+                  </a:tcPr>
+                </a:tc>
+                <a:tc>
+                  <a:txBody>
+                    <a:bodyPr/>
+                    <a:lstStyle/>
+                    <a:p>
+                      <a:pPr algn="l" fontAlgn="b"/>
+                      <a:r>
+                        <a:rPr lang="pt-BR" sz="2000" b="0" i="0" u="none" strike="noStrike">
+                          <a:effectLst/>
+                          <a:latin typeface="Arial"/>
+                        </a:rPr>
+                        <a:t>Gerou</a:t>
+                      </a:r>
+                    </a:p>
+                  </a:txBody>
+                  <a:tcPr marL="9525" marR="9525" marT="9525" marB="0" anchor="b">
+                    <a:lnL w="6350" cap="flat" cmpd="sng" algn="ctr">
+                      <a:solidFill>
+                        <a:srgbClr val="000000"/>
+                      </a:solidFill>
+                      <a:prstDash val="dot"/>
+                      <a:round/>
+                      <a:headEnd type="none" w="med" len="med"/>
+                      <a:tailEnd type="none" w="med" len="med"/>
+                    </a:lnL>
+                    <a:lnR w="6350" cap="flat" cmpd="sng" algn="ctr">
+                      <a:solidFill>
+                        <a:srgbClr val="000000"/>
+                      </a:solidFill>
+                      <a:prstDash val="dot"/>
+                      <a:round/>
+                      <a:headEnd type="none" w="med" len="med"/>
+                      <a:tailEnd type="none" w="med" len="med"/>
+                    </a:lnR>
+                    <a:lnT w="6350" cap="flat" cmpd="sng" algn="ctr">
+                      <a:solidFill>
+                        <a:srgbClr val="000000"/>
+                      </a:solidFill>
+                      <a:prstDash val="dot"/>
+                      <a:round/>
+                      <a:headEnd type="none" w="med" len="med"/>
+                      <a:tailEnd type="none" w="med" len="med"/>
+                    </a:lnT>
+                    <a:lnB w="6350" cap="flat" cmpd="sng" algn="ctr">
+                      <a:solidFill>
+                        <a:srgbClr val="000000"/>
+                      </a:solidFill>
+                      <a:prstDash val="dot"/>
+                      <a:round/>
+                      <a:headEnd type="none" w="med" len="med"/>
+                      <a:tailEnd type="none" w="med" len="med"/>
+                    </a:lnB>
+                  </a:tcPr>
+                </a:tc>
+              </a:tr>
+              <a:tr h="604260">
+                <a:tc>
+                  <a:txBody>
+                    <a:bodyPr/>
+                    <a:lstStyle/>
+                    <a:p>
+                      <a:pPr algn="l" fontAlgn="b"/>
+                      <a:r>
+                        <a:rPr lang="pt-BR" sz="2000" b="0" i="0" u="none" strike="noStrike" dirty="0">
+                          <a:effectLst/>
+                          <a:latin typeface="Arial"/>
+                        </a:rPr>
+                        <a:t>Escolha do paradigma de desenvolvimento a ser </a:t>
+                      </a:r>
+                      <a:r>
+                        <a:rPr lang="pt-BR" sz="2000" b="0" i="0" u="none" strike="noStrike" dirty="0" smtClean="0">
+                          <a:effectLst/>
+                          <a:latin typeface="Arial"/>
+                        </a:rPr>
+                        <a:t>utilizado</a:t>
+                      </a:r>
+                      <a:endParaRPr lang="pt-BR" sz="2000" b="0" i="0" u="none" strike="noStrike" dirty="0">
+                        <a:effectLst/>
+                        <a:latin typeface="Arial"/>
+                      </a:endParaRPr>
+                    </a:p>
+                  </a:txBody>
+                  <a:tcPr marL="9525" marR="9525" marT="9525" marB="0" anchor="b">
+                    <a:lnL w="6350" cap="flat" cmpd="sng" algn="ctr">
+                      <a:solidFill>
+                        <a:srgbClr val="000000"/>
+                      </a:solidFill>
+                      <a:prstDash val="dot"/>
+                      <a:round/>
+                      <a:headEnd type="none" w="med" len="med"/>
+                      <a:tailEnd type="none" w="med" len="med"/>
+                    </a:lnL>
+                    <a:lnR w="6350" cap="flat" cmpd="sng" algn="ctr">
+                      <a:solidFill>
+                        <a:srgbClr val="000000"/>
+                      </a:solidFill>
+                      <a:prstDash val="dot"/>
+                      <a:round/>
+                      <a:headEnd type="none" w="med" len="med"/>
+                      <a:tailEnd type="none" w="med" len="med"/>
+                    </a:lnR>
+                    <a:lnT w="6350" cap="flat" cmpd="sng" algn="ctr">
+                      <a:solidFill>
+                        <a:srgbClr val="000000"/>
+                      </a:solidFill>
+                      <a:prstDash val="dot"/>
+                      <a:round/>
+                      <a:headEnd type="none" w="med" len="med"/>
+                      <a:tailEnd type="none" w="med" len="med"/>
+                    </a:lnT>
+                    <a:lnB w="6350" cap="flat" cmpd="sng" algn="ctr">
+                      <a:solidFill>
+                        <a:srgbClr val="000000"/>
+                      </a:solidFill>
+                      <a:prstDash val="dot"/>
+                      <a:round/>
+                      <a:headEnd type="none" w="med" len="med"/>
+                      <a:tailEnd type="none" w="med" len="med"/>
+                    </a:lnB>
+                  </a:tcPr>
+                </a:tc>
+                <a:tc>
+                  <a:txBody>
+                    <a:bodyPr/>
+                    <a:lstStyle/>
+                    <a:p>
+                      <a:pPr algn="l" fontAlgn="b"/>
+                      <a:r>
+                        <a:rPr lang="pt-BR" sz="2000" b="0" i="0" u="none" strike="noStrike" dirty="0" smtClean="0">
+                          <a:effectLst/>
+                          <a:latin typeface="Arial"/>
+                        </a:rPr>
+                        <a:t>Modelo </a:t>
+                      </a:r>
+                      <a:r>
+                        <a:rPr lang="pt-BR" sz="2000" b="0" i="0" u="none" strike="noStrike" dirty="0" err="1">
+                          <a:effectLst/>
+                          <a:latin typeface="Arial"/>
+                        </a:rPr>
+                        <a:t>logico</a:t>
+                      </a:r>
+                      <a:r>
+                        <a:rPr lang="pt-BR" sz="2000" b="0" i="0" u="none" strike="noStrike" dirty="0">
+                          <a:effectLst/>
+                          <a:latin typeface="Arial"/>
+                        </a:rPr>
+                        <a:t> do BD</a:t>
+                      </a:r>
+                    </a:p>
+                  </a:txBody>
+                  <a:tcPr marL="9525" marR="9525" marT="9525" marB="0" anchor="b">
+                    <a:lnL w="6350" cap="flat" cmpd="sng" algn="ctr">
+                      <a:solidFill>
+                        <a:srgbClr val="000000"/>
+                      </a:solidFill>
+                      <a:prstDash val="dot"/>
+                      <a:round/>
+                      <a:headEnd type="none" w="med" len="med"/>
+                      <a:tailEnd type="none" w="med" len="med"/>
+                    </a:lnL>
+                    <a:lnR w="6350" cap="flat" cmpd="sng" algn="ctr">
+                      <a:solidFill>
+                        <a:srgbClr val="000000"/>
+                      </a:solidFill>
+                      <a:prstDash val="dot"/>
+                      <a:round/>
+                      <a:headEnd type="none" w="med" len="med"/>
+                      <a:tailEnd type="none" w="med" len="med"/>
+                    </a:lnR>
+                    <a:lnT w="6350" cap="flat" cmpd="sng" algn="ctr">
+                      <a:solidFill>
+                        <a:srgbClr val="000000"/>
+                      </a:solidFill>
+                      <a:prstDash val="dot"/>
+                      <a:round/>
+                      <a:headEnd type="none" w="med" len="med"/>
+                      <a:tailEnd type="none" w="med" len="med"/>
+                    </a:lnT>
+                    <a:lnB w="6350" cap="flat" cmpd="sng" algn="ctr">
+                      <a:solidFill>
+                        <a:srgbClr val="000000"/>
+                      </a:solidFill>
+                      <a:prstDash val="dot"/>
+                      <a:round/>
+                      <a:headEnd type="none" w="med" len="med"/>
+                      <a:tailEnd type="none" w="med" len="med"/>
+                    </a:lnB>
+                  </a:tcPr>
+                </a:tc>
+              </a:tr>
+              <a:tr h="604260">
+                <a:tc>
+                  <a:txBody>
+                    <a:bodyPr/>
+                    <a:lstStyle/>
+                    <a:p>
+                      <a:pPr algn="l" fontAlgn="b"/>
+                      <a:r>
+                        <a:rPr lang="pt-BR" sz="2000" b="0" i="0" u="none" strike="noStrike">
+                          <a:effectLst/>
+                          <a:latin typeface="Arial"/>
+                        </a:rPr>
+                        <a:t>Escolha da linguagem utilizada</a:t>
+                      </a:r>
+                    </a:p>
+                  </a:txBody>
+                  <a:tcPr marL="9525" marR="9525" marT="9525" marB="0" anchor="b">
+                    <a:lnL w="6350" cap="flat" cmpd="sng" algn="ctr">
+                      <a:solidFill>
+                        <a:srgbClr val="000000"/>
+                      </a:solidFill>
+                      <a:prstDash val="dot"/>
+                      <a:round/>
+                      <a:headEnd type="none" w="med" len="med"/>
+                      <a:tailEnd type="none" w="med" len="med"/>
+                    </a:lnL>
+                    <a:lnR w="6350" cap="flat" cmpd="sng" algn="ctr">
+                      <a:solidFill>
+                        <a:srgbClr val="000000"/>
+                      </a:solidFill>
+                      <a:prstDash val="dot"/>
+                      <a:round/>
+                      <a:headEnd type="none" w="med" len="med"/>
+                      <a:tailEnd type="none" w="med" len="med"/>
+                    </a:lnR>
+                    <a:lnT w="6350" cap="flat" cmpd="sng" algn="ctr">
+                      <a:solidFill>
+                        <a:srgbClr val="000000"/>
+                      </a:solidFill>
+                      <a:prstDash val="dot"/>
+                      <a:round/>
+                      <a:headEnd type="none" w="med" len="med"/>
+                      <a:tailEnd type="none" w="med" len="med"/>
+                    </a:lnT>
+                    <a:lnB w="6350" cap="flat" cmpd="sng" algn="ctr">
+                      <a:solidFill>
+                        <a:srgbClr val="000000"/>
+                      </a:solidFill>
+                      <a:prstDash val="dot"/>
+                      <a:round/>
+                      <a:headEnd type="none" w="med" len="med"/>
+                      <a:tailEnd type="none" w="med" len="med"/>
+                    </a:lnB>
+                  </a:tcPr>
+                </a:tc>
+                <a:tc>
+                  <a:txBody>
+                    <a:bodyPr/>
+                    <a:lstStyle/>
+                    <a:p>
+                      <a:pPr algn="l" fontAlgn="b"/>
+                      <a:r>
+                        <a:rPr lang="pt-BR" sz="2000" b="0" i="0" u="none" strike="noStrike">
+                          <a:effectLst/>
+                          <a:latin typeface="Arial"/>
+                        </a:rPr>
+                        <a:t>Prévia da interface</a:t>
+                      </a:r>
+                    </a:p>
+                  </a:txBody>
+                  <a:tcPr marL="9525" marR="9525" marT="9525" marB="0" anchor="b">
+                    <a:lnL w="6350" cap="flat" cmpd="sng" algn="ctr">
+                      <a:solidFill>
+                        <a:srgbClr val="000000"/>
+                      </a:solidFill>
+                      <a:prstDash val="dot"/>
+                      <a:round/>
+                      <a:headEnd type="none" w="med" len="med"/>
+                      <a:tailEnd type="none" w="med" len="med"/>
+                    </a:lnL>
+                    <a:lnR w="6350" cap="flat" cmpd="sng" algn="ctr">
+                      <a:solidFill>
+                        <a:srgbClr val="000000"/>
+                      </a:solidFill>
+                      <a:prstDash val="dot"/>
+                      <a:round/>
+                      <a:headEnd type="none" w="med" len="med"/>
+                      <a:tailEnd type="none" w="med" len="med"/>
+                    </a:lnR>
+                    <a:lnT w="6350" cap="flat" cmpd="sng" algn="ctr">
+                      <a:solidFill>
+                        <a:srgbClr val="000000"/>
+                      </a:solidFill>
+                      <a:prstDash val="dot"/>
+                      <a:round/>
+                      <a:headEnd type="none" w="med" len="med"/>
+                      <a:tailEnd type="none" w="med" len="med"/>
+                    </a:lnT>
+                    <a:lnB w="6350" cap="flat" cmpd="sng" algn="ctr">
+                      <a:solidFill>
+                        <a:srgbClr val="000000"/>
+                      </a:solidFill>
+                      <a:prstDash val="dot"/>
+                      <a:round/>
+                      <a:headEnd type="none" w="med" len="med"/>
+                      <a:tailEnd type="none" w="med" len="med"/>
+                    </a:lnB>
+                  </a:tcPr>
+                </a:tc>
+              </a:tr>
+              <a:tr h="604260">
+                <a:tc>
+                  <a:txBody>
+                    <a:bodyPr/>
+                    <a:lstStyle/>
+                    <a:p>
+                      <a:pPr algn="l" fontAlgn="b"/>
+                      <a:r>
+                        <a:rPr lang="pt-BR" sz="2000" b="0" i="0" u="none" strike="noStrike">
+                          <a:effectLst/>
+                          <a:latin typeface="Arial"/>
+                        </a:rPr>
+                        <a:t>Escolha das IDEs e sistemas operacionais, computadores</a:t>
+                      </a:r>
+                    </a:p>
+                  </a:txBody>
+                  <a:tcPr marL="9525" marR="9525" marT="9525" marB="0" anchor="b">
+                    <a:lnL w="6350" cap="flat" cmpd="sng" algn="ctr">
+                      <a:solidFill>
+                        <a:srgbClr val="000000"/>
+                      </a:solidFill>
+                      <a:prstDash val="dot"/>
+                      <a:round/>
+                      <a:headEnd type="none" w="med" len="med"/>
+                      <a:tailEnd type="none" w="med" len="med"/>
+                    </a:lnL>
+                    <a:lnR w="6350" cap="flat" cmpd="sng" algn="ctr">
+                      <a:solidFill>
+                        <a:srgbClr val="000000"/>
+                      </a:solidFill>
+                      <a:prstDash val="dot"/>
+                      <a:round/>
+                      <a:headEnd type="none" w="med" len="med"/>
+                      <a:tailEnd type="none" w="med" len="med"/>
+                    </a:lnR>
+                    <a:lnT w="6350" cap="flat" cmpd="sng" algn="ctr">
+                      <a:solidFill>
+                        <a:srgbClr val="000000"/>
+                      </a:solidFill>
+                      <a:prstDash val="dot"/>
+                      <a:round/>
+                      <a:headEnd type="none" w="med" len="med"/>
+                      <a:tailEnd type="none" w="med" len="med"/>
+                    </a:lnT>
+                    <a:lnB w="6350" cap="flat" cmpd="sng" algn="ctr">
+                      <a:solidFill>
+                        <a:srgbClr val="000000"/>
+                      </a:solidFill>
+                      <a:prstDash val="dot"/>
+                      <a:round/>
+                      <a:headEnd type="none" w="med" len="med"/>
+                      <a:tailEnd type="none" w="med" len="med"/>
+                    </a:lnB>
+                  </a:tcPr>
+                </a:tc>
+                <a:tc>
+                  <a:txBody>
+                    <a:bodyPr/>
+                    <a:lstStyle/>
+                    <a:p>
+                      <a:pPr algn="l" fontAlgn="b"/>
+                      <a:r>
+                        <a:rPr lang="pt-BR" sz="2000" b="0" i="0" u="none" strike="noStrike">
+                          <a:effectLst/>
+                          <a:latin typeface="Arial"/>
+                        </a:rPr>
+                        <a:t> </a:t>
+                      </a:r>
+                    </a:p>
+                  </a:txBody>
+                  <a:tcPr marL="9525" marR="9525" marT="9525" marB="0" anchor="b">
+                    <a:lnL w="6350" cap="flat" cmpd="sng" algn="ctr">
+                      <a:solidFill>
+                        <a:srgbClr val="000000"/>
+                      </a:solidFill>
+                      <a:prstDash val="dot"/>
+                      <a:round/>
+                      <a:headEnd type="none" w="med" len="med"/>
+                      <a:tailEnd type="none" w="med" len="med"/>
+                    </a:lnL>
+                    <a:lnR w="6350" cap="flat" cmpd="sng" algn="ctr">
+                      <a:solidFill>
+                        <a:srgbClr val="000000"/>
+                      </a:solidFill>
+                      <a:prstDash val="dot"/>
+                      <a:round/>
+                      <a:headEnd type="none" w="med" len="med"/>
+                      <a:tailEnd type="none" w="med" len="med"/>
+                    </a:lnR>
+                    <a:lnT w="6350" cap="flat" cmpd="sng" algn="ctr">
+                      <a:solidFill>
+                        <a:srgbClr val="000000"/>
+                      </a:solidFill>
+                      <a:prstDash val="dot"/>
+                      <a:round/>
+                      <a:headEnd type="none" w="med" len="med"/>
+                      <a:tailEnd type="none" w="med" len="med"/>
+                    </a:lnT>
+                    <a:lnB w="6350" cap="flat" cmpd="sng" algn="ctr">
+                      <a:solidFill>
+                        <a:srgbClr val="000000"/>
+                      </a:solidFill>
+                      <a:prstDash val="dot"/>
+                      <a:round/>
+                      <a:headEnd type="none" w="med" len="med"/>
+                      <a:tailEnd type="none" w="med" len="med"/>
+                    </a:lnB>
+                  </a:tcPr>
+                </a:tc>
+              </a:tr>
+              <a:tr h="604260">
+                <a:tc>
+                  <a:txBody>
+                    <a:bodyPr/>
+                    <a:lstStyle/>
+                    <a:p>
+                      <a:pPr algn="l" fontAlgn="b"/>
+                      <a:r>
+                        <a:rPr lang="pt-BR" sz="2000" b="0" i="0" u="none" strike="noStrike">
+                          <a:effectLst/>
+                          <a:latin typeface="Arial"/>
+                        </a:rPr>
+                        <a:t>Definição de qual parte cada integrante ficara responsavel</a:t>
+                      </a:r>
+                    </a:p>
+                  </a:txBody>
+                  <a:tcPr marL="9525" marR="9525" marT="9525" marB="0" anchor="b">
+                    <a:lnL w="6350" cap="flat" cmpd="sng" algn="ctr">
+                      <a:solidFill>
+                        <a:srgbClr val="000000"/>
+                      </a:solidFill>
+                      <a:prstDash val="dot"/>
+                      <a:round/>
+                      <a:headEnd type="none" w="med" len="med"/>
+                      <a:tailEnd type="none" w="med" len="med"/>
+                    </a:lnL>
+                    <a:lnR w="6350" cap="flat" cmpd="sng" algn="ctr">
+                      <a:solidFill>
+                        <a:srgbClr val="000000"/>
+                      </a:solidFill>
+                      <a:prstDash val="dot"/>
+                      <a:round/>
+                      <a:headEnd type="none" w="med" len="med"/>
+                      <a:tailEnd type="none" w="med" len="med"/>
+                    </a:lnR>
+                    <a:lnT w="6350" cap="flat" cmpd="sng" algn="ctr">
+                      <a:solidFill>
+                        <a:srgbClr val="000000"/>
+                      </a:solidFill>
+                      <a:prstDash val="dot"/>
+                      <a:round/>
+                      <a:headEnd type="none" w="med" len="med"/>
+                      <a:tailEnd type="none" w="med" len="med"/>
+                    </a:lnT>
+                    <a:lnB w="6350" cap="flat" cmpd="sng" algn="ctr">
+                      <a:solidFill>
+                        <a:srgbClr val="000000"/>
+                      </a:solidFill>
+                      <a:prstDash val="dot"/>
+                      <a:round/>
+                      <a:headEnd type="none" w="med" len="med"/>
+                      <a:tailEnd type="none" w="med" len="med"/>
+                    </a:lnB>
+                  </a:tcPr>
+                </a:tc>
+                <a:tc>
+                  <a:txBody>
+                    <a:bodyPr/>
+                    <a:lstStyle/>
+                    <a:p>
+                      <a:pPr algn="l" fontAlgn="b"/>
+                      <a:r>
+                        <a:rPr lang="pt-BR" sz="2000" b="0" i="0" u="none" strike="noStrike">
+                          <a:effectLst/>
+                          <a:latin typeface="Arial"/>
+                        </a:rPr>
+                        <a:t> </a:t>
+                      </a:r>
+                    </a:p>
+                  </a:txBody>
+                  <a:tcPr marL="9525" marR="9525" marT="9525" marB="0" anchor="b">
+                    <a:lnL w="6350" cap="flat" cmpd="sng" algn="ctr">
+                      <a:solidFill>
+                        <a:srgbClr val="000000"/>
+                      </a:solidFill>
+                      <a:prstDash val="dot"/>
+                      <a:round/>
+                      <a:headEnd type="none" w="med" len="med"/>
+                      <a:tailEnd type="none" w="med" len="med"/>
+                    </a:lnL>
+                    <a:lnR w="6350" cap="flat" cmpd="sng" algn="ctr">
+                      <a:solidFill>
+                        <a:srgbClr val="000000"/>
+                      </a:solidFill>
+                      <a:prstDash val="dot"/>
+                      <a:round/>
+                      <a:headEnd type="none" w="med" len="med"/>
+                      <a:tailEnd type="none" w="med" len="med"/>
+                    </a:lnR>
+                    <a:lnT w="6350" cap="flat" cmpd="sng" algn="ctr">
+                      <a:solidFill>
+                        <a:srgbClr val="000000"/>
+                      </a:solidFill>
+                      <a:prstDash val="dot"/>
+                      <a:round/>
+                      <a:headEnd type="none" w="med" len="med"/>
+                      <a:tailEnd type="none" w="med" len="med"/>
+                    </a:lnT>
+                    <a:lnB w="6350" cap="flat" cmpd="sng" algn="ctr">
+                      <a:solidFill>
+                        <a:srgbClr val="000000"/>
+                      </a:solidFill>
+                      <a:prstDash val="dot"/>
+                      <a:round/>
+                      <a:headEnd type="none" w="med" len="med"/>
+                      <a:tailEnd type="none" w="med" len="med"/>
+                    </a:lnB>
+                  </a:tcPr>
+                </a:tc>
+              </a:tr>
+              <a:tr h="604260">
+                <a:tc>
+                  <a:txBody>
+                    <a:bodyPr/>
+                    <a:lstStyle/>
+                    <a:p>
+                      <a:pPr algn="l" fontAlgn="b"/>
+                      <a:r>
+                        <a:rPr lang="pt-BR" sz="2000" b="0" i="0" u="none" strike="noStrike">
+                          <a:effectLst/>
+                          <a:latin typeface="Arial"/>
+                        </a:rPr>
+                        <a:t>Definição dos hardwares que serão utilizados</a:t>
+                      </a:r>
+                    </a:p>
+                  </a:txBody>
+                  <a:tcPr marL="9525" marR="9525" marT="9525" marB="0" anchor="b">
+                    <a:lnL w="6350" cap="flat" cmpd="sng" algn="ctr">
+                      <a:solidFill>
+                        <a:srgbClr val="000000"/>
+                      </a:solidFill>
+                      <a:prstDash val="dot"/>
+                      <a:round/>
+                      <a:headEnd type="none" w="med" len="med"/>
+                      <a:tailEnd type="none" w="med" len="med"/>
+                    </a:lnL>
+                    <a:lnR w="6350" cap="flat" cmpd="sng" algn="ctr">
+                      <a:solidFill>
+                        <a:srgbClr val="000000"/>
+                      </a:solidFill>
+                      <a:prstDash val="dot"/>
+                      <a:round/>
+                      <a:headEnd type="none" w="med" len="med"/>
+                      <a:tailEnd type="none" w="med" len="med"/>
+                    </a:lnR>
+                    <a:lnT w="6350" cap="flat" cmpd="sng" algn="ctr">
+                      <a:solidFill>
+                        <a:srgbClr val="000000"/>
+                      </a:solidFill>
+                      <a:prstDash val="dot"/>
+                      <a:round/>
+                      <a:headEnd type="none" w="med" len="med"/>
+                      <a:tailEnd type="none" w="med" len="med"/>
+                    </a:lnT>
+                    <a:lnB w="6350" cap="flat" cmpd="sng" algn="ctr">
+                      <a:solidFill>
+                        <a:srgbClr val="000000"/>
+                      </a:solidFill>
+                      <a:prstDash val="dot"/>
+                      <a:round/>
+                      <a:headEnd type="none" w="med" len="med"/>
+                      <a:tailEnd type="none" w="med" len="med"/>
+                    </a:lnB>
+                  </a:tcPr>
+                </a:tc>
+                <a:tc>
+                  <a:txBody>
+                    <a:bodyPr/>
+                    <a:lstStyle/>
+                    <a:p>
+                      <a:pPr algn="l" fontAlgn="b"/>
+                      <a:r>
+                        <a:rPr lang="pt-BR" sz="2000" b="0" i="0" u="none" strike="noStrike">
+                          <a:effectLst/>
+                          <a:latin typeface="Arial"/>
+                        </a:rPr>
+                        <a:t> </a:t>
+                      </a:r>
+                    </a:p>
+                  </a:txBody>
+                  <a:tcPr marL="9525" marR="9525" marT="9525" marB="0" anchor="b">
+                    <a:lnL w="6350" cap="flat" cmpd="sng" algn="ctr">
+                      <a:solidFill>
+                        <a:srgbClr val="000000"/>
+                      </a:solidFill>
+                      <a:prstDash val="dot"/>
+                      <a:round/>
+                      <a:headEnd type="none" w="med" len="med"/>
+                      <a:tailEnd type="none" w="med" len="med"/>
+                    </a:lnL>
+                    <a:lnR w="6350" cap="flat" cmpd="sng" algn="ctr">
+                      <a:solidFill>
+                        <a:srgbClr val="000000"/>
+                      </a:solidFill>
+                      <a:prstDash val="dot"/>
+                      <a:round/>
+                      <a:headEnd type="none" w="med" len="med"/>
+                      <a:tailEnd type="none" w="med" len="med"/>
+                    </a:lnR>
+                    <a:lnT w="6350" cap="flat" cmpd="sng" algn="ctr">
+                      <a:solidFill>
+                        <a:srgbClr val="000000"/>
+                      </a:solidFill>
+                      <a:prstDash val="dot"/>
+                      <a:round/>
+                      <a:headEnd type="none" w="med" len="med"/>
+                      <a:tailEnd type="none" w="med" len="med"/>
+                    </a:lnT>
+                    <a:lnB w="6350" cap="flat" cmpd="sng" algn="ctr">
+                      <a:solidFill>
+                        <a:srgbClr val="000000"/>
+                      </a:solidFill>
+                      <a:prstDash val="dot"/>
+                      <a:round/>
+                      <a:headEnd type="none" w="med" len="med"/>
+                      <a:tailEnd type="none" w="med" len="med"/>
+                    </a:lnB>
+                  </a:tcPr>
+                </a:tc>
+              </a:tr>
+              <a:tr h="604260">
+                <a:tc>
+                  <a:txBody>
+                    <a:bodyPr/>
+                    <a:lstStyle/>
+                    <a:p>
+                      <a:pPr algn="l" fontAlgn="b"/>
+                      <a:r>
+                        <a:rPr lang="pt-BR" sz="2000" b="0" i="0" u="none" strike="noStrike">
+                          <a:effectLst/>
+                          <a:latin typeface="Arial"/>
+                        </a:rPr>
+                        <a:t>Esboço do modelo lógico do banco de dados e da interface do programa</a:t>
+                      </a:r>
+                    </a:p>
+                  </a:txBody>
+                  <a:tcPr marL="9525" marR="9525" marT="9525" marB="0" anchor="b">
+                    <a:lnL w="6350" cap="flat" cmpd="sng" algn="ctr">
+                      <a:solidFill>
+                        <a:srgbClr val="000000"/>
+                      </a:solidFill>
+                      <a:prstDash val="dot"/>
+                      <a:round/>
+                      <a:headEnd type="none" w="med" len="med"/>
+                      <a:tailEnd type="none" w="med" len="med"/>
+                    </a:lnL>
+                    <a:lnR w="6350" cap="flat" cmpd="sng" algn="ctr">
+                      <a:solidFill>
+                        <a:srgbClr val="000000"/>
+                      </a:solidFill>
+                      <a:prstDash val="dot"/>
+                      <a:round/>
+                      <a:headEnd type="none" w="med" len="med"/>
+                      <a:tailEnd type="none" w="med" len="med"/>
+                    </a:lnR>
+                    <a:lnT w="6350" cap="flat" cmpd="sng" algn="ctr">
+                      <a:solidFill>
+                        <a:srgbClr val="000000"/>
+                      </a:solidFill>
+                      <a:prstDash val="dot"/>
+                      <a:round/>
+                      <a:headEnd type="none" w="med" len="med"/>
+                      <a:tailEnd type="none" w="med" len="med"/>
+                    </a:lnT>
+                    <a:lnB w="6350" cap="flat" cmpd="sng" algn="ctr">
+                      <a:solidFill>
+                        <a:srgbClr val="000000"/>
+                      </a:solidFill>
+                      <a:prstDash val="dot"/>
+                      <a:round/>
+                      <a:headEnd type="none" w="med" len="med"/>
+                      <a:tailEnd type="none" w="med" len="med"/>
+                    </a:lnB>
+                  </a:tcPr>
+                </a:tc>
+                <a:tc>
+                  <a:txBody>
+                    <a:bodyPr/>
+                    <a:lstStyle/>
+                    <a:p>
+                      <a:pPr algn="l" fontAlgn="b"/>
+                      <a:r>
+                        <a:rPr lang="pt-BR" sz="2000" b="0" i="0" u="none" strike="noStrike" dirty="0">
+                          <a:effectLst/>
+                          <a:latin typeface="Arial"/>
+                        </a:rPr>
+                        <a:t> </a:t>
+                      </a:r>
+                    </a:p>
+                  </a:txBody>
+                  <a:tcPr marL="9525" marR="9525" marT="9525" marB="0" anchor="b">
+                    <a:lnL w="6350" cap="flat" cmpd="sng" algn="ctr">
+                      <a:solidFill>
+                        <a:srgbClr val="000000"/>
+                      </a:solidFill>
+                      <a:prstDash val="dot"/>
+                      <a:round/>
+                      <a:headEnd type="none" w="med" len="med"/>
+                      <a:tailEnd type="none" w="med" len="med"/>
+                    </a:lnL>
+                    <a:lnR w="6350" cap="flat" cmpd="sng" algn="ctr">
+                      <a:solidFill>
+                        <a:srgbClr val="000000"/>
+                      </a:solidFill>
+                      <a:prstDash val="dot"/>
+                      <a:round/>
+                      <a:headEnd type="none" w="med" len="med"/>
+                      <a:tailEnd type="none" w="med" len="med"/>
+                    </a:lnR>
+                    <a:lnT w="6350" cap="flat" cmpd="sng" algn="ctr">
+                      <a:solidFill>
+                        <a:srgbClr val="000000"/>
+                      </a:solidFill>
+                      <a:prstDash val="dot"/>
+                      <a:round/>
+                      <a:headEnd type="none" w="med" len="med"/>
+                      <a:tailEnd type="none" w="med" len="med"/>
+                    </a:lnT>
+                    <a:lnB w="6350" cap="flat" cmpd="sng" algn="ctr">
+                      <a:solidFill>
+                        <a:srgbClr val="000000"/>
+                      </a:solidFill>
+                      <a:prstDash val="dot"/>
+                      <a:round/>
+                      <a:headEnd type="none" w="med" len="med"/>
+                      <a:tailEnd type="none" w="med" len="med"/>
+                    </a:lnB>
+                  </a:tcPr>
+                </a:tc>
+              </a:tr>
+            </a:tbl>
+          </a:graphicData>
+        </a:graphic>
+      </p:graphicFrame>
     </p:spTree>
+    <p:extLst>
+      <p:ext uri="{BB962C8B-B14F-4D97-AF65-F5344CB8AC3E}">
+        <p14:creationId xmlns="" xmlns:p14="http://schemas.microsoft.com/office/powerpoint/2010/main" val="1573777146"/>
+      </p:ext>
+    </p:extLst>
   </p:cSld>
   <p:clrMapOvr>
     <a:masterClrMapping/>
   </p:clrMapOvr>
   <p:transition>
-    <p:split orient="vert"/>
+    <p:cover/>
   </p:transition>
   <p:timing>
     <p:tnLst>
       <p:par>
-        <p:cTn id="1" dur="indefinite" restart="never" nodeType="tmRoot">
-          <p:childTnLst>
-            <p:seq concurrent="1" nextAc="seek">
-              <p:cTn id="2" dur="indefinite" nodeType="mainSeq">
-                <p:childTnLst>
-                  <p:par>
-                    <p:cTn id="3" fill="hold">
-                      <p:stCondLst>
-                        <p:cond delay="indefinite"/>
-                      </p:stCondLst>
-                      <p:childTnLst>
-                        <p:par>
-                          <p:cTn id="4" fill="hold">
-                            <p:stCondLst>
-                              <p:cond delay="0"/>
-                            </p:stCondLst>
-                            <p:childTnLst>
-                              <p:par>
-                                <p:cTn id="5" presetID="10" presetClass="entr" presetSubtype="0" fill="hold" grpId="0" nodeType="clickEffect">
-                                  <p:stCondLst>
-                                    <p:cond delay="0"/>
-                                  </p:stCondLst>
-                                  <p:childTnLst>
-                                    <p:set>
-                                      <p:cBhvr>
-                                        <p:cTn id="6" dur="1" fill="hold">
-                                          <p:stCondLst>
-                                            <p:cond delay="0"/>
-                                          </p:stCondLst>
-                                        </p:cTn>
-                                        <p:tgtEl>
-                                          <p:spTgt spid="2">
-                                            <p:txEl>
-                                              <p:pRg st="0" end="0"/>
-                                            </p:txEl>
-                                          </p:spTgt>
-                                        </p:tgtEl>
-                                        <p:attrNameLst>
-                                          <p:attrName>style.visibility</p:attrName>
-                                        </p:attrNameLst>
-                                      </p:cBhvr>
-                                      <p:to>
-                                        <p:strVal val="visible"/>
-                                      </p:to>
-                                    </p:set>
-                                    <p:animEffect transition="in" filter="fade">
-                                      <p:cBhvr>
-                                        <p:cTn id="7" dur="2000"/>
-                                        <p:tgtEl>
-                                          <p:spTgt spid="2">
-                                            <p:txEl>
-                                              <p:pRg st="0" end="0"/>
-                                            </p:txEl>
-                                          </p:spTgt>
-                                        </p:tgtEl>
-                                      </p:cBhvr>
-                                    </p:animEffect>
-                                  </p:childTnLst>
-                                </p:cTn>
-                              </p:par>
-                            </p:childTnLst>
-                          </p:cTn>
-                        </p:par>
-                      </p:childTnLst>
-                    </p:cTn>
-                  </p:par>
-                </p:childTnLst>
-              </p:cTn>
-              <p:prevCondLst>
-                <p:cond evt="onPrev" delay="0">
-                  <p:tgtEl>
-                    <p:sldTgt/>
-                  </p:tgtEl>
-                </p:cond>
-              </p:prevCondLst>
-              <p:nextCondLst>
-                <p:cond evt="onNext" delay="0">
-                  <p:tgtEl>
-                    <p:sldTgt/>
-                  </p:tgtEl>
-                </p:cond>
-              </p:nextCondLst>
-            </p:seq>
-          </p:childTnLst>
-        </p:cTn>
+        <p:cTn id="1" dur="indefinite" restart="never" nodeType="tmRoot"/>
       </p:par>
     </p:tnLst>
-    <p:bldLst>
-      <p:bldP spid="2" grpId="0" build="allAtOnce"/>
-    </p:bldLst>
   </p:timing>
 </p:sld>
 </file>

--- a/Trab Eng Software/3°Fase do trabalho/Apresentação Etapa 3 - Adaptação JP.pptx
+++ b/Trab Eng Software/3°Fase do trabalho/Apresentação Etapa 3 - Adaptação JP.pptx
@@ -10,12 +10,11 @@
     <p:sldId id="257" r:id="rId4"/>
     <p:sldId id="263" r:id="rId5"/>
     <p:sldId id="258" r:id="rId6"/>
-    <p:sldId id="266" r:id="rId7"/>
-    <p:sldId id="267" r:id="rId8"/>
-    <p:sldId id="260" r:id="rId9"/>
-    <p:sldId id="261" r:id="rId10"/>
-    <p:sldId id="262" r:id="rId11"/>
-    <p:sldId id="264" r:id="rId12"/>
+    <p:sldId id="267" r:id="rId7"/>
+    <p:sldId id="260" r:id="rId8"/>
+    <p:sldId id="261" r:id="rId9"/>
+    <p:sldId id="262" r:id="rId10"/>
+    <p:sldId id="264" r:id="rId11"/>
   </p:sldIdLst>
   <p:sldSz cx="9144000" cy="6858000" type="screen4x3"/>
   <p:notesSz cx="6858000" cy="9144000"/>
@@ -342,7 +341,7 @@
             <a:fld id="{50F12476-40B0-4B55-94BB-181E9532FFF8}" type="slidenum">
               <a:rPr lang="pt-BR" smtClean="0"/>
               <a:pPr/>
-              <a:t>‹#›</a:t>
+              <a:t>‹nº›</a:t>
             </a:fld>
             <a:endParaRPr lang="pt-BR"/>
           </a:p>
@@ -351,7 +350,7 @@
     </p:spTree>
     <p:extLst>
       <p:ext uri="{BB962C8B-B14F-4D97-AF65-F5344CB8AC3E}">
-        <p14:creationId xmlns="" xmlns:p14="http://schemas.microsoft.com/office/powerpoint/2010/main" val="1478311544"/>
+        <p14:creationId xmlns:p14="http://schemas.microsoft.com/office/powerpoint/2010/main" val="1478311544"/>
       </p:ext>
     </p:extLst>
   </p:cSld>
@@ -514,7 +513,7 @@
             <a:fld id="{50F12476-40B0-4B55-94BB-181E9532FFF8}" type="slidenum">
               <a:rPr lang="pt-BR" smtClean="0"/>
               <a:pPr/>
-              <a:t>‹#›</a:t>
+              <a:t>‹nº›</a:t>
             </a:fld>
             <a:endParaRPr lang="pt-BR"/>
           </a:p>
@@ -523,7 +522,7 @@
     </p:spTree>
     <p:extLst>
       <p:ext uri="{BB962C8B-B14F-4D97-AF65-F5344CB8AC3E}">
-        <p14:creationId xmlns="" xmlns:p14="http://schemas.microsoft.com/office/powerpoint/2010/main" val="3505800740"/>
+        <p14:creationId xmlns:p14="http://schemas.microsoft.com/office/powerpoint/2010/main" val="3505800740"/>
       </p:ext>
     </p:extLst>
   </p:cSld>
@@ -696,7 +695,7 @@
             <a:fld id="{50F12476-40B0-4B55-94BB-181E9532FFF8}" type="slidenum">
               <a:rPr lang="pt-BR" smtClean="0"/>
               <a:pPr/>
-              <a:t>‹#›</a:t>
+              <a:t>‹nº›</a:t>
             </a:fld>
             <a:endParaRPr lang="pt-BR"/>
           </a:p>
@@ -705,7 +704,7 @@
     </p:spTree>
     <p:extLst>
       <p:ext uri="{BB962C8B-B14F-4D97-AF65-F5344CB8AC3E}">
-        <p14:creationId xmlns="" xmlns:p14="http://schemas.microsoft.com/office/powerpoint/2010/main" val="2376402701"/>
+        <p14:creationId xmlns:p14="http://schemas.microsoft.com/office/powerpoint/2010/main" val="2376402701"/>
       </p:ext>
     </p:extLst>
   </p:cSld>
@@ -868,7 +867,7 @@
             <a:fld id="{50F12476-40B0-4B55-94BB-181E9532FFF8}" type="slidenum">
               <a:rPr lang="pt-BR" smtClean="0"/>
               <a:pPr/>
-              <a:t>‹#›</a:t>
+              <a:t>‹nº›</a:t>
             </a:fld>
             <a:endParaRPr lang="pt-BR"/>
           </a:p>
@@ -877,7 +876,7 @@
     </p:spTree>
     <p:extLst>
       <p:ext uri="{BB962C8B-B14F-4D97-AF65-F5344CB8AC3E}">
-        <p14:creationId xmlns="" xmlns:p14="http://schemas.microsoft.com/office/powerpoint/2010/main" val="3172837465"/>
+        <p14:creationId xmlns:p14="http://schemas.microsoft.com/office/powerpoint/2010/main" val="3172837465"/>
       </p:ext>
     </p:extLst>
   </p:cSld>
@@ -1116,7 +1115,7 @@
             <a:fld id="{50F12476-40B0-4B55-94BB-181E9532FFF8}" type="slidenum">
               <a:rPr lang="pt-BR" smtClean="0"/>
               <a:pPr/>
-              <a:t>‹#›</a:t>
+              <a:t>‹nº›</a:t>
             </a:fld>
             <a:endParaRPr lang="pt-BR"/>
           </a:p>
@@ -1125,7 +1124,7 @@
     </p:spTree>
     <p:extLst>
       <p:ext uri="{BB962C8B-B14F-4D97-AF65-F5344CB8AC3E}">
-        <p14:creationId xmlns="" xmlns:p14="http://schemas.microsoft.com/office/powerpoint/2010/main" val="2539215369"/>
+        <p14:creationId xmlns:p14="http://schemas.microsoft.com/office/powerpoint/2010/main" val="2539215369"/>
       </p:ext>
     </p:extLst>
   </p:cSld>
@@ -1406,7 +1405,7 @@
             <a:fld id="{50F12476-40B0-4B55-94BB-181E9532FFF8}" type="slidenum">
               <a:rPr lang="pt-BR" smtClean="0"/>
               <a:pPr/>
-              <a:t>‹#›</a:t>
+              <a:t>‹nº›</a:t>
             </a:fld>
             <a:endParaRPr lang="pt-BR"/>
           </a:p>
@@ -1415,7 +1414,7 @@
     </p:spTree>
     <p:extLst>
       <p:ext uri="{BB962C8B-B14F-4D97-AF65-F5344CB8AC3E}">
-        <p14:creationId xmlns="" xmlns:p14="http://schemas.microsoft.com/office/powerpoint/2010/main" val="1331431120"/>
+        <p14:creationId xmlns:p14="http://schemas.microsoft.com/office/powerpoint/2010/main" val="1331431120"/>
       </p:ext>
     </p:extLst>
   </p:cSld>
@@ -1830,7 +1829,7 @@
             <a:fld id="{50F12476-40B0-4B55-94BB-181E9532FFF8}" type="slidenum">
               <a:rPr lang="pt-BR" smtClean="0"/>
               <a:pPr/>
-              <a:t>‹#›</a:t>
+              <a:t>‹nº›</a:t>
             </a:fld>
             <a:endParaRPr lang="pt-BR"/>
           </a:p>
@@ -1839,7 +1838,7 @@
     </p:spTree>
     <p:extLst>
       <p:ext uri="{BB962C8B-B14F-4D97-AF65-F5344CB8AC3E}">
-        <p14:creationId xmlns="" xmlns:p14="http://schemas.microsoft.com/office/powerpoint/2010/main" val="1217087604"/>
+        <p14:creationId xmlns:p14="http://schemas.microsoft.com/office/powerpoint/2010/main" val="1217087604"/>
       </p:ext>
     </p:extLst>
   </p:cSld>
@@ -1950,7 +1949,7 @@
             <a:fld id="{50F12476-40B0-4B55-94BB-181E9532FFF8}" type="slidenum">
               <a:rPr lang="pt-BR" smtClean="0"/>
               <a:pPr/>
-              <a:t>‹#›</a:t>
+              <a:t>‹nº›</a:t>
             </a:fld>
             <a:endParaRPr lang="pt-BR"/>
           </a:p>
@@ -1959,7 +1958,7 @@
     </p:spTree>
     <p:extLst>
       <p:ext uri="{BB962C8B-B14F-4D97-AF65-F5344CB8AC3E}">
-        <p14:creationId xmlns="" xmlns:p14="http://schemas.microsoft.com/office/powerpoint/2010/main" val="1097157162"/>
+        <p14:creationId xmlns:p14="http://schemas.microsoft.com/office/powerpoint/2010/main" val="1097157162"/>
       </p:ext>
     </p:extLst>
   </p:cSld>
@@ -2047,7 +2046,7 @@
             <a:fld id="{50F12476-40B0-4B55-94BB-181E9532FFF8}" type="slidenum">
               <a:rPr lang="pt-BR" smtClean="0"/>
               <a:pPr/>
-              <a:t>‹#›</a:t>
+              <a:t>‹nº›</a:t>
             </a:fld>
             <a:endParaRPr lang="pt-BR"/>
           </a:p>
@@ -2056,7 +2055,7 @@
     </p:spTree>
     <p:extLst>
       <p:ext uri="{BB962C8B-B14F-4D97-AF65-F5344CB8AC3E}">
-        <p14:creationId xmlns="" xmlns:p14="http://schemas.microsoft.com/office/powerpoint/2010/main" val="1679169195"/>
+        <p14:creationId xmlns:p14="http://schemas.microsoft.com/office/powerpoint/2010/main" val="1679169195"/>
       </p:ext>
     </p:extLst>
   </p:cSld>
@@ -2326,7 +2325,7 @@
             <a:fld id="{50F12476-40B0-4B55-94BB-181E9532FFF8}" type="slidenum">
               <a:rPr lang="pt-BR" smtClean="0"/>
               <a:pPr/>
-              <a:t>‹#›</a:t>
+              <a:t>‹nº›</a:t>
             </a:fld>
             <a:endParaRPr lang="pt-BR"/>
           </a:p>
@@ -2335,7 +2334,7 @@
     </p:spTree>
     <p:extLst>
       <p:ext uri="{BB962C8B-B14F-4D97-AF65-F5344CB8AC3E}">
-        <p14:creationId xmlns="" xmlns:p14="http://schemas.microsoft.com/office/powerpoint/2010/main" val="526725474"/>
+        <p14:creationId xmlns:p14="http://schemas.microsoft.com/office/powerpoint/2010/main" val="526725474"/>
       </p:ext>
     </p:extLst>
   </p:cSld>
@@ -2581,7 +2580,7 @@
             <a:fld id="{50F12476-40B0-4B55-94BB-181E9532FFF8}" type="slidenum">
               <a:rPr lang="pt-BR" smtClean="0"/>
               <a:pPr/>
-              <a:t>‹#›</a:t>
+              <a:t>‹nº›</a:t>
             </a:fld>
             <a:endParaRPr lang="pt-BR"/>
           </a:p>
@@ -2590,7 +2589,7 @@
     </p:spTree>
     <p:extLst>
       <p:ext uri="{BB962C8B-B14F-4D97-AF65-F5344CB8AC3E}">
-        <p14:creationId xmlns="" xmlns:p14="http://schemas.microsoft.com/office/powerpoint/2010/main" val="620370457"/>
+        <p14:creationId xmlns:p14="http://schemas.microsoft.com/office/powerpoint/2010/main" val="620370457"/>
       </p:ext>
     </p:extLst>
   </p:cSld>
@@ -2837,7 +2836,7 @@
             <a:fld id="{50F12476-40B0-4B55-94BB-181E9532FFF8}" type="slidenum">
               <a:rPr lang="pt-BR" smtClean="0"/>
               <a:pPr/>
-              <a:t>‹#›</a:t>
+              <a:t>‹nº›</a:t>
             </a:fld>
             <a:endParaRPr lang="pt-BR"/>
           </a:p>
@@ -2846,7 +2845,7 @@
     </p:spTree>
     <p:extLst>
       <p:ext uri="{BB962C8B-B14F-4D97-AF65-F5344CB8AC3E}">
-        <p14:creationId xmlns="" xmlns:p14="http://schemas.microsoft.com/office/powerpoint/2010/main" val="1535434443"/>
+        <p14:creationId xmlns:p14="http://schemas.microsoft.com/office/powerpoint/2010/main" val="1535434443"/>
       </p:ext>
     </p:extLst>
   </p:cSld>
@@ -3180,7 +3179,7 @@
           <a:blip r:embed="rId2" cstate="print">
             <a:extLst>
               <a:ext uri="{28A0092B-C50C-407E-A947-70E740481C1C}">
-                <a14:useLocalDpi xmlns="" xmlns:a14="http://schemas.microsoft.com/office/drawing/2010/main" val="0"/>
+                <a14:useLocalDpi xmlns:a14="http://schemas.microsoft.com/office/drawing/2010/main" val="0"/>
               </a:ext>
             </a:extLst>
           </a:blip>
@@ -3200,7 +3199,7 @@
           <a:noFill/>
           <a:extLst>
             <a:ext uri="{909E8E84-426E-40DD-AFC4-6F175D3DCCD1}">
-              <a14:hiddenFill xmlns="" xmlns:a14="http://schemas.microsoft.com/office/drawing/2010/main">
+              <a14:hiddenFill xmlns:a14="http://schemas.microsoft.com/office/drawing/2010/main">
                 <a:solidFill>
                   <a:srgbClr val="FFFFFF"/>
                 </a:solidFill>
@@ -3212,7 +3211,7 @@
     </p:spTree>
     <p:extLst>
       <p:ext uri="{BB962C8B-B14F-4D97-AF65-F5344CB8AC3E}">
-        <p14:creationId xmlns="" xmlns:p14="http://schemas.microsoft.com/office/powerpoint/2010/main" val="1378676636"/>
+        <p14:creationId xmlns:p14="http://schemas.microsoft.com/office/powerpoint/2010/main" val="1378676636"/>
       </p:ext>
     </p:extLst>
   </p:cSld>
@@ -3299,896 +3298,6 @@
 </file>
 
 <file path=ppt/slides/slide10.xml><?xml version="1.0" encoding="utf-8"?>
-<p:sld xmlns:a="http://schemas.openxmlformats.org/drawingml/2006/main" xmlns:r="http://schemas.openxmlformats.org/officeDocument/2006/relationships" xmlns:p="http://schemas.openxmlformats.org/presentationml/2006/main">
-  <p:cSld>
-    <p:spTree>
-      <p:nvGrpSpPr>
-        <p:cNvPr id="1" name=""/>
-        <p:cNvGrpSpPr/>
-        <p:nvPr/>
-      </p:nvGrpSpPr>
-      <p:grpSpPr>
-        <a:xfrm>
-          <a:off x="0" y="0"/>
-          <a:ext cx="0" cy="0"/>
-          <a:chOff x="0" y="0"/>
-          <a:chExt cx="0" cy="0"/>
-        </a:xfrm>
-      </p:grpSpPr>
-      <p:graphicFrame>
-        <p:nvGraphicFramePr>
-          <p:cNvPr id="2" name="Tabela 1"/>
-          <p:cNvGraphicFramePr>
-            <a:graphicFrameLocks noGrp="1"/>
-          </p:cNvGraphicFramePr>
-          <p:nvPr>
-            <p:extLst>
-              <p:ext uri="{D42A27DB-BD31-4B8C-83A1-F6EECF244321}">
-                <p14:modId xmlns="" xmlns:p14="http://schemas.microsoft.com/office/powerpoint/2010/main" val="4053274123"/>
-              </p:ext>
-            </p:extLst>
-          </p:nvPr>
-        </p:nvGraphicFramePr>
-        <p:xfrm>
-          <a:off x="251520" y="1196752"/>
-          <a:ext cx="8712968" cy="4588248"/>
-        </p:xfrm>
-        <a:graphic>
-          <a:graphicData uri="http://schemas.openxmlformats.org/drawingml/2006/table">
-            <a:tbl>
-              <a:tblPr/>
-              <a:tblGrid>
-                <a:gridCol w="6470534"/>
-                <a:gridCol w="2242434"/>
-              </a:tblGrid>
-              <a:tr h="477053">
-                <a:tc>
-                  <a:txBody>
-                    <a:bodyPr/>
-                    <a:lstStyle/>
-                    <a:p>
-                      <a:pPr algn="l" fontAlgn="b"/>
-                      <a:r>
-                        <a:rPr lang="pt-BR" sz="2800" b="0" i="0" u="none" strike="noStrike">
-                          <a:effectLst/>
-                          <a:latin typeface="Arial"/>
-                        </a:rPr>
-                        <a:t>4ª Semana</a:t>
-                      </a:r>
-                    </a:p>
-                  </a:txBody>
-                  <a:tcPr marL="9525" marR="9525" marT="9525" marB="0" anchor="b">
-                    <a:lnL w="6350" cap="flat" cmpd="sng" algn="ctr">
-                      <a:solidFill>
-                        <a:srgbClr val="000000"/>
-                      </a:solidFill>
-                      <a:prstDash val="dot"/>
-                      <a:round/>
-                      <a:headEnd type="none" w="med" len="med"/>
-                      <a:tailEnd type="none" w="med" len="med"/>
-                    </a:lnL>
-                    <a:lnR w="6350" cap="flat" cmpd="sng" algn="ctr">
-                      <a:solidFill>
-                        <a:srgbClr val="000000"/>
-                      </a:solidFill>
-                      <a:prstDash val="dot"/>
-                      <a:round/>
-                      <a:headEnd type="none" w="med" len="med"/>
-                      <a:tailEnd type="none" w="med" len="med"/>
-                    </a:lnR>
-                    <a:lnT w="6350" cap="flat" cmpd="sng" algn="ctr">
-                      <a:solidFill>
-                        <a:srgbClr val="000000"/>
-                      </a:solidFill>
-                      <a:prstDash val="dot"/>
-                      <a:round/>
-                      <a:headEnd type="none" w="med" len="med"/>
-                      <a:tailEnd type="none" w="med" len="med"/>
-                    </a:lnT>
-                    <a:lnB w="6350" cap="flat" cmpd="sng" algn="ctr">
-                      <a:solidFill>
-                        <a:srgbClr val="000000"/>
-                      </a:solidFill>
-                      <a:prstDash val="dot"/>
-                      <a:round/>
-                      <a:headEnd type="none" w="med" len="med"/>
-                      <a:tailEnd type="none" w="med" len="med"/>
-                    </a:lnB>
-                  </a:tcPr>
-                </a:tc>
-                <a:tc>
-                  <a:txBody>
-                    <a:bodyPr/>
-                    <a:lstStyle/>
-                    <a:p>
-                      <a:pPr algn="l" fontAlgn="b"/>
-                      <a:r>
-                        <a:rPr lang="pt-BR" sz="2800" b="0" i="0" u="none" strike="noStrike">
-                          <a:effectLst/>
-                          <a:latin typeface="Arial"/>
-                        </a:rPr>
-                        <a:t>Gerou</a:t>
-                      </a:r>
-                    </a:p>
-                  </a:txBody>
-                  <a:tcPr marL="9525" marR="9525" marT="9525" marB="0" anchor="b">
-                    <a:lnL w="6350" cap="flat" cmpd="sng" algn="ctr">
-                      <a:solidFill>
-                        <a:srgbClr val="000000"/>
-                      </a:solidFill>
-                      <a:prstDash val="dot"/>
-                      <a:round/>
-                      <a:headEnd type="none" w="med" len="med"/>
-                      <a:tailEnd type="none" w="med" len="med"/>
-                    </a:lnL>
-                    <a:lnR w="6350" cap="flat" cmpd="sng" algn="ctr">
-                      <a:solidFill>
-                        <a:srgbClr val="000000"/>
-                      </a:solidFill>
-                      <a:prstDash val="dot"/>
-                      <a:round/>
-                      <a:headEnd type="none" w="med" len="med"/>
-                      <a:tailEnd type="none" w="med" len="med"/>
-                    </a:lnR>
-                    <a:lnT w="6350" cap="flat" cmpd="sng" algn="ctr">
-                      <a:solidFill>
-                        <a:srgbClr val="000000"/>
-                      </a:solidFill>
-                      <a:prstDash val="dot"/>
-                      <a:round/>
-                      <a:headEnd type="none" w="med" len="med"/>
-                      <a:tailEnd type="none" w="med" len="med"/>
-                    </a:lnT>
-                    <a:lnB w="6350" cap="flat" cmpd="sng" algn="ctr">
-                      <a:solidFill>
-                        <a:srgbClr val="000000"/>
-                      </a:solidFill>
-                      <a:prstDash val="dot"/>
-                      <a:round/>
-                      <a:headEnd type="none" w="med" len="med"/>
-                      <a:tailEnd type="none" w="med" len="med"/>
-                    </a:lnB>
-                  </a:tcPr>
-                </a:tc>
-              </a:tr>
-              <a:tr h="477053">
-                <a:tc>
-                  <a:txBody>
-                    <a:bodyPr/>
-                    <a:lstStyle/>
-                    <a:p>
-                      <a:pPr algn="l" fontAlgn="b"/>
-                      <a:r>
-                        <a:rPr lang="pt-BR" sz="2800" b="0" i="0" u="none" strike="noStrike">
-                          <a:effectLst/>
-                          <a:latin typeface="Arial"/>
-                        </a:rPr>
-                        <a:t>Elaboração do banco de dados, dos módulos de cadastro</a:t>
-                      </a:r>
-                    </a:p>
-                  </a:txBody>
-                  <a:tcPr marL="9525" marR="9525" marT="9525" marB="0" anchor="b">
-                    <a:lnL w="6350" cap="flat" cmpd="sng" algn="ctr">
-                      <a:solidFill>
-                        <a:srgbClr val="000000"/>
-                      </a:solidFill>
-                      <a:prstDash val="dot"/>
-                      <a:round/>
-                      <a:headEnd type="none" w="med" len="med"/>
-                      <a:tailEnd type="none" w="med" len="med"/>
-                    </a:lnL>
-                    <a:lnR w="6350" cap="flat" cmpd="sng" algn="ctr">
-                      <a:solidFill>
-                        <a:srgbClr val="000000"/>
-                      </a:solidFill>
-                      <a:prstDash val="dot"/>
-                      <a:round/>
-                      <a:headEnd type="none" w="med" len="med"/>
-                      <a:tailEnd type="none" w="med" len="med"/>
-                    </a:lnR>
-                    <a:lnT w="6350" cap="flat" cmpd="sng" algn="ctr">
-                      <a:solidFill>
-                        <a:srgbClr val="000000"/>
-                      </a:solidFill>
-                      <a:prstDash val="dot"/>
-                      <a:round/>
-                      <a:headEnd type="none" w="med" len="med"/>
-                      <a:tailEnd type="none" w="med" len="med"/>
-                    </a:lnT>
-                    <a:lnB w="6350" cap="flat" cmpd="sng" algn="ctr">
-                      <a:solidFill>
-                        <a:srgbClr val="000000"/>
-                      </a:solidFill>
-                      <a:prstDash val="dot"/>
-                      <a:round/>
-                      <a:headEnd type="none" w="med" len="med"/>
-                      <a:tailEnd type="none" w="med" len="med"/>
-                    </a:lnB>
-                  </a:tcPr>
-                </a:tc>
-                <a:tc>
-                  <a:txBody>
-                    <a:bodyPr/>
-                    <a:lstStyle/>
-                    <a:p>
-                      <a:pPr algn="l" fontAlgn="b"/>
-                      <a:r>
-                        <a:rPr lang="pt-BR" sz="2800" b="0" i="0" u="none" strike="noStrike">
-                          <a:effectLst/>
-                          <a:latin typeface="Arial"/>
-                        </a:rPr>
-                        <a:t>banco de dados</a:t>
-                      </a:r>
-                    </a:p>
-                  </a:txBody>
-                  <a:tcPr marL="9525" marR="9525" marT="9525" marB="0" anchor="b">
-                    <a:lnL w="6350" cap="flat" cmpd="sng" algn="ctr">
-                      <a:solidFill>
-                        <a:srgbClr val="000000"/>
-                      </a:solidFill>
-                      <a:prstDash val="dot"/>
-                      <a:round/>
-                      <a:headEnd type="none" w="med" len="med"/>
-                      <a:tailEnd type="none" w="med" len="med"/>
-                    </a:lnL>
-                    <a:lnR w="6350" cap="flat" cmpd="sng" algn="ctr">
-                      <a:solidFill>
-                        <a:srgbClr val="000000"/>
-                      </a:solidFill>
-                      <a:prstDash val="dot"/>
-                      <a:round/>
-                      <a:headEnd type="none" w="med" len="med"/>
-                      <a:tailEnd type="none" w="med" len="med"/>
-                    </a:lnR>
-                    <a:lnT w="6350" cap="flat" cmpd="sng" algn="ctr">
-                      <a:solidFill>
-                        <a:srgbClr val="000000"/>
-                      </a:solidFill>
-                      <a:prstDash val="dot"/>
-                      <a:round/>
-                      <a:headEnd type="none" w="med" len="med"/>
-                      <a:tailEnd type="none" w="med" len="med"/>
-                    </a:lnT>
-                    <a:lnB w="6350" cap="flat" cmpd="sng" algn="ctr">
-                      <a:solidFill>
-                        <a:srgbClr val="000000"/>
-                      </a:solidFill>
-                      <a:prstDash val="dot"/>
-                      <a:round/>
-                      <a:headEnd type="none" w="med" len="med"/>
-                      <a:tailEnd type="none" w="med" len="med"/>
-                    </a:lnB>
-                  </a:tcPr>
-                </a:tc>
-              </a:tr>
-              <a:tr h="477053">
-                <a:tc>
-                  <a:txBody>
-                    <a:bodyPr/>
-                    <a:lstStyle/>
-                    <a:p>
-                      <a:pPr algn="l" fontAlgn="b"/>
-                      <a:endParaRPr lang="pt-BR" sz="2800" b="0" i="0" u="none" strike="noStrike">
-                        <a:effectLst/>
-                        <a:latin typeface="Arial"/>
-                      </a:endParaRPr>
-                    </a:p>
-                  </a:txBody>
-                  <a:tcPr marL="9525" marR="9525" marT="9525" marB="0" anchor="b">
-                    <a:lnL>
-                      <a:noFill/>
-                    </a:lnL>
-                    <a:lnR>
-                      <a:noFill/>
-                    </a:lnR>
-                    <a:lnT w="6350" cap="flat" cmpd="sng" algn="ctr">
-                      <a:solidFill>
-                        <a:srgbClr val="000000"/>
-                      </a:solidFill>
-                      <a:prstDash val="dot"/>
-                      <a:round/>
-                      <a:headEnd type="none" w="med" len="med"/>
-                      <a:tailEnd type="none" w="med" len="med"/>
-                    </a:lnT>
-                    <a:lnB w="6350" cap="flat" cmpd="sng" algn="ctr">
-                      <a:solidFill>
-                        <a:srgbClr val="000000"/>
-                      </a:solidFill>
-                      <a:prstDash val="dot"/>
-                      <a:round/>
-                      <a:headEnd type="none" w="med" len="med"/>
-                      <a:tailEnd type="none" w="med" len="med"/>
-                    </a:lnB>
-                  </a:tcPr>
-                </a:tc>
-                <a:tc>
-                  <a:txBody>
-                    <a:bodyPr/>
-                    <a:lstStyle/>
-                    <a:p>
-                      <a:pPr algn="l" fontAlgn="b"/>
-                      <a:endParaRPr lang="pt-BR" sz="2800" b="0" i="0" u="none" strike="noStrike">
-                        <a:effectLst/>
-                        <a:latin typeface="Arial"/>
-                      </a:endParaRPr>
-                    </a:p>
-                  </a:txBody>
-                  <a:tcPr marL="9525" marR="9525" marT="9525" marB="0" anchor="b">
-                    <a:lnL>
-                      <a:noFill/>
-                    </a:lnL>
-                    <a:lnR>
-                      <a:noFill/>
-                    </a:lnR>
-                    <a:lnT w="6350" cap="flat" cmpd="sng" algn="ctr">
-                      <a:solidFill>
-                        <a:srgbClr val="000000"/>
-                      </a:solidFill>
-                      <a:prstDash val="dot"/>
-                      <a:round/>
-                      <a:headEnd type="none" w="med" len="med"/>
-                      <a:tailEnd type="none" w="med" len="med"/>
-                    </a:lnT>
-                    <a:lnB w="6350" cap="flat" cmpd="sng" algn="ctr">
-                      <a:solidFill>
-                        <a:srgbClr val="000000"/>
-                      </a:solidFill>
-                      <a:prstDash val="dot"/>
-                      <a:round/>
-                      <a:headEnd type="none" w="med" len="med"/>
-                      <a:tailEnd type="none" w="med" len="med"/>
-                    </a:lnB>
-                  </a:tcPr>
-                </a:tc>
-              </a:tr>
-              <a:tr h="477053">
-                <a:tc>
-                  <a:txBody>
-                    <a:bodyPr/>
-                    <a:lstStyle/>
-                    <a:p>
-                      <a:pPr algn="l" fontAlgn="b"/>
-                      <a:r>
-                        <a:rPr lang="pt-BR" sz="2800" b="0" i="0" u="none" strike="noStrike">
-                          <a:effectLst/>
-                          <a:latin typeface="Arial"/>
-                        </a:rPr>
-                        <a:t>5ª semana</a:t>
-                      </a:r>
-                    </a:p>
-                  </a:txBody>
-                  <a:tcPr marL="9525" marR="9525" marT="9525" marB="0" anchor="b">
-                    <a:lnL w="6350" cap="flat" cmpd="sng" algn="ctr">
-                      <a:solidFill>
-                        <a:srgbClr val="000000"/>
-                      </a:solidFill>
-                      <a:prstDash val="dot"/>
-                      <a:round/>
-                      <a:headEnd type="none" w="med" len="med"/>
-                      <a:tailEnd type="none" w="med" len="med"/>
-                    </a:lnL>
-                    <a:lnR w="6350" cap="flat" cmpd="sng" algn="ctr">
-                      <a:solidFill>
-                        <a:srgbClr val="000000"/>
-                      </a:solidFill>
-                      <a:prstDash val="dot"/>
-                      <a:round/>
-                      <a:headEnd type="none" w="med" len="med"/>
-                      <a:tailEnd type="none" w="med" len="med"/>
-                    </a:lnR>
-                    <a:lnT w="6350" cap="flat" cmpd="sng" algn="ctr">
-                      <a:solidFill>
-                        <a:srgbClr val="000000"/>
-                      </a:solidFill>
-                      <a:prstDash val="dot"/>
-                      <a:round/>
-                      <a:headEnd type="none" w="med" len="med"/>
-                      <a:tailEnd type="none" w="med" len="med"/>
-                    </a:lnT>
-                    <a:lnB w="6350" cap="flat" cmpd="sng" algn="ctr">
-                      <a:solidFill>
-                        <a:srgbClr val="000000"/>
-                      </a:solidFill>
-                      <a:prstDash val="dot"/>
-                      <a:round/>
-                      <a:headEnd type="none" w="med" len="med"/>
-                      <a:tailEnd type="none" w="med" len="med"/>
-                    </a:lnB>
-                  </a:tcPr>
-                </a:tc>
-                <a:tc>
-                  <a:txBody>
-                    <a:bodyPr/>
-                    <a:lstStyle/>
-                    <a:p>
-                      <a:pPr algn="l" fontAlgn="b"/>
-                      <a:r>
-                        <a:rPr lang="pt-BR" sz="2800" b="0" i="0" u="none" strike="noStrike">
-                          <a:effectLst/>
-                          <a:latin typeface="Arial"/>
-                        </a:rPr>
-                        <a:t>Gerou</a:t>
-                      </a:r>
-                    </a:p>
-                  </a:txBody>
-                  <a:tcPr marL="9525" marR="9525" marT="9525" marB="0" anchor="b">
-                    <a:lnL w="6350" cap="flat" cmpd="sng" algn="ctr">
-                      <a:solidFill>
-                        <a:srgbClr val="000000"/>
-                      </a:solidFill>
-                      <a:prstDash val="dot"/>
-                      <a:round/>
-                      <a:headEnd type="none" w="med" len="med"/>
-                      <a:tailEnd type="none" w="med" len="med"/>
-                    </a:lnL>
-                    <a:lnR w="6350" cap="flat" cmpd="sng" algn="ctr">
-                      <a:solidFill>
-                        <a:srgbClr val="000000"/>
-                      </a:solidFill>
-                      <a:prstDash val="dot"/>
-                      <a:round/>
-                      <a:headEnd type="none" w="med" len="med"/>
-                      <a:tailEnd type="none" w="med" len="med"/>
-                    </a:lnR>
-                    <a:lnT w="6350" cap="flat" cmpd="sng" algn="ctr">
-                      <a:solidFill>
-                        <a:srgbClr val="000000"/>
-                      </a:solidFill>
-                      <a:prstDash val="dot"/>
-                      <a:round/>
-                      <a:headEnd type="none" w="med" len="med"/>
-                      <a:tailEnd type="none" w="med" len="med"/>
-                    </a:lnT>
-                    <a:lnB w="6350" cap="flat" cmpd="sng" algn="ctr">
-                      <a:solidFill>
-                        <a:srgbClr val="000000"/>
-                      </a:solidFill>
-                      <a:prstDash val="dot"/>
-                      <a:round/>
-                      <a:headEnd type="none" w="med" len="med"/>
-                      <a:tailEnd type="none" w="med" len="med"/>
-                    </a:lnB>
-                  </a:tcPr>
-                </a:tc>
-              </a:tr>
-              <a:tr h="477053">
-                <a:tc>
-                  <a:txBody>
-                    <a:bodyPr/>
-                    <a:lstStyle/>
-                    <a:p>
-                      <a:pPr algn="l" fontAlgn="b"/>
-                      <a:r>
-                        <a:rPr lang="pt-BR" sz="2800" b="0" i="0" u="none" strike="noStrike">
-                          <a:effectLst/>
-                          <a:latin typeface="Arial"/>
-                        </a:rPr>
-                        <a:t>Elaboração da interface gráfica e testes.</a:t>
-                      </a:r>
-                    </a:p>
-                  </a:txBody>
-                  <a:tcPr marL="9525" marR="9525" marT="9525" marB="0" anchor="b">
-                    <a:lnL w="6350" cap="flat" cmpd="sng" algn="ctr">
-                      <a:solidFill>
-                        <a:srgbClr val="000000"/>
-                      </a:solidFill>
-                      <a:prstDash val="dot"/>
-                      <a:round/>
-                      <a:headEnd type="none" w="med" len="med"/>
-                      <a:tailEnd type="none" w="med" len="med"/>
-                    </a:lnL>
-                    <a:lnR w="6350" cap="flat" cmpd="sng" algn="ctr">
-                      <a:solidFill>
-                        <a:srgbClr val="000000"/>
-                      </a:solidFill>
-                      <a:prstDash val="dot"/>
-                      <a:round/>
-                      <a:headEnd type="none" w="med" len="med"/>
-                      <a:tailEnd type="none" w="med" len="med"/>
-                    </a:lnR>
-                    <a:lnT w="6350" cap="flat" cmpd="sng" algn="ctr">
-                      <a:solidFill>
-                        <a:srgbClr val="000000"/>
-                      </a:solidFill>
-                      <a:prstDash val="dot"/>
-                      <a:round/>
-                      <a:headEnd type="none" w="med" len="med"/>
-                      <a:tailEnd type="none" w="med" len="med"/>
-                    </a:lnT>
-                    <a:lnB w="6350" cap="flat" cmpd="sng" algn="ctr">
-                      <a:solidFill>
-                        <a:srgbClr val="000000"/>
-                      </a:solidFill>
-                      <a:prstDash val="dot"/>
-                      <a:round/>
-                      <a:headEnd type="none" w="med" len="med"/>
-                      <a:tailEnd type="none" w="med" len="med"/>
-                    </a:lnB>
-                  </a:tcPr>
-                </a:tc>
-                <a:tc>
-                  <a:txBody>
-                    <a:bodyPr/>
-                    <a:lstStyle/>
-                    <a:p>
-                      <a:pPr algn="l" fontAlgn="b"/>
-                      <a:r>
-                        <a:rPr lang="pt-BR" sz="2800" b="0" i="0" u="none" strike="noStrike">
-                          <a:effectLst/>
-                          <a:latin typeface="Arial"/>
-                        </a:rPr>
-                        <a:t>Interface</a:t>
-                      </a:r>
-                    </a:p>
-                  </a:txBody>
-                  <a:tcPr marL="9525" marR="9525" marT="9525" marB="0" anchor="b">
-                    <a:lnL w="6350" cap="flat" cmpd="sng" algn="ctr">
-                      <a:solidFill>
-                        <a:srgbClr val="000000"/>
-                      </a:solidFill>
-                      <a:prstDash val="dot"/>
-                      <a:round/>
-                      <a:headEnd type="none" w="med" len="med"/>
-                      <a:tailEnd type="none" w="med" len="med"/>
-                    </a:lnL>
-                    <a:lnR w="6350" cap="flat" cmpd="sng" algn="ctr">
-                      <a:solidFill>
-                        <a:srgbClr val="000000"/>
-                      </a:solidFill>
-                      <a:prstDash val="dot"/>
-                      <a:round/>
-                      <a:headEnd type="none" w="med" len="med"/>
-                      <a:tailEnd type="none" w="med" len="med"/>
-                    </a:lnR>
-                    <a:lnT w="6350" cap="flat" cmpd="sng" algn="ctr">
-                      <a:solidFill>
-                        <a:srgbClr val="000000"/>
-                      </a:solidFill>
-                      <a:prstDash val="dot"/>
-                      <a:round/>
-                      <a:headEnd type="none" w="med" len="med"/>
-                      <a:tailEnd type="none" w="med" len="med"/>
-                    </a:lnT>
-                    <a:lnB w="6350" cap="flat" cmpd="sng" algn="ctr">
-                      <a:solidFill>
-                        <a:srgbClr val="000000"/>
-                      </a:solidFill>
-                      <a:prstDash val="dot"/>
-                      <a:round/>
-                      <a:headEnd type="none" w="med" len="med"/>
-                      <a:tailEnd type="none" w="med" len="med"/>
-                    </a:lnB>
-                  </a:tcPr>
-                </a:tc>
-              </a:tr>
-              <a:tr h="477053">
-                <a:tc>
-                  <a:txBody>
-                    <a:bodyPr/>
-                    <a:lstStyle/>
-                    <a:p>
-                      <a:pPr algn="l" fontAlgn="b"/>
-                      <a:endParaRPr lang="pt-BR" sz="2800" b="0" i="0" u="none" strike="noStrike">
-                        <a:effectLst/>
-                        <a:latin typeface="Arial"/>
-                      </a:endParaRPr>
-                    </a:p>
-                  </a:txBody>
-                  <a:tcPr marL="9525" marR="9525" marT="9525" marB="0" anchor="b">
-                    <a:lnL>
-                      <a:noFill/>
-                    </a:lnL>
-                    <a:lnR>
-                      <a:noFill/>
-                    </a:lnR>
-                    <a:lnT w="6350" cap="flat" cmpd="sng" algn="ctr">
-                      <a:solidFill>
-                        <a:srgbClr val="000000"/>
-                      </a:solidFill>
-                      <a:prstDash val="dot"/>
-                      <a:round/>
-                      <a:headEnd type="none" w="med" len="med"/>
-                      <a:tailEnd type="none" w="med" len="med"/>
-                    </a:lnT>
-                    <a:lnB w="6350" cap="flat" cmpd="sng" algn="ctr">
-                      <a:solidFill>
-                        <a:srgbClr val="000000"/>
-                      </a:solidFill>
-                      <a:prstDash val="dot"/>
-                      <a:round/>
-                      <a:headEnd type="none" w="med" len="med"/>
-                      <a:tailEnd type="none" w="med" len="med"/>
-                    </a:lnB>
-                  </a:tcPr>
-                </a:tc>
-                <a:tc>
-                  <a:txBody>
-                    <a:bodyPr/>
-                    <a:lstStyle/>
-                    <a:p>
-                      <a:pPr algn="l" fontAlgn="b"/>
-                      <a:endParaRPr lang="pt-BR" sz="2800" b="0" i="0" u="none" strike="noStrike">
-                        <a:effectLst/>
-                        <a:latin typeface="Arial"/>
-                      </a:endParaRPr>
-                    </a:p>
-                  </a:txBody>
-                  <a:tcPr marL="9525" marR="9525" marT="9525" marB="0" anchor="b">
-                    <a:lnL>
-                      <a:noFill/>
-                    </a:lnL>
-                    <a:lnR>
-                      <a:noFill/>
-                    </a:lnR>
-                    <a:lnT w="6350" cap="flat" cmpd="sng" algn="ctr">
-                      <a:solidFill>
-                        <a:srgbClr val="000000"/>
-                      </a:solidFill>
-                      <a:prstDash val="dot"/>
-                      <a:round/>
-                      <a:headEnd type="none" w="med" len="med"/>
-                      <a:tailEnd type="none" w="med" len="med"/>
-                    </a:lnT>
-                    <a:lnB w="6350" cap="flat" cmpd="sng" algn="ctr">
-                      <a:solidFill>
-                        <a:srgbClr val="000000"/>
-                      </a:solidFill>
-                      <a:prstDash val="dot"/>
-                      <a:round/>
-                      <a:headEnd type="none" w="med" len="med"/>
-                      <a:tailEnd type="none" w="med" len="med"/>
-                    </a:lnB>
-                  </a:tcPr>
-                </a:tc>
-              </a:tr>
-              <a:tr h="477053">
-                <a:tc>
-                  <a:txBody>
-                    <a:bodyPr/>
-                    <a:lstStyle/>
-                    <a:p>
-                      <a:pPr algn="l" fontAlgn="b"/>
-                      <a:r>
-                        <a:rPr lang="pt-BR" sz="2800" b="0" i="0" u="none" strike="noStrike">
-                          <a:effectLst/>
-                          <a:latin typeface="Arial"/>
-                        </a:rPr>
-                        <a:t>6ª Semana</a:t>
-                      </a:r>
-                    </a:p>
-                  </a:txBody>
-                  <a:tcPr marL="9525" marR="9525" marT="9525" marB="0" anchor="b">
-                    <a:lnL w="6350" cap="flat" cmpd="sng" algn="ctr">
-                      <a:solidFill>
-                        <a:srgbClr val="000000"/>
-                      </a:solidFill>
-                      <a:prstDash val="dot"/>
-                      <a:round/>
-                      <a:headEnd type="none" w="med" len="med"/>
-                      <a:tailEnd type="none" w="med" len="med"/>
-                    </a:lnL>
-                    <a:lnR w="6350" cap="flat" cmpd="sng" algn="ctr">
-                      <a:solidFill>
-                        <a:srgbClr val="000000"/>
-                      </a:solidFill>
-                      <a:prstDash val="dot"/>
-                      <a:round/>
-                      <a:headEnd type="none" w="med" len="med"/>
-                      <a:tailEnd type="none" w="med" len="med"/>
-                    </a:lnR>
-                    <a:lnT w="6350" cap="flat" cmpd="sng" algn="ctr">
-                      <a:solidFill>
-                        <a:srgbClr val="000000"/>
-                      </a:solidFill>
-                      <a:prstDash val="dot"/>
-                      <a:round/>
-                      <a:headEnd type="none" w="med" len="med"/>
-                      <a:tailEnd type="none" w="med" len="med"/>
-                    </a:lnT>
-                    <a:lnB w="6350" cap="flat" cmpd="sng" algn="ctr">
-                      <a:solidFill>
-                        <a:srgbClr val="000000"/>
-                      </a:solidFill>
-                      <a:prstDash val="dot"/>
-                      <a:round/>
-                      <a:headEnd type="none" w="med" len="med"/>
-                      <a:tailEnd type="none" w="med" len="med"/>
-                    </a:lnB>
-                  </a:tcPr>
-                </a:tc>
-                <a:tc>
-                  <a:txBody>
-                    <a:bodyPr/>
-                    <a:lstStyle/>
-                    <a:p>
-                      <a:pPr algn="l" fontAlgn="b"/>
-                      <a:r>
-                        <a:rPr lang="pt-BR" sz="2800" b="0" i="0" u="none" strike="noStrike">
-                          <a:effectLst/>
-                          <a:latin typeface="Arial"/>
-                        </a:rPr>
-                        <a:t>Gerou</a:t>
-                      </a:r>
-                    </a:p>
-                  </a:txBody>
-                  <a:tcPr marL="9525" marR="9525" marT="9525" marB="0" anchor="b">
-                    <a:lnL w="6350" cap="flat" cmpd="sng" algn="ctr">
-                      <a:solidFill>
-                        <a:srgbClr val="000000"/>
-                      </a:solidFill>
-                      <a:prstDash val="dot"/>
-                      <a:round/>
-                      <a:headEnd type="none" w="med" len="med"/>
-                      <a:tailEnd type="none" w="med" len="med"/>
-                    </a:lnL>
-                    <a:lnR w="6350" cap="flat" cmpd="sng" algn="ctr">
-                      <a:solidFill>
-                        <a:srgbClr val="000000"/>
-                      </a:solidFill>
-                      <a:prstDash val="dot"/>
-                      <a:round/>
-                      <a:headEnd type="none" w="med" len="med"/>
-                      <a:tailEnd type="none" w="med" len="med"/>
-                    </a:lnR>
-                    <a:lnT w="6350" cap="flat" cmpd="sng" algn="ctr">
-                      <a:solidFill>
-                        <a:srgbClr val="000000"/>
-                      </a:solidFill>
-                      <a:prstDash val="dot"/>
-                      <a:round/>
-                      <a:headEnd type="none" w="med" len="med"/>
-                      <a:tailEnd type="none" w="med" len="med"/>
-                    </a:lnT>
-                    <a:lnB w="6350" cap="flat" cmpd="sng" algn="ctr">
-                      <a:solidFill>
-                        <a:srgbClr val="000000"/>
-                      </a:solidFill>
-                      <a:prstDash val="dot"/>
-                      <a:round/>
-                      <a:headEnd type="none" w="med" len="med"/>
-                      <a:tailEnd type="none" w="med" len="med"/>
-                    </a:lnB>
-                  </a:tcPr>
-                </a:tc>
-              </a:tr>
-              <a:tr h="477053">
-                <a:tc>
-                  <a:txBody>
-                    <a:bodyPr/>
-                    <a:lstStyle/>
-                    <a:p>
-                      <a:pPr algn="l" fontAlgn="b"/>
-                      <a:r>
-                        <a:rPr lang="pt-BR" sz="2800" b="0" i="0" u="none" strike="noStrike">
-                          <a:effectLst/>
-                          <a:latin typeface="Arial"/>
-                        </a:rPr>
-                        <a:t>Manutenção corretiva e testes finais</a:t>
-                      </a:r>
-                    </a:p>
-                  </a:txBody>
-                  <a:tcPr marL="9525" marR="9525" marT="9525" marB="0" anchor="b">
-                    <a:lnL w="6350" cap="flat" cmpd="sng" algn="ctr">
-                      <a:solidFill>
-                        <a:srgbClr val="000000"/>
-                      </a:solidFill>
-                      <a:prstDash val="dot"/>
-                      <a:round/>
-                      <a:headEnd type="none" w="med" len="med"/>
-                      <a:tailEnd type="none" w="med" len="med"/>
-                    </a:lnL>
-                    <a:lnR w="6350" cap="flat" cmpd="sng" algn="ctr">
-                      <a:solidFill>
-                        <a:srgbClr val="000000"/>
-                      </a:solidFill>
-                      <a:prstDash val="dot"/>
-                      <a:round/>
-                      <a:headEnd type="none" w="med" len="med"/>
-                      <a:tailEnd type="none" w="med" len="med"/>
-                    </a:lnR>
-                    <a:lnT w="6350" cap="flat" cmpd="sng" algn="ctr">
-                      <a:solidFill>
-                        <a:srgbClr val="000000"/>
-                      </a:solidFill>
-                      <a:prstDash val="dot"/>
-                      <a:round/>
-                      <a:headEnd type="none" w="med" len="med"/>
-                      <a:tailEnd type="none" w="med" len="med"/>
-                    </a:lnT>
-                    <a:lnB w="6350" cap="flat" cmpd="sng" algn="ctr">
-                      <a:solidFill>
-                        <a:srgbClr val="000000"/>
-                      </a:solidFill>
-                      <a:prstDash val="dot"/>
-                      <a:round/>
-                      <a:headEnd type="none" w="med" len="med"/>
-                      <a:tailEnd type="none" w="med" len="med"/>
-                    </a:lnB>
-                  </a:tcPr>
-                </a:tc>
-                <a:tc>
-                  <a:txBody>
-                    <a:bodyPr/>
-                    <a:lstStyle/>
-                    <a:p>
-                      <a:pPr algn="l" fontAlgn="b"/>
-                      <a:r>
-                        <a:rPr lang="pt-BR" sz="2800" b="0" i="0" u="none" strike="noStrike" dirty="0">
-                          <a:effectLst/>
-                          <a:latin typeface="Arial"/>
-                        </a:rPr>
-                        <a:t>Programa Final</a:t>
-                      </a:r>
-                    </a:p>
-                  </a:txBody>
-                  <a:tcPr marL="9525" marR="9525" marT="9525" marB="0" anchor="b">
-                    <a:lnL w="6350" cap="flat" cmpd="sng" algn="ctr">
-                      <a:solidFill>
-                        <a:srgbClr val="000000"/>
-                      </a:solidFill>
-                      <a:prstDash val="dot"/>
-                      <a:round/>
-                      <a:headEnd type="none" w="med" len="med"/>
-                      <a:tailEnd type="none" w="med" len="med"/>
-                    </a:lnL>
-                    <a:lnR w="6350" cap="flat" cmpd="sng" algn="ctr">
-                      <a:solidFill>
-                        <a:srgbClr val="000000"/>
-                      </a:solidFill>
-                      <a:prstDash val="dot"/>
-                      <a:round/>
-                      <a:headEnd type="none" w="med" len="med"/>
-                      <a:tailEnd type="none" w="med" len="med"/>
-                    </a:lnR>
-                    <a:lnT w="6350" cap="flat" cmpd="sng" algn="ctr">
-                      <a:solidFill>
-                        <a:srgbClr val="000000"/>
-                      </a:solidFill>
-                      <a:prstDash val="dot"/>
-                      <a:round/>
-                      <a:headEnd type="none" w="med" len="med"/>
-                      <a:tailEnd type="none" w="med" len="med"/>
-                    </a:lnT>
-                    <a:lnB w="6350" cap="flat" cmpd="sng" algn="ctr">
-                      <a:solidFill>
-                        <a:srgbClr val="000000"/>
-                      </a:solidFill>
-                      <a:prstDash val="dot"/>
-                      <a:round/>
-                      <a:headEnd type="none" w="med" len="med"/>
-                      <a:tailEnd type="none" w="med" len="med"/>
-                    </a:lnB>
-                  </a:tcPr>
-                </a:tc>
-              </a:tr>
-            </a:tbl>
-          </a:graphicData>
-        </a:graphic>
-      </p:graphicFrame>
-    </p:spTree>
-    <p:extLst>
-      <p:ext uri="{BB962C8B-B14F-4D97-AF65-F5344CB8AC3E}">
-        <p14:creationId xmlns="" xmlns:p14="http://schemas.microsoft.com/office/powerpoint/2010/main" val="2646964981"/>
-      </p:ext>
-    </p:extLst>
-  </p:cSld>
-  <p:clrMapOvr>
-    <a:masterClrMapping/>
-  </p:clrMapOvr>
-  <p:transition>
-    <p:cover/>
-  </p:transition>
-  <p:timing>
-    <p:tnLst>
-      <p:par>
-        <p:cTn id="1" dur="indefinite" restart="never" nodeType="tmRoot"/>
-      </p:par>
-    </p:tnLst>
-  </p:timing>
-</p:sld>
-</file>
-
-<file path=ppt/slides/slide11.xml><?xml version="1.0" encoding="utf-8"?>
 <p:sld xmlns:a="http://schemas.openxmlformats.org/drawingml/2006/main" xmlns:r="http://schemas.openxmlformats.org/officeDocument/2006/relationships" xmlns:p="http://schemas.openxmlformats.org/presentationml/2006/main">
   <p:cSld>
     <p:spTree>
@@ -4984,7 +4093,7 @@
     </p:spTree>
     <p:extLst>
       <p:ext uri="{BB962C8B-B14F-4D97-AF65-F5344CB8AC3E}">
-        <p14:creationId xmlns="" xmlns:p14="http://schemas.microsoft.com/office/powerpoint/2010/main" val="1567074162"/>
+        <p14:creationId xmlns:p14="http://schemas.microsoft.com/office/powerpoint/2010/main" val="1567074162"/>
       </p:ext>
     </p:extLst>
   </p:cSld>
@@ -5841,7 +4950,7 @@
     </p:spTree>
     <p:extLst>
       <p:ext uri="{BB962C8B-B14F-4D97-AF65-F5344CB8AC3E}">
-        <p14:creationId xmlns="" xmlns:p14="http://schemas.microsoft.com/office/powerpoint/2010/main" val="526639743"/>
+        <p14:creationId xmlns:p14="http://schemas.microsoft.com/office/powerpoint/2010/main" val="526639743"/>
       </p:ext>
     </p:extLst>
   </p:cSld>
@@ -6690,92 +5799,6 @@
           <a:lstStyle/>
           <a:p>
             <a:r>
-              <a:rPr lang="pt-BR" dirty="0" err="1" smtClean="0"/>
-              <a:t>OpenProject</a:t>
-            </a:r>
-            <a:r>
-              <a:rPr lang="pt-BR" dirty="0" smtClean="0"/>
-              <a:t>?</a:t>
-            </a:r>
-            <a:endParaRPr lang="pt-BR" dirty="0"/>
-          </a:p>
-        </p:txBody>
-      </p:sp>
-      <p:pic>
-        <p:nvPicPr>
-          <p:cNvPr id="1026" name="Picture 2"/>
-          <p:cNvPicPr>
-            <a:picLocks noGrp="1" noChangeAspect="1" noChangeArrowheads="1"/>
-          </p:cNvPicPr>
-          <p:nvPr>
-            <p:ph idx="1"/>
-          </p:nvPr>
-        </p:nvPicPr>
-        <p:blipFill>
-          <a:blip r:embed="rId2" cstate="print"/>
-          <a:srcRect/>
-          <a:stretch>
-            <a:fillRect/>
-          </a:stretch>
-        </p:blipFill>
-        <p:spPr bwMode="auto">
-          <a:xfrm>
-            <a:off x="457200" y="1620865"/>
-            <a:ext cx="8229600" cy="4484632"/>
-          </a:xfrm>
-          <a:prstGeom prst="rect">
-            <a:avLst/>
-          </a:prstGeom>
-          <a:noFill/>
-          <a:ln w="9525">
-            <a:noFill/>
-            <a:miter lim="800000"/>
-            <a:headEnd/>
-            <a:tailEnd/>
-          </a:ln>
-        </p:spPr>
-      </p:pic>
-    </p:spTree>
-  </p:cSld>
-  <p:clrMapOvr>
-    <a:masterClrMapping/>
-  </p:clrMapOvr>
-</p:sld>
-</file>
-
-<file path=ppt/slides/slide7.xml><?xml version="1.0" encoding="utf-8"?>
-<p:sld xmlns:a="http://schemas.openxmlformats.org/drawingml/2006/main" xmlns:r="http://schemas.openxmlformats.org/officeDocument/2006/relationships" xmlns:p="http://schemas.openxmlformats.org/presentationml/2006/main">
-  <p:cSld>
-    <p:spTree>
-      <p:nvGrpSpPr>
-        <p:cNvPr id="1" name=""/>
-        <p:cNvGrpSpPr/>
-        <p:nvPr/>
-      </p:nvGrpSpPr>
-      <p:grpSpPr>
-        <a:xfrm>
-          <a:off x="0" y="0"/>
-          <a:ext cx="0" cy="0"/>
-          <a:chOff x="0" y="0"/>
-          <a:chExt cx="0" cy="0"/>
-        </a:xfrm>
-      </p:grpSpPr>
-      <p:sp>
-        <p:nvSpPr>
-          <p:cNvPr id="2" name="Title 1"/>
-          <p:cNvSpPr>
-            <a:spLocks noGrp="1"/>
-          </p:cNvSpPr>
-          <p:nvPr>
-            <p:ph type="title"/>
-          </p:nvPr>
-        </p:nvSpPr>
-        <p:spPr/>
-        <p:txBody>
-          <a:bodyPr/>
-          <a:lstStyle/>
-          <a:p>
-            <a:r>
               <a:rPr lang="pt-BR" dirty="0" smtClean="0"/>
               <a:t>Excel</a:t>
             </a:r>
@@ -6822,10 +5845,17 @@
   <p:clrMapOvr>
     <a:masterClrMapping/>
   </p:clrMapOvr>
+  <p:timing>
+    <p:tnLst>
+      <p:par>
+        <p:cTn id="1" dur="indefinite" restart="never" nodeType="tmRoot"/>
+      </p:par>
+    </p:tnLst>
+  </p:timing>
 </p:sld>
 </file>
 
-<file path=ppt/slides/slide8.xml><?xml version="1.0" encoding="utf-8"?>
+<file path=ppt/slides/slide7.xml><?xml version="1.0" encoding="utf-8"?>
 <p:sld xmlns:a="http://schemas.openxmlformats.org/drawingml/2006/main" xmlns:r="http://schemas.openxmlformats.org/officeDocument/2006/relationships" xmlns:p="http://schemas.openxmlformats.org/presentationml/2006/main">
   <p:cSld>
     <p:spTree>
@@ -6851,7 +5881,7 @@
           <p:nvPr>
             <p:extLst>
               <p:ext uri="{D42A27DB-BD31-4B8C-83A1-F6EECF244321}">
-                <p14:modId xmlns="" xmlns:p14="http://schemas.microsoft.com/office/powerpoint/2010/main" val="2877445285"/>
+                <p14:modId xmlns:p14="http://schemas.microsoft.com/office/powerpoint/2010/main" val="529218093"/>
               </p:ext>
             </p:extLst>
           </p:nvPr>
@@ -7488,11 +6518,32 @@
                     <a:p>
                       <a:pPr algn="l" fontAlgn="b"/>
                       <a:r>
+                        <a:rPr lang="pt-BR" sz="2800" b="0" i="0" u="none" strike="noStrike" dirty="0">
+                          <a:effectLst/>
+                          <a:latin typeface="Arial"/>
+                        </a:rPr>
+                        <a:t>Definição </a:t>
+                      </a:r>
+                      <a:r>
                         <a:rPr lang="pt-BR" sz="2800" b="0" i="0" u="none" strike="noStrike">
                           <a:effectLst/>
                           <a:latin typeface="Arial"/>
                         </a:rPr>
-                        <a:t>Definição do medelo de classes</a:t>
+                        <a:t>do </a:t>
+                      </a:r>
+                      <a:r>
+                        <a:rPr lang="pt-BR" sz="2800" b="0" i="0" u="none" strike="noStrike" smtClean="0">
+                          <a:effectLst/>
+                          <a:latin typeface="Arial"/>
+                        </a:rPr>
+                        <a:t>modelo </a:t>
+                      </a:r>
+                      <a:r>
+                        <a:rPr lang="pt-BR" sz="2800" b="0" i="0" u="none" strike="noStrike" dirty="0">
+                          <a:effectLst/>
+                          <a:latin typeface="Arial"/>
+                        </a:rPr>
+                        <a:t>de classes</a:t>
                       </a:r>
                     </a:p>
                   </a:txBody>
@@ -7597,7 +6648,872 @@
     </p:spTree>
     <p:extLst>
       <p:ext uri="{BB962C8B-B14F-4D97-AF65-F5344CB8AC3E}">
-        <p14:creationId xmlns="" xmlns:p14="http://schemas.microsoft.com/office/powerpoint/2010/main" val="2518254064"/>
+        <p14:creationId xmlns:p14="http://schemas.microsoft.com/office/powerpoint/2010/main" val="2518254064"/>
+      </p:ext>
+    </p:extLst>
+  </p:cSld>
+  <p:clrMapOvr>
+    <a:masterClrMapping/>
+  </p:clrMapOvr>
+  <p:transition>
+    <p:cover/>
+  </p:transition>
+  <p:timing>
+    <p:tnLst>
+      <p:par>
+        <p:cTn id="1" dur="indefinite" restart="never" nodeType="tmRoot"/>
+      </p:par>
+    </p:tnLst>
+  </p:timing>
+</p:sld>
+</file>
+
+<file path=ppt/slides/slide8.xml><?xml version="1.0" encoding="utf-8"?>
+<p:sld xmlns:a="http://schemas.openxmlformats.org/drawingml/2006/main" xmlns:r="http://schemas.openxmlformats.org/officeDocument/2006/relationships" xmlns:p="http://schemas.openxmlformats.org/presentationml/2006/main">
+  <p:cSld>
+    <p:spTree>
+      <p:nvGrpSpPr>
+        <p:cNvPr id="1" name=""/>
+        <p:cNvGrpSpPr/>
+        <p:nvPr/>
+      </p:nvGrpSpPr>
+      <p:grpSpPr>
+        <a:xfrm>
+          <a:off x="0" y="0"/>
+          <a:ext cx="0" cy="0"/>
+          <a:chOff x="0" y="0"/>
+          <a:chExt cx="0" cy="0"/>
+        </a:xfrm>
+      </p:grpSpPr>
+      <p:graphicFrame>
+        <p:nvGraphicFramePr>
+          <p:cNvPr id="2" name="Tabela 1"/>
+          <p:cNvGraphicFramePr>
+            <a:graphicFrameLocks noGrp="1"/>
+          </p:cNvGraphicFramePr>
+          <p:nvPr>
+            <p:extLst>
+              <p:ext uri="{D42A27DB-BD31-4B8C-83A1-F6EECF244321}">
+                <p14:modId xmlns:p14="http://schemas.microsoft.com/office/powerpoint/2010/main" val="2730804079"/>
+              </p:ext>
+            </p:extLst>
+          </p:nvPr>
+        </p:nvGraphicFramePr>
+        <p:xfrm>
+          <a:off x="107504" y="1268760"/>
+          <a:ext cx="8848774" cy="4289280"/>
+        </p:xfrm>
+        <a:graphic>
+          <a:graphicData uri="http://schemas.openxmlformats.org/drawingml/2006/table">
+            <a:tbl>
+              <a:tblPr/>
+              <a:tblGrid>
+                <a:gridCol w="5976664"/>
+                <a:gridCol w="2872110"/>
+              </a:tblGrid>
+              <a:tr h="604260">
+                <a:tc>
+                  <a:txBody>
+                    <a:bodyPr/>
+                    <a:lstStyle/>
+                    <a:p>
+                      <a:pPr algn="l" fontAlgn="b"/>
+                      <a:r>
+                        <a:rPr lang="pt-BR" sz="2000" b="0" i="0" u="none" strike="noStrike" dirty="0">
+                          <a:effectLst/>
+                          <a:latin typeface="Arial"/>
+                        </a:rPr>
+                        <a:t>3ª semana</a:t>
+                      </a:r>
+                    </a:p>
+                  </a:txBody>
+                  <a:tcPr marL="9525" marR="9525" marT="9525" marB="0" anchor="b">
+                    <a:lnL w="6350" cap="flat" cmpd="sng" algn="ctr">
+                      <a:solidFill>
+                        <a:srgbClr val="000000"/>
+                      </a:solidFill>
+                      <a:prstDash val="dot"/>
+                      <a:round/>
+                      <a:headEnd type="none" w="med" len="med"/>
+                      <a:tailEnd type="none" w="med" len="med"/>
+                    </a:lnL>
+                    <a:lnR w="6350" cap="flat" cmpd="sng" algn="ctr">
+                      <a:solidFill>
+                        <a:srgbClr val="000000"/>
+                      </a:solidFill>
+                      <a:prstDash val="dot"/>
+                      <a:round/>
+                      <a:headEnd type="none" w="med" len="med"/>
+                      <a:tailEnd type="none" w="med" len="med"/>
+                    </a:lnR>
+                    <a:lnT w="6350" cap="flat" cmpd="sng" algn="ctr">
+                      <a:solidFill>
+                        <a:srgbClr val="000000"/>
+                      </a:solidFill>
+                      <a:prstDash val="dot"/>
+                      <a:round/>
+                      <a:headEnd type="none" w="med" len="med"/>
+                      <a:tailEnd type="none" w="med" len="med"/>
+                    </a:lnT>
+                    <a:lnB w="6350" cap="flat" cmpd="sng" algn="ctr">
+                      <a:solidFill>
+                        <a:srgbClr val="000000"/>
+                      </a:solidFill>
+                      <a:prstDash val="dot"/>
+                      <a:round/>
+                      <a:headEnd type="none" w="med" len="med"/>
+                      <a:tailEnd type="none" w="med" len="med"/>
+                    </a:lnB>
+                  </a:tcPr>
+                </a:tc>
+                <a:tc>
+                  <a:txBody>
+                    <a:bodyPr/>
+                    <a:lstStyle/>
+                    <a:p>
+                      <a:pPr algn="l" fontAlgn="b"/>
+                      <a:r>
+                        <a:rPr lang="pt-BR" sz="2000" b="0" i="0" u="none" strike="noStrike">
+                          <a:effectLst/>
+                          <a:latin typeface="Arial"/>
+                        </a:rPr>
+                        <a:t>Gerou</a:t>
+                      </a:r>
+                    </a:p>
+                  </a:txBody>
+                  <a:tcPr marL="9525" marR="9525" marT="9525" marB="0" anchor="b">
+                    <a:lnL w="6350" cap="flat" cmpd="sng" algn="ctr">
+                      <a:solidFill>
+                        <a:srgbClr val="000000"/>
+                      </a:solidFill>
+                      <a:prstDash val="dot"/>
+                      <a:round/>
+                      <a:headEnd type="none" w="med" len="med"/>
+                      <a:tailEnd type="none" w="med" len="med"/>
+                    </a:lnL>
+                    <a:lnR w="6350" cap="flat" cmpd="sng" algn="ctr">
+                      <a:solidFill>
+                        <a:srgbClr val="000000"/>
+                      </a:solidFill>
+                      <a:prstDash val="dot"/>
+                      <a:round/>
+                      <a:headEnd type="none" w="med" len="med"/>
+                      <a:tailEnd type="none" w="med" len="med"/>
+                    </a:lnR>
+                    <a:lnT w="6350" cap="flat" cmpd="sng" algn="ctr">
+                      <a:solidFill>
+                        <a:srgbClr val="000000"/>
+                      </a:solidFill>
+                      <a:prstDash val="dot"/>
+                      <a:round/>
+                      <a:headEnd type="none" w="med" len="med"/>
+                      <a:tailEnd type="none" w="med" len="med"/>
+                    </a:lnT>
+                    <a:lnB w="6350" cap="flat" cmpd="sng" algn="ctr">
+                      <a:solidFill>
+                        <a:srgbClr val="000000"/>
+                      </a:solidFill>
+                      <a:prstDash val="dot"/>
+                      <a:round/>
+                      <a:headEnd type="none" w="med" len="med"/>
+                      <a:tailEnd type="none" w="med" len="med"/>
+                    </a:lnB>
+                  </a:tcPr>
+                </a:tc>
+              </a:tr>
+              <a:tr h="604260">
+                <a:tc>
+                  <a:txBody>
+                    <a:bodyPr/>
+                    <a:lstStyle/>
+                    <a:p>
+                      <a:pPr algn="l" fontAlgn="b"/>
+                      <a:r>
+                        <a:rPr lang="pt-BR" sz="2000" b="0" i="0" u="none" strike="noStrike" dirty="0">
+                          <a:effectLst/>
+                          <a:latin typeface="Arial"/>
+                        </a:rPr>
+                        <a:t>Escolha do paradigma de desenvolvimento a ser </a:t>
+                      </a:r>
+                      <a:r>
+                        <a:rPr lang="pt-BR" sz="2000" b="0" i="0" u="none" strike="noStrike" dirty="0" smtClean="0">
+                          <a:effectLst/>
+                          <a:latin typeface="Arial"/>
+                        </a:rPr>
+                        <a:t>utilizado</a:t>
+                      </a:r>
+                      <a:endParaRPr lang="pt-BR" sz="2000" b="0" i="0" u="none" strike="noStrike" dirty="0">
+                        <a:effectLst/>
+                        <a:latin typeface="Arial"/>
+                      </a:endParaRPr>
+                    </a:p>
+                  </a:txBody>
+                  <a:tcPr marL="9525" marR="9525" marT="9525" marB="0" anchor="b">
+                    <a:lnL w="6350" cap="flat" cmpd="sng" algn="ctr">
+                      <a:solidFill>
+                        <a:srgbClr val="000000"/>
+                      </a:solidFill>
+                      <a:prstDash val="dot"/>
+                      <a:round/>
+                      <a:headEnd type="none" w="med" len="med"/>
+                      <a:tailEnd type="none" w="med" len="med"/>
+                    </a:lnL>
+                    <a:lnR w="6350" cap="flat" cmpd="sng" algn="ctr">
+                      <a:solidFill>
+                        <a:srgbClr val="000000"/>
+                      </a:solidFill>
+                      <a:prstDash val="dot"/>
+                      <a:round/>
+                      <a:headEnd type="none" w="med" len="med"/>
+                      <a:tailEnd type="none" w="med" len="med"/>
+                    </a:lnR>
+                    <a:lnT w="6350" cap="flat" cmpd="sng" algn="ctr">
+                      <a:solidFill>
+                        <a:srgbClr val="000000"/>
+                      </a:solidFill>
+                      <a:prstDash val="dot"/>
+                      <a:round/>
+                      <a:headEnd type="none" w="med" len="med"/>
+                      <a:tailEnd type="none" w="med" len="med"/>
+                    </a:lnT>
+                    <a:lnB w="6350" cap="flat" cmpd="sng" algn="ctr">
+                      <a:solidFill>
+                        <a:srgbClr val="000000"/>
+                      </a:solidFill>
+                      <a:prstDash val="dot"/>
+                      <a:round/>
+                      <a:headEnd type="none" w="med" len="med"/>
+                      <a:tailEnd type="none" w="med" len="med"/>
+                    </a:lnB>
+                  </a:tcPr>
+                </a:tc>
+                <a:tc>
+                  <a:txBody>
+                    <a:bodyPr/>
+                    <a:lstStyle/>
+                    <a:p>
+                      <a:pPr algn="l" fontAlgn="b"/>
+                      <a:r>
+                        <a:rPr lang="pt-BR" sz="2000" b="0" i="0" u="none" strike="noStrike" dirty="0" smtClean="0">
+                          <a:effectLst/>
+                          <a:latin typeface="Arial"/>
+                        </a:rPr>
+                        <a:t>Modelo </a:t>
+                      </a:r>
+                      <a:r>
+                        <a:rPr lang="pt-BR" sz="2000" b="0" i="0" u="none" strike="noStrike" dirty="0" err="1">
+                          <a:effectLst/>
+                          <a:latin typeface="Arial"/>
+                        </a:rPr>
+                        <a:t>logico</a:t>
+                      </a:r>
+                      <a:r>
+                        <a:rPr lang="pt-BR" sz="2000" b="0" i="0" u="none" strike="noStrike" dirty="0">
+                          <a:effectLst/>
+                          <a:latin typeface="Arial"/>
+                        </a:rPr>
+                        <a:t> do BD</a:t>
+                      </a:r>
+                    </a:p>
+                  </a:txBody>
+                  <a:tcPr marL="9525" marR="9525" marT="9525" marB="0" anchor="b">
+                    <a:lnL w="6350" cap="flat" cmpd="sng" algn="ctr">
+                      <a:solidFill>
+                        <a:srgbClr val="000000"/>
+                      </a:solidFill>
+                      <a:prstDash val="dot"/>
+                      <a:round/>
+                      <a:headEnd type="none" w="med" len="med"/>
+                      <a:tailEnd type="none" w="med" len="med"/>
+                    </a:lnL>
+                    <a:lnR w="6350" cap="flat" cmpd="sng" algn="ctr">
+                      <a:solidFill>
+                        <a:srgbClr val="000000"/>
+                      </a:solidFill>
+                      <a:prstDash val="dot"/>
+                      <a:round/>
+                      <a:headEnd type="none" w="med" len="med"/>
+                      <a:tailEnd type="none" w="med" len="med"/>
+                    </a:lnR>
+                    <a:lnT w="6350" cap="flat" cmpd="sng" algn="ctr">
+                      <a:solidFill>
+                        <a:srgbClr val="000000"/>
+                      </a:solidFill>
+                      <a:prstDash val="dot"/>
+                      <a:round/>
+                      <a:headEnd type="none" w="med" len="med"/>
+                      <a:tailEnd type="none" w="med" len="med"/>
+                    </a:lnT>
+                    <a:lnB w="6350" cap="flat" cmpd="sng" algn="ctr">
+                      <a:solidFill>
+                        <a:srgbClr val="000000"/>
+                      </a:solidFill>
+                      <a:prstDash val="dot"/>
+                      <a:round/>
+                      <a:headEnd type="none" w="med" len="med"/>
+                      <a:tailEnd type="none" w="med" len="med"/>
+                    </a:lnB>
+                  </a:tcPr>
+                </a:tc>
+              </a:tr>
+              <a:tr h="604260">
+                <a:tc>
+                  <a:txBody>
+                    <a:bodyPr/>
+                    <a:lstStyle/>
+                    <a:p>
+                      <a:pPr algn="l" fontAlgn="b"/>
+                      <a:r>
+                        <a:rPr lang="pt-BR" sz="2000" b="0" i="0" u="none" strike="noStrike">
+                          <a:effectLst/>
+                          <a:latin typeface="Arial"/>
+                        </a:rPr>
+                        <a:t>Escolha da linguagem utilizada</a:t>
+                      </a:r>
+                    </a:p>
+                  </a:txBody>
+                  <a:tcPr marL="9525" marR="9525" marT="9525" marB="0" anchor="b">
+                    <a:lnL w="6350" cap="flat" cmpd="sng" algn="ctr">
+                      <a:solidFill>
+                        <a:srgbClr val="000000"/>
+                      </a:solidFill>
+                      <a:prstDash val="dot"/>
+                      <a:round/>
+                      <a:headEnd type="none" w="med" len="med"/>
+                      <a:tailEnd type="none" w="med" len="med"/>
+                    </a:lnL>
+                    <a:lnR w="6350" cap="flat" cmpd="sng" algn="ctr">
+                      <a:solidFill>
+                        <a:srgbClr val="000000"/>
+                      </a:solidFill>
+                      <a:prstDash val="dot"/>
+                      <a:round/>
+                      <a:headEnd type="none" w="med" len="med"/>
+                      <a:tailEnd type="none" w="med" len="med"/>
+                    </a:lnR>
+                    <a:lnT w="6350" cap="flat" cmpd="sng" algn="ctr">
+                      <a:solidFill>
+                        <a:srgbClr val="000000"/>
+                      </a:solidFill>
+                      <a:prstDash val="dot"/>
+                      <a:round/>
+                      <a:headEnd type="none" w="med" len="med"/>
+                      <a:tailEnd type="none" w="med" len="med"/>
+                    </a:lnT>
+                    <a:lnB w="6350" cap="flat" cmpd="sng" algn="ctr">
+                      <a:solidFill>
+                        <a:srgbClr val="000000"/>
+                      </a:solidFill>
+                      <a:prstDash val="dot"/>
+                      <a:round/>
+                      <a:headEnd type="none" w="med" len="med"/>
+                      <a:tailEnd type="none" w="med" len="med"/>
+                    </a:lnB>
+                  </a:tcPr>
+                </a:tc>
+                <a:tc>
+                  <a:txBody>
+                    <a:bodyPr/>
+                    <a:lstStyle/>
+                    <a:p>
+                      <a:pPr algn="l" fontAlgn="b"/>
+                      <a:r>
+                        <a:rPr lang="pt-BR" sz="2000" b="0" i="0" u="none" strike="noStrike">
+                          <a:effectLst/>
+                          <a:latin typeface="Arial"/>
+                        </a:rPr>
+                        <a:t>Prévia da interface</a:t>
+                      </a:r>
+                    </a:p>
+                  </a:txBody>
+                  <a:tcPr marL="9525" marR="9525" marT="9525" marB="0" anchor="b">
+                    <a:lnL w="6350" cap="flat" cmpd="sng" algn="ctr">
+                      <a:solidFill>
+                        <a:srgbClr val="000000"/>
+                      </a:solidFill>
+                      <a:prstDash val="dot"/>
+                      <a:round/>
+                      <a:headEnd type="none" w="med" len="med"/>
+                      <a:tailEnd type="none" w="med" len="med"/>
+                    </a:lnL>
+                    <a:lnR w="6350" cap="flat" cmpd="sng" algn="ctr">
+                      <a:solidFill>
+                        <a:srgbClr val="000000"/>
+                      </a:solidFill>
+                      <a:prstDash val="dot"/>
+                      <a:round/>
+                      <a:headEnd type="none" w="med" len="med"/>
+                      <a:tailEnd type="none" w="med" len="med"/>
+                    </a:lnR>
+                    <a:lnT w="6350" cap="flat" cmpd="sng" algn="ctr">
+                      <a:solidFill>
+                        <a:srgbClr val="000000"/>
+                      </a:solidFill>
+                      <a:prstDash val="dot"/>
+                      <a:round/>
+                      <a:headEnd type="none" w="med" len="med"/>
+                      <a:tailEnd type="none" w="med" len="med"/>
+                    </a:lnT>
+                    <a:lnB w="6350" cap="flat" cmpd="sng" algn="ctr">
+                      <a:solidFill>
+                        <a:srgbClr val="000000"/>
+                      </a:solidFill>
+                      <a:prstDash val="dot"/>
+                      <a:round/>
+                      <a:headEnd type="none" w="med" len="med"/>
+                      <a:tailEnd type="none" w="med" len="med"/>
+                    </a:lnB>
+                  </a:tcPr>
+                </a:tc>
+              </a:tr>
+              <a:tr h="604260">
+                <a:tc>
+                  <a:txBody>
+                    <a:bodyPr/>
+                    <a:lstStyle/>
+                    <a:p>
+                      <a:pPr algn="l" fontAlgn="b"/>
+                      <a:r>
+                        <a:rPr lang="pt-BR" sz="2000" b="0" i="0" u="none" strike="noStrike">
+                          <a:effectLst/>
+                          <a:latin typeface="Arial"/>
+                        </a:rPr>
+                        <a:t>Escolha das IDEs e sistemas operacionais, computadores</a:t>
+                      </a:r>
+                    </a:p>
+                  </a:txBody>
+                  <a:tcPr marL="9525" marR="9525" marT="9525" marB="0" anchor="b">
+                    <a:lnL w="6350" cap="flat" cmpd="sng" algn="ctr">
+                      <a:solidFill>
+                        <a:srgbClr val="000000"/>
+                      </a:solidFill>
+                      <a:prstDash val="dot"/>
+                      <a:round/>
+                      <a:headEnd type="none" w="med" len="med"/>
+                      <a:tailEnd type="none" w="med" len="med"/>
+                    </a:lnL>
+                    <a:lnR w="6350" cap="flat" cmpd="sng" algn="ctr">
+                      <a:solidFill>
+                        <a:srgbClr val="000000"/>
+                      </a:solidFill>
+                      <a:prstDash val="dot"/>
+                      <a:round/>
+                      <a:headEnd type="none" w="med" len="med"/>
+                      <a:tailEnd type="none" w="med" len="med"/>
+                    </a:lnR>
+                    <a:lnT w="6350" cap="flat" cmpd="sng" algn="ctr">
+                      <a:solidFill>
+                        <a:srgbClr val="000000"/>
+                      </a:solidFill>
+                      <a:prstDash val="dot"/>
+                      <a:round/>
+                      <a:headEnd type="none" w="med" len="med"/>
+                      <a:tailEnd type="none" w="med" len="med"/>
+                    </a:lnT>
+                    <a:lnB w="6350" cap="flat" cmpd="sng" algn="ctr">
+                      <a:solidFill>
+                        <a:srgbClr val="000000"/>
+                      </a:solidFill>
+                      <a:prstDash val="dot"/>
+                      <a:round/>
+                      <a:headEnd type="none" w="med" len="med"/>
+                      <a:tailEnd type="none" w="med" len="med"/>
+                    </a:lnB>
+                  </a:tcPr>
+                </a:tc>
+                <a:tc>
+                  <a:txBody>
+                    <a:bodyPr/>
+                    <a:lstStyle/>
+                    <a:p>
+                      <a:pPr algn="l" fontAlgn="b"/>
+                      <a:r>
+                        <a:rPr lang="pt-BR" sz="2000" b="0" i="0" u="none" strike="noStrike">
+                          <a:effectLst/>
+                          <a:latin typeface="Arial"/>
+                        </a:rPr>
+                        <a:t> </a:t>
+                      </a:r>
+                    </a:p>
+                  </a:txBody>
+                  <a:tcPr marL="9525" marR="9525" marT="9525" marB="0" anchor="b">
+                    <a:lnL w="6350" cap="flat" cmpd="sng" algn="ctr">
+                      <a:solidFill>
+                        <a:srgbClr val="000000"/>
+                      </a:solidFill>
+                      <a:prstDash val="dot"/>
+                      <a:round/>
+                      <a:headEnd type="none" w="med" len="med"/>
+                      <a:tailEnd type="none" w="med" len="med"/>
+                    </a:lnL>
+                    <a:lnR w="6350" cap="flat" cmpd="sng" algn="ctr">
+                      <a:solidFill>
+                        <a:srgbClr val="000000"/>
+                      </a:solidFill>
+                      <a:prstDash val="dot"/>
+                      <a:round/>
+                      <a:headEnd type="none" w="med" len="med"/>
+                      <a:tailEnd type="none" w="med" len="med"/>
+                    </a:lnR>
+                    <a:lnT w="6350" cap="flat" cmpd="sng" algn="ctr">
+                      <a:solidFill>
+                        <a:srgbClr val="000000"/>
+                      </a:solidFill>
+                      <a:prstDash val="dot"/>
+                      <a:round/>
+                      <a:headEnd type="none" w="med" len="med"/>
+                      <a:tailEnd type="none" w="med" len="med"/>
+                    </a:lnT>
+                    <a:lnB w="6350" cap="flat" cmpd="sng" algn="ctr">
+                      <a:solidFill>
+                        <a:srgbClr val="000000"/>
+                      </a:solidFill>
+                      <a:prstDash val="dot"/>
+                      <a:round/>
+                      <a:headEnd type="none" w="med" len="med"/>
+                      <a:tailEnd type="none" w="med" len="med"/>
+                    </a:lnB>
+                  </a:tcPr>
+                </a:tc>
+              </a:tr>
+              <a:tr h="604260">
+                <a:tc>
+                  <a:txBody>
+                    <a:bodyPr/>
+                    <a:lstStyle/>
+                    <a:p>
+                      <a:pPr algn="l" fontAlgn="b"/>
+                      <a:r>
+                        <a:rPr lang="pt-BR" sz="2000" b="0" i="0" u="none" strike="noStrike">
+                          <a:effectLst/>
+                          <a:latin typeface="Arial"/>
+                        </a:rPr>
+                        <a:t>Definição de qual parte cada integrante ficara responsavel</a:t>
+                      </a:r>
+                    </a:p>
+                  </a:txBody>
+                  <a:tcPr marL="9525" marR="9525" marT="9525" marB="0" anchor="b">
+                    <a:lnL w="6350" cap="flat" cmpd="sng" algn="ctr">
+                      <a:solidFill>
+                        <a:srgbClr val="000000"/>
+                      </a:solidFill>
+                      <a:prstDash val="dot"/>
+                      <a:round/>
+                      <a:headEnd type="none" w="med" len="med"/>
+                      <a:tailEnd type="none" w="med" len="med"/>
+                    </a:lnL>
+                    <a:lnR w="6350" cap="flat" cmpd="sng" algn="ctr">
+                      <a:solidFill>
+                        <a:srgbClr val="000000"/>
+                      </a:solidFill>
+                      <a:prstDash val="dot"/>
+                      <a:round/>
+                      <a:headEnd type="none" w="med" len="med"/>
+                      <a:tailEnd type="none" w="med" len="med"/>
+                    </a:lnR>
+                    <a:lnT w="6350" cap="flat" cmpd="sng" algn="ctr">
+                      <a:solidFill>
+                        <a:srgbClr val="000000"/>
+                      </a:solidFill>
+                      <a:prstDash val="dot"/>
+                      <a:round/>
+                      <a:headEnd type="none" w="med" len="med"/>
+                      <a:tailEnd type="none" w="med" len="med"/>
+                    </a:lnT>
+                    <a:lnB w="6350" cap="flat" cmpd="sng" algn="ctr">
+                      <a:solidFill>
+                        <a:srgbClr val="000000"/>
+                      </a:solidFill>
+                      <a:prstDash val="dot"/>
+                      <a:round/>
+                      <a:headEnd type="none" w="med" len="med"/>
+                      <a:tailEnd type="none" w="med" len="med"/>
+                    </a:lnB>
+                  </a:tcPr>
+                </a:tc>
+                <a:tc>
+                  <a:txBody>
+                    <a:bodyPr/>
+                    <a:lstStyle/>
+                    <a:p>
+                      <a:pPr algn="l" fontAlgn="b"/>
+                      <a:r>
+                        <a:rPr lang="pt-BR" sz="2000" b="0" i="0" u="none" strike="noStrike">
+                          <a:effectLst/>
+                          <a:latin typeface="Arial"/>
+                        </a:rPr>
+                        <a:t> </a:t>
+                      </a:r>
+                    </a:p>
+                  </a:txBody>
+                  <a:tcPr marL="9525" marR="9525" marT="9525" marB="0" anchor="b">
+                    <a:lnL w="6350" cap="flat" cmpd="sng" algn="ctr">
+                      <a:solidFill>
+                        <a:srgbClr val="000000"/>
+                      </a:solidFill>
+                      <a:prstDash val="dot"/>
+                      <a:round/>
+                      <a:headEnd type="none" w="med" len="med"/>
+                      <a:tailEnd type="none" w="med" len="med"/>
+                    </a:lnL>
+                    <a:lnR w="6350" cap="flat" cmpd="sng" algn="ctr">
+                      <a:solidFill>
+                        <a:srgbClr val="000000"/>
+                      </a:solidFill>
+                      <a:prstDash val="dot"/>
+                      <a:round/>
+                      <a:headEnd type="none" w="med" len="med"/>
+                      <a:tailEnd type="none" w="med" len="med"/>
+                    </a:lnR>
+                    <a:lnT w="6350" cap="flat" cmpd="sng" algn="ctr">
+                      <a:solidFill>
+                        <a:srgbClr val="000000"/>
+                      </a:solidFill>
+                      <a:prstDash val="dot"/>
+                      <a:round/>
+                      <a:headEnd type="none" w="med" len="med"/>
+                      <a:tailEnd type="none" w="med" len="med"/>
+                    </a:lnT>
+                    <a:lnB w="6350" cap="flat" cmpd="sng" algn="ctr">
+                      <a:solidFill>
+                        <a:srgbClr val="000000"/>
+                      </a:solidFill>
+                      <a:prstDash val="dot"/>
+                      <a:round/>
+                      <a:headEnd type="none" w="med" len="med"/>
+                      <a:tailEnd type="none" w="med" len="med"/>
+                    </a:lnB>
+                  </a:tcPr>
+                </a:tc>
+              </a:tr>
+              <a:tr h="604260">
+                <a:tc>
+                  <a:txBody>
+                    <a:bodyPr/>
+                    <a:lstStyle/>
+                    <a:p>
+                      <a:pPr algn="l" fontAlgn="b"/>
+                      <a:r>
+                        <a:rPr lang="pt-BR" sz="2000" b="0" i="0" u="none" strike="noStrike">
+                          <a:effectLst/>
+                          <a:latin typeface="Arial"/>
+                        </a:rPr>
+                        <a:t>Definição dos hardwares que serão utilizados</a:t>
+                      </a:r>
+                    </a:p>
+                  </a:txBody>
+                  <a:tcPr marL="9525" marR="9525" marT="9525" marB="0" anchor="b">
+                    <a:lnL w="6350" cap="flat" cmpd="sng" algn="ctr">
+                      <a:solidFill>
+                        <a:srgbClr val="000000"/>
+                      </a:solidFill>
+                      <a:prstDash val="dot"/>
+                      <a:round/>
+                      <a:headEnd type="none" w="med" len="med"/>
+                      <a:tailEnd type="none" w="med" len="med"/>
+                    </a:lnL>
+                    <a:lnR w="6350" cap="flat" cmpd="sng" algn="ctr">
+                      <a:solidFill>
+                        <a:srgbClr val="000000"/>
+                      </a:solidFill>
+                      <a:prstDash val="dot"/>
+                      <a:round/>
+                      <a:headEnd type="none" w="med" len="med"/>
+                      <a:tailEnd type="none" w="med" len="med"/>
+                    </a:lnR>
+                    <a:lnT w="6350" cap="flat" cmpd="sng" algn="ctr">
+                      <a:solidFill>
+                        <a:srgbClr val="000000"/>
+                      </a:solidFill>
+                      <a:prstDash val="dot"/>
+                      <a:round/>
+                      <a:headEnd type="none" w="med" len="med"/>
+                      <a:tailEnd type="none" w="med" len="med"/>
+                    </a:lnT>
+                    <a:lnB w="6350" cap="flat" cmpd="sng" algn="ctr">
+                      <a:solidFill>
+                        <a:srgbClr val="000000"/>
+                      </a:solidFill>
+                      <a:prstDash val="dot"/>
+                      <a:round/>
+                      <a:headEnd type="none" w="med" len="med"/>
+                      <a:tailEnd type="none" w="med" len="med"/>
+                    </a:lnB>
+                  </a:tcPr>
+                </a:tc>
+                <a:tc>
+                  <a:txBody>
+                    <a:bodyPr/>
+                    <a:lstStyle/>
+                    <a:p>
+                      <a:pPr algn="l" fontAlgn="b"/>
+                      <a:r>
+                        <a:rPr lang="pt-BR" sz="2000" b="0" i="0" u="none" strike="noStrike">
+                          <a:effectLst/>
+                          <a:latin typeface="Arial"/>
+                        </a:rPr>
+                        <a:t> </a:t>
+                      </a:r>
+                    </a:p>
+                  </a:txBody>
+                  <a:tcPr marL="9525" marR="9525" marT="9525" marB="0" anchor="b">
+                    <a:lnL w="6350" cap="flat" cmpd="sng" algn="ctr">
+                      <a:solidFill>
+                        <a:srgbClr val="000000"/>
+                      </a:solidFill>
+                      <a:prstDash val="dot"/>
+                      <a:round/>
+                      <a:headEnd type="none" w="med" len="med"/>
+                      <a:tailEnd type="none" w="med" len="med"/>
+                    </a:lnL>
+                    <a:lnR w="6350" cap="flat" cmpd="sng" algn="ctr">
+                      <a:solidFill>
+                        <a:srgbClr val="000000"/>
+                      </a:solidFill>
+                      <a:prstDash val="dot"/>
+                      <a:round/>
+                      <a:headEnd type="none" w="med" len="med"/>
+                      <a:tailEnd type="none" w="med" len="med"/>
+                    </a:lnR>
+                    <a:lnT w="6350" cap="flat" cmpd="sng" algn="ctr">
+                      <a:solidFill>
+                        <a:srgbClr val="000000"/>
+                      </a:solidFill>
+                      <a:prstDash val="dot"/>
+                      <a:round/>
+                      <a:headEnd type="none" w="med" len="med"/>
+                      <a:tailEnd type="none" w="med" len="med"/>
+                    </a:lnT>
+                    <a:lnB w="6350" cap="flat" cmpd="sng" algn="ctr">
+                      <a:solidFill>
+                        <a:srgbClr val="000000"/>
+                      </a:solidFill>
+                      <a:prstDash val="dot"/>
+                      <a:round/>
+                      <a:headEnd type="none" w="med" len="med"/>
+                      <a:tailEnd type="none" w="med" len="med"/>
+                    </a:lnB>
+                  </a:tcPr>
+                </a:tc>
+              </a:tr>
+              <a:tr h="604260">
+                <a:tc>
+                  <a:txBody>
+                    <a:bodyPr/>
+                    <a:lstStyle/>
+                    <a:p>
+                      <a:pPr algn="l" fontAlgn="b"/>
+                      <a:r>
+                        <a:rPr lang="pt-BR" sz="2000" b="0" i="0" u="none" strike="noStrike">
+                          <a:effectLst/>
+                          <a:latin typeface="Arial"/>
+                        </a:rPr>
+                        <a:t>Esboço do modelo lógico do banco de dados e da interface do programa</a:t>
+                      </a:r>
+                    </a:p>
+                  </a:txBody>
+                  <a:tcPr marL="9525" marR="9525" marT="9525" marB="0" anchor="b">
+                    <a:lnL w="6350" cap="flat" cmpd="sng" algn="ctr">
+                      <a:solidFill>
+                        <a:srgbClr val="000000"/>
+                      </a:solidFill>
+                      <a:prstDash val="dot"/>
+                      <a:round/>
+                      <a:headEnd type="none" w="med" len="med"/>
+                      <a:tailEnd type="none" w="med" len="med"/>
+                    </a:lnL>
+                    <a:lnR w="6350" cap="flat" cmpd="sng" algn="ctr">
+                      <a:solidFill>
+                        <a:srgbClr val="000000"/>
+                      </a:solidFill>
+                      <a:prstDash val="dot"/>
+                      <a:round/>
+                      <a:headEnd type="none" w="med" len="med"/>
+                      <a:tailEnd type="none" w="med" len="med"/>
+                    </a:lnR>
+                    <a:lnT w="6350" cap="flat" cmpd="sng" algn="ctr">
+                      <a:solidFill>
+                        <a:srgbClr val="000000"/>
+                      </a:solidFill>
+                      <a:prstDash val="dot"/>
+                      <a:round/>
+                      <a:headEnd type="none" w="med" len="med"/>
+                      <a:tailEnd type="none" w="med" len="med"/>
+                    </a:lnT>
+                    <a:lnB w="6350" cap="flat" cmpd="sng" algn="ctr">
+                      <a:solidFill>
+                        <a:srgbClr val="000000"/>
+                      </a:solidFill>
+                      <a:prstDash val="dot"/>
+                      <a:round/>
+                      <a:headEnd type="none" w="med" len="med"/>
+                      <a:tailEnd type="none" w="med" len="med"/>
+                    </a:lnB>
+                  </a:tcPr>
+                </a:tc>
+                <a:tc>
+                  <a:txBody>
+                    <a:bodyPr/>
+                    <a:lstStyle/>
+                    <a:p>
+                      <a:pPr algn="l" fontAlgn="b"/>
+                      <a:r>
+                        <a:rPr lang="pt-BR" sz="2000" b="0" i="0" u="none" strike="noStrike" dirty="0">
+                          <a:effectLst/>
+                          <a:latin typeface="Arial"/>
+                        </a:rPr>
+                        <a:t> </a:t>
+                      </a:r>
+                    </a:p>
+                  </a:txBody>
+                  <a:tcPr marL="9525" marR="9525" marT="9525" marB="0" anchor="b">
+                    <a:lnL w="6350" cap="flat" cmpd="sng" algn="ctr">
+                      <a:solidFill>
+                        <a:srgbClr val="000000"/>
+                      </a:solidFill>
+                      <a:prstDash val="dot"/>
+                      <a:round/>
+                      <a:headEnd type="none" w="med" len="med"/>
+                      <a:tailEnd type="none" w="med" len="med"/>
+                    </a:lnL>
+                    <a:lnR w="6350" cap="flat" cmpd="sng" algn="ctr">
+                      <a:solidFill>
+                        <a:srgbClr val="000000"/>
+                      </a:solidFill>
+                      <a:prstDash val="dot"/>
+                      <a:round/>
+                      <a:headEnd type="none" w="med" len="med"/>
+                      <a:tailEnd type="none" w="med" len="med"/>
+                    </a:lnR>
+                    <a:lnT w="6350" cap="flat" cmpd="sng" algn="ctr">
+                      <a:solidFill>
+                        <a:srgbClr val="000000"/>
+                      </a:solidFill>
+                      <a:prstDash val="dot"/>
+                      <a:round/>
+                      <a:headEnd type="none" w="med" len="med"/>
+                      <a:tailEnd type="none" w="med" len="med"/>
+                    </a:lnT>
+                    <a:lnB w="6350" cap="flat" cmpd="sng" algn="ctr">
+                      <a:solidFill>
+                        <a:srgbClr val="000000"/>
+                      </a:solidFill>
+                      <a:prstDash val="dot"/>
+                      <a:round/>
+                      <a:headEnd type="none" w="med" len="med"/>
+                      <a:tailEnd type="none" w="med" len="med"/>
+                    </a:lnB>
+                  </a:tcPr>
+                </a:tc>
+              </a:tr>
+            </a:tbl>
+          </a:graphicData>
+        </a:graphic>
+      </p:graphicFrame>
+    </p:spTree>
+    <p:extLst>
+      <p:ext uri="{BB962C8B-B14F-4D97-AF65-F5344CB8AC3E}">
+        <p14:creationId xmlns:p14="http://schemas.microsoft.com/office/powerpoint/2010/main" val="1573777146"/>
       </p:ext>
     </p:extLst>
   </p:cSld>
@@ -7643,24 +7559,24 @@
           <p:nvPr>
             <p:extLst>
               <p:ext uri="{D42A27DB-BD31-4B8C-83A1-F6EECF244321}">
-                <p14:modId xmlns="" xmlns:p14="http://schemas.microsoft.com/office/powerpoint/2010/main" val="2730804079"/>
+                <p14:modId xmlns:p14="http://schemas.microsoft.com/office/powerpoint/2010/main" val="4053274123"/>
               </p:ext>
             </p:extLst>
           </p:nvPr>
         </p:nvGraphicFramePr>
         <p:xfrm>
-          <a:off x="107504" y="1268760"/>
-          <a:ext cx="8848774" cy="4289280"/>
+          <a:off x="251520" y="1196752"/>
+          <a:ext cx="8712968" cy="4588248"/>
         </p:xfrm>
         <a:graphic>
           <a:graphicData uri="http://schemas.openxmlformats.org/drawingml/2006/table">
             <a:tbl>
               <a:tblPr/>
               <a:tblGrid>
-                <a:gridCol w="5976664"/>
-                <a:gridCol w="2872110"/>
+                <a:gridCol w="6470534"/>
+                <a:gridCol w="2242434"/>
               </a:tblGrid>
-              <a:tr h="604260">
+              <a:tr h="477053">
                 <a:tc>
                   <a:txBody>
                     <a:bodyPr/>
@@ -7668,11 +7584,11 @@
                     <a:p>
                       <a:pPr algn="l" fontAlgn="b"/>
                       <a:r>
-                        <a:rPr lang="pt-BR" sz="2000" b="0" i="0" u="none" strike="noStrike" dirty="0">
+                        <a:rPr lang="pt-BR" sz="2800" b="0" i="0" u="none" strike="noStrike">
                           <a:effectLst/>
                           <a:latin typeface="Arial"/>
                         </a:rPr>
-                        <a:t>3ª semana</a:t>
+                        <a:t>4ª Semana</a:t>
                       </a:r>
                     </a:p>
                   </a:txBody>
@@ -7722,7 +7638,7 @@
                     <a:p>
                       <a:pPr algn="l" fontAlgn="b"/>
                       <a:r>
-                        <a:rPr lang="pt-BR" sz="2000" b="0" i="0" u="none" strike="noStrike">
+                        <a:rPr lang="pt-BR" sz="2800" b="0" i="0" u="none" strike="noStrike">
                           <a:effectLst/>
                           <a:latin typeface="Arial"/>
                         </a:rPr>
@@ -7770,7 +7686,7 @@
                   </a:tcPr>
                 </a:tc>
               </a:tr>
-              <a:tr h="604260">
+              <a:tr h="477053">
                 <a:tc>
                   <a:txBody>
                     <a:bodyPr/>
@@ -7778,23 +7694,12 @@
                     <a:p>
                       <a:pPr algn="l" fontAlgn="b"/>
                       <a:r>
-                        <a:rPr lang="pt-BR" sz="2000" b="0" i="0" u="none" strike="noStrike" dirty="0">
+                        <a:rPr lang="pt-BR" sz="2800" b="0" i="0" u="none" strike="noStrike">
                           <a:effectLst/>
                           <a:latin typeface="Arial"/>
                         </a:rPr>
-                        <a:t>Escolha do paradigma de desenvolvimento a ser </a:t>
+                        <a:t>Elaboração do banco de dados, dos módulos de cadastro</a:t>
                       </a:r>
-                      <a:r>
-                        <a:rPr lang="pt-BR" sz="2000" b="0" i="0" u="none" strike="noStrike" dirty="0" smtClean="0">
-                          <a:effectLst/>
-                          <a:latin typeface="Arial"/>
-                        </a:rPr>
-                        <a:t>utilizado</a:t>
-                      </a:r>
-                      <a:endParaRPr lang="pt-BR" sz="2000" b="0" i="0" u="none" strike="noStrike" dirty="0">
-                        <a:effectLst/>
-                        <a:latin typeface="Arial"/>
-                      </a:endParaRPr>
                     </a:p>
                   </a:txBody>
                   <a:tcPr marL="9525" marR="9525" marT="9525" marB="0" anchor="b">
@@ -7843,25 +7748,11 @@
                     <a:p>
                       <a:pPr algn="l" fontAlgn="b"/>
                       <a:r>
-                        <a:rPr lang="pt-BR" sz="2000" b="0" i="0" u="none" strike="noStrike" dirty="0" smtClean="0">
+                        <a:rPr lang="pt-BR" sz="2800" b="0" i="0" u="none" strike="noStrike">
                           <a:effectLst/>
                           <a:latin typeface="Arial"/>
                         </a:rPr>
-                        <a:t>Modelo </a:t>
-                      </a:r>
-                      <a:r>
-                        <a:rPr lang="pt-BR" sz="2000" b="0" i="0" u="none" strike="noStrike" dirty="0" err="1">
-                          <a:effectLst/>
-                          <a:latin typeface="Arial"/>
-                        </a:rPr>
-                        <a:t>logico</a:t>
-                      </a:r>
-                      <a:r>
-                        <a:rPr lang="pt-BR" sz="2000" b="0" i="0" u="none" strike="noStrike" dirty="0">
-                          <a:effectLst/>
-                          <a:latin typeface="Arial"/>
-                        </a:rPr>
-                        <a:t> do BD</a:t>
+                        <a:t>banco de dados</a:t>
                       </a:r>
                     </a:p>
                   </a:txBody>
@@ -7905,7 +7796,87 @@
                   </a:tcPr>
                 </a:tc>
               </a:tr>
-              <a:tr h="604260">
+              <a:tr h="477053">
+                <a:tc>
+                  <a:txBody>
+                    <a:bodyPr/>
+                    <a:lstStyle/>
+                    <a:p>
+                      <a:pPr algn="l" fontAlgn="b"/>
+                      <a:endParaRPr lang="pt-BR" sz="2800" b="0" i="0" u="none" strike="noStrike">
+                        <a:effectLst/>
+                        <a:latin typeface="Arial"/>
+                      </a:endParaRPr>
+                    </a:p>
+                  </a:txBody>
+                  <a:tcPr marL="9525" marR="9525" marT="9525" marB="0" anchor="b">
+                    <a:lnL>
+                      <a:noFill/>
+                    </a:lnL>
+                    <a:lnR>
+                      <a:noFill/>
+                    </a:lnR>
+                    <a:lnT w="6350" cap="flat" cmpd="sng" algn="ctr">
+                      <a:solidFill>
+                        <a:srgbClr val="000000"/>
+                      </a:solidFill>
+                      <a:prstDash val="dot"/>
+                      <a:round/>
+                      <a:headEnd type="none" w="med" len="med"/>
+                      <a:tailEnd type="none" w="med" len="med"/>
+                    </a:lnT>
+                    <a:lnB w="6350" cap="flat" cmpd="sng" algn="ctr">
+                      <a:solidFill>
+                        <a:srgbClr val="000000"/>
+                      </a:solidFill>
+                      <a:prstDash val="dot"/>
+                      <a:round/>
+                      <a:headEnd type="none" w="med" len="med"/>
+                      <a:tailEnd type="none" w="med" len="med"/>
+                    </a:lnB>
+                  </a:tcPr>
+                </a:tc>
+                <a:tc>
+                  <a:txBody>
+                    <a:bodyPr/>
+                    <a:lstStyle/>
+                    <a:p>
+                      <a:pPr algn="l" fontAlgn="b"/>
+                      <a:endParaRPr lang="pt-BR" sz="2800" b="0" i="0" u="none" strike="noStrike">
+                        <a:effectLst/>
+                        <a:latin typeface="Arial"/>
+                      </a:endParaRPr>
+                    </a:p>
+                  </a:txBody>
+                  <a:tcPr marL="9525" marR="9525" marT="9525" marB="0" anchor="b">
+                    <a:lnL>
+                      <a:noFill/>
+                    </a:lnL>
+                    <a:lnR>
+                      <a:noFill/>
+                    </a:lnR>
+                    <a:lnT w="6350" cap="flat" cmpd="sng" algn="ctr">
+                      <a:solidFill>
+                        <a:srgbClr val="000000"/>
+                      </a:solidFill>
+                      <a:prstDash val="dot"/>
+                      <a:round/>
+                      <a:headEnd type="none" w="med" len="med"/>
+                      <a:tailEnd type="none" w="med" len="med"/>
+                    </a:lnT>
+                    <a:lnB w="6350" cap="flat" cmpd="sng" algn="ctr">
+                      <a:solidFill>
+                        <a:srgbClr val="000000"/>
+                      </a:solidFill>
+                      <a:prstDash val="dot"/>
+                      <a:round/>
+                      <a:headEnd type="none" w="med" len="med"/>
+                      <a:tailEnd type="none" w="med" len="med"/>
+                    </a:lnB>
+                  </a:tcPr>
+                </a:tc>
+              </a:tr>
+              <a:tr h="477053">
                 <a:tc>
                   <a:txBody>
                     <a:bodyPr/>
@@ -7913,11 +7884,11 @@
                     <a:p>
                       <a:pPr algn="l" fontAlgn="b"/>
                       <a:r>
-                        <a:rPr lang="pt-BR" sz="2000" b="0" i="0" u="none" strike="noStrike">
+                        <a:rPr lang="pt-BR" sz="2800" b="0" i="0" u="none" strike="noStrike">
                           <a:effectLst/>
                           <a:latin typeface="Arial"/>
                         </a:rPr>
-                        <a:t>Escolha da linguagem utilizada</a:t>
+                        <a:t>5ª semana</a:t>
                       </a:r>
                     </a:p>
                   </a:txBody>
@@ -7967,11 +7938,11 @@
                     <a:p>
                       <a:pPr algn="l" fontAlgn="b"/>
                       <a:r>
-                        <a:rPr lang="pt-BR" sz="2000" b="0" i="0" u="none" strike="noStrike">
+                        <a:rPr lang="pt-BR" sz="2800" b="0" i="0" u="none" strike="noStrike">
                           <a:effectLst/>
                           <a:latin typeface="Arial"/>
                         </a:rPr>
-                        <a:t>Prévia da interface</a:t>
+                        <a:t>Gerou</a:t>
                       </a:r>
                     </a:p>
                   </a:txBody>
@@ -8015,7 +7986,7 @@
                   </a:tcPr>
                 </a:tc>
               </a:tr>
-              <a:tr h="604260">
+              <a:tr h="477053">
                 <a:tc>
                   <a:txBody>
                     <a:bodyPr/>
@@ -8023,11 +7994,11 @@
                     <a:p>
                       <a:pPr algn="l" fontAlgn="b"/>
                       <a:r>
-                        <a:rPr lang="pt-BR" sz="2000" b="0" i="0" u="none" strike="noStrike">
+                        <a:rPr lang="pt-BR" sz="2800" b="0" i="0" u="none" strike="noStrike">
                           <a:effectLst/>
                           <a:latin typeface="Arial"/>
                         </a:rPr>
-                        <a:t>Escolha das IDEs e sistemas operacionais, computadores</a:t>
+                        <a:t>Elaboração da interface gráfica e testes.</a:t>
                       </a:r>
                     </a:p>
                   </a:txBody>
@@ -8077,11 +8048,11 @@
                     <a:p>
                       <a:pPr algn="l" fontAlgn="b"/>
                       <a:r>
-                        <a:rPr lang="pt-BR" sz="2000" b="0" i="0" u="none" strike="noStrike">
+                        <a:rPr lang="pt-BR" sz="2800" b="0" i="0" u="none" strike="noStrike">
                           <a:effectLst/>
                           <a:latin typeface="Arial"/>
                         </a:rPr>
-                        <a:t> </a:t>
+                        <a:t>Interface</a:t>
                       </a:r>
                     </a:p>
                   </a:txBody>
@@ -8125,7 +8096,87 @@
                   </a:tcPr>
                 </a:tc>
               </a:tr>
-              <a:tr h="604260">
+              <a:tr h="477053">
+                <a:tc>
+                  <a:txBody>
+                    <a:bodyPr/>
+                    <a:lstStyle/>
+                    <a:p>
+                      <a:pPr algn="l" fontAlgn="b"/>
+                      <a:endParaRPr lang="pt-BR" sz="2800" b="0" i="0" u="none" strike="noStrike">
+                        <a:effectLst/>
+                        <a:latin typeface="Arial"/>
+                      </a:endParaRPr>
+                    </a:p>
+                  </a:txBody>
+                  <a:tcPr marL="9525" marR="9525" marT="9525" marB="0" anchor="b">
+                    <a:lnL>
+                      <a:noFill/>
+                    </a:lnL>
+                    <a:lnR>
+                      <a:noFill/>
+                    </a:lnR>
+                    <a:lnT w="6350" cap="flat" cmpd="sng" algn="ctr">
+                      <a:solidFill>
+                        <a:srgbClr val="000000"/>
+                      </a:solidFill>
+                      <a:prstDash val="dot"/>
+                      <a:round/>
+                      <a:headEnd type="none" w="med" len="med"/>
+                      <a:tailEnd type="none" w="med" len="med"/>
+                    </a:lnT>
+                    <a:lnB w="6350" cap="flat" cmpd="sng" algn="ctr">
+                      <a:solidFill>
+                        <a:srgbClr val="000000"/>
+                      </a:solidFill>
+                      <a:prstDash val="dot"/>
+                      <a:round/>
+                      <a:headEnd type="none" w="med" len="med"/>
+                      <a:tailEnd type="none" w="med" len="med"/>
+                    </a:lnB>
+                  </a:tcPr>
+                </a:tc>
+                <a:tc>
+                  <a:txBody>
+                    <a:bodyPr/>
+                    <a:lstStyle/>
+                    <a:p>
+                      <a:pPr algn="l" fontAlgn="b"/>
+                      <a:endParaRPr lang="pt-BR" sz="2800" b="0" i="0" u="none" strike="noStrike">
+                        <a:effectLst/>
+                        <a:latin typeface="Arial"/>
+                      </a:endParaRPr>
+                    </a:p>
+                  </a:txBody>
+                  <a:tcPr marL="9525" marR="9525" marT="9525" marB="0" anchor="b">
+                    <a:lnL>
+                      <a:noFill/>
+                    </a:lnL>
+                    <a:lnR>
+                      <a:noFill/>
+                    </a:lnR>
+                    <a:lnT w="6350" cap="flat" cmpd="sng" algn="ctr">
+                      <a:solidFill>
+                        <a:srgbClr val="000000"/>
+                      </a:solidFill>
+                      <a:prstDash val="dot"/>
+                      <a:round/>
+                      <a:headEnd type="none" w="med" len="med"/>
+                      <a:tailEnd type="none" w="med" len="med"/>
+                    </a:lnT>
+                    <a:lnB w="6350" cap="flat" cmpd="sng" algn="ctr">
+                      <a:solidFill>
+                        <a:srgbClr val="000000"/>
+                      </a:solidFill>
+                      <a:prstDash val="dot"/>
+                      <a:round/>
+                      <a:headEnd type="none" w="med" len="med"/>
+                      <a:tailEnd type="none" w="med" len="med"/>
+                    </a:lnB>
+                  </a:tcPr>
+                </a:tc>
+              </a:tr>
+              <a:tr h="477053">
                 <a:tc>
                   <a:txBody>
                     <a:bodyPr/>
@@ -8133,11 +8184,11 @@
                     <a:p>
                       <a:pPr algn="l" fontAlgn="b"/>
                       <a:r>
-                        <a:rPr lang="pt-BR" sz="2000" b="0" i="0" u="none" strike="noStrike">
+                        <a:rPr lang="pt-BR" sz="2800" b="0" i="0" u="none" strike="noStrike">
                           <a:effectLst/>
                           <a:latin typeface="Arial"/>
                         </a:rPr>
-                        <a:t>Definição de qual parte cada integrante ficara responsavel</a:t>
+                        <a:t>6ª Semana</a:t>
                       </a:r>
                     </a:p>
                   </a:txBody>
@@ -8187,11 +8238,11 @@
                     <a:p>
                       <a:pPr algn="l" fontAlgn="b"/>
                       <a:r>
-                        <a:rPr lang="pt-BR" sz="2000" b="0" i="0" u="none" strike="noStrike">
+                        <a:rPr lang="pt-BR" sz="2800" b="0" i="0" u="none" strike="noStrike">
                           <a:effectLst/>
                           <a:latin typeface="Arial"/>
                         </a:rPr>
-                        <a:t> </a:t>
+                        <a:t>Gerou</a:t>
                       </a:r>
                     </a:p>
                   </a:txBody>
@@ -8235,7 +8286,7 @@
                   </a:tcPr>
                 </a:tc>
               </a:tr>
-              <a:tr h="604260">
+              <a:tr h="477053">
                 <a:tc>
                   <a:txBody>
                     <a:bodyPr/>
@@ -8243,11 +8294,11 @@
                     <a:p>
                       <a:pPr algn="l" fontAlgn="b"/>
                       <a:r>
-                        <a:rPr lang="pt-BR" sz="2000" b="0" i="0" u="none" strike="noStrike">
+                        <a:rPr lang="pt-BR" sz="2800" b="0" i="0" u="none" strike="noStrike">
                           <a:effectLst/>
                           <a:latin typeface="Arial"/>
                         </a:rPr>
-                        <a:t>Definição dos hardwares que serão utilizados</a:t>
+                        <a:t>Manutenção corretiva e testes finais</a:t>
                       </a:r>
                     </a:p>
                   </a:txBody>
@@ -8297,121 +8348,11 @@
                     <a:p>
                       <a:pPr algn="l" fontAlgn="b"/>
                       <a:r>
-                        <a:rPr lang="pt-BR" sz="2000" b="0" i="0" u="none" strike="noStrike">
+                        <a:rPr lang="pt-BR" sz="2800" b="0" i="0" u="none" strike="noStrike" dirty="0">
                           <a:effectLst/>
                           <a:latin typeface="Arial"/>
                         </a:rPr>
-                        <a:t> </a:t>
-                      </a:r>
-                    </a:p>
-                  </a:txBody>
-                  <a:tcPr marL="9525" marR="9525" marT="9525" marB="0" anchor="b">
-                    <a:lnL w="6350" cap="flat" cmpd="sng" algn="ctr">
-                      <a:solidFill>
-                        <a:srgbClr val="000000"/>
-                      </a:solidFill>
-                      <a:prstDash val="dot"/>
-                      <a:round/>
-                      <a:headEnd type="none" w="med" len="med"/>
-                      <a:tailEnd type="none" w="med" len="med"/>
-                    </a:lnL>
-                    <a:lnR w="6350" cap="flat" cmpd="sng" algn="ctr">
-                      <a:solidFill>
-                        <a:srgbClr val="000000"/>
-                      </a:solidFill>
-                      <a:prstDash val="dot"/>
-                      <a:round/>
-                      <a:headEnd type="none" w="med" len="med"/>
-                      <a:tailEnd type="none" w="med" len="med"/>
-                    </a:lnR>
-                    <a:lnT w="6350" cap="flat" cmpd="sng" algn="ctr">
-                      <a:solidFill>
-                        <a:srgbClr val="000000"/>
-                      </a:solidFill>
-                      <a:prstDash val="dot"/>
-                      <a:round/>
-                      <a:headEnd type="none" w="med" len="med"/>
-                      <a:tailEnd type="none" w="med" len="med"/>
-                    </a:lnT>
-                    <a:lnB w="6350" cap="flat" cmpd="sng" algn="ctr">
-                      <a:solidFill>
-                        <a:srgbClr val="000000"/>
-                      </a:solidFill>
-                      <a:prstDash val="dot"/>
-                      <a:round/>
-                      <a:headEnd type="none" w="med" len="med"/>
-                      <a:tailEnd type="none" w="med" len="med"/>
-                    </a:lnB>
-                  </a:tcPr>
-                </a:tc>
-              </a:tr>
-              <a:tr h="604260">
-                <a:tc>
-                  <a:txBody>
-                    <a:bodyPr/>
-                    <a:lstStyle/>
-                    <a:p>
-                      <a:pPr algn="l" fontAlgn="b"/>
-                      <a:r>
-                        <a:rPr lang="pt-BR" sz="2000" b="0" i="0" u="none" strike="noStrike">
-                          <a:effectLst/>
-                          <a:latin typeface="Arial"/>
-                        </a:rPr>
-                        <a:t>Esboço do modelo lógico do banco de dados e da interface do programa</a:t>
-                      </a:r>
-                    </a:p>
-                  </a:txBody>
-                  <a:tcPr marL="9525" marR="9525" marT="9525" marB="0" anchor="b">
-                    <a:lnL w="6350" cap="flat" cmpd="sng" algn="ctr">
-                      <a:solidFill>
-                        <a:srgbClr val="000000"/>
-                      </a:solidFill>
-                      <a:prstDash val="dot"/>
-                      <a:round/>
-                      <a:headEnd type="none" w="med" len="med"/>
-                      <a:tailEnd type="none" w="med" len="med"/>
-                    </a:lnL>
-                    <a:lnR w="6350" cap="flat" cmpd="sng" algn="ctr">
-                      <a:solidFill>
-                        <a:srgbClr val="000000"/>
-                      </a:solidFill>
-                      <a:prstDash val="dot"/>
-                      <a:round/>
-                      <a:headEnd type="none" w="med" len="med"/>
-                      <a:tailEnd type="none" w="med" len="med"/>
-                    </a:lnR>
-                    <a:lnT w="6350" cap="flat" cmpd="sng" algn="ctr">
-                      <a:solidFill>
-                        <a:srgbClr val="000000"/>
-                      </a:solidFill>
-                      <a:prstDash val="dot"/>
-                      <a:round/>
-                      <a:headEnd type="none" w="med" len="med"/>
-                      <a:tailEnd type="none" w="med" len="med"/>
-                    </a:lnT>
-                    <a:lnB w="6350" cap="flat" cmpd="sng" algn="ctr">
-                      <a:solidFill>
-                        <a:srgbClr val="000000"/>
-                      </a:solidFill>
-                      <a:prstDash val="dot"/>
-                      <a:round/>
-                      <a:headEnd type="none" w="med" len="med"/>
-                      <a:tailEnd type="none" w="med" len="med"/>
-                    </a:lnB>
-                  </a:tcPr>
-                </a:tc>
-                <a:tc>
-                  <a:txBody>
-                    <a:bodyPr/>
-                    <a:lstStyle/>
-                    <a:p>
-                      <a:pPr algn="l" fontAlgn="b"/>
-                      <a:r>
-                        <a:rPr lang="pt-BR" sz="2000" b="0" i="0" u="none" strike="noStrike" dirty="0">
-                          <a:effectLst/>
-                          <a:latin typeface="Arial"/>
-                        </a:rPr>
-                        <a:t> </a:t>
+                        <a:t>Programa Final</a:t>
                       </a:r>
                     </a:p>
                   </a:txBody>
@@ -8462,7 +8403,7 @@
     </p:spTree>
     <p:extLst>
       <p:ext uri="{BB962C8B-B14F-4D97-AF65-F5344CB8AC3E}">
-        <p14:creationId xmlns="" xmlns:p14="http://schemas.microsoft.com/office/powerpoint/2010/main" val="1573777146"/>
+        <p14:creationId xmlns:p14="http://schemas.microsoft.com/office/powerpoint/2010/main" val="2646964981"/>
       </p:ext>
     </p:extLst>
   </p:cSld>
